--- a/Lectures/Day3_4lecture_McDonaldValley_Stage2.pptx
+++ b/Lectures/Day3_4lecture_McDonaldValley_Stage2.pptx
@@ -175,6 +175,1434 @@
 
 <file path=ppt/changesInfos/changesInfo1.xml><?xml version="1.0" encoding="utf-8"?>
 <pc:chgInfo xmlns:a="http://schemas.openxmlformats.org/drawingml/2006/main" xmlns:r="http://schemas.openxmlformats.org/officeDocument/2006/relationships" xmlns:ac="http://schemas.microsoft.com/office/drawing/2013/main/command" xmlns:pc="http://schemas.microsoft.com/office/powerpoint/2013/main/command">
+  <pc:docChgLst>
+    <pc:chgData name="Hughes, Joseph D" userId="bd5f5bbf-fc0b-41ca-af42-bfb8d56f1f7b" providerId="ADAL" clId="{C67A0D07-8AED-A74E-B1BB-567FB2C22816}"/>
+    <pc:docChg chg="undo custSel addSld delSld modSld modMainMaster modNotesMaster">
+      <pc:chgData name="Hughes, Joseph D" userId="bd5f5bbf-fc0b-41ca-af42-bfb8d56f1f7b" providerId="ADAL" clId="{C67A0D07-8AED-A74E-B1BB-567FB2C22816}" dt="2023-01-06T15:24:56.876" v="322" actId="20577"/>
+      <pc:docMkLst>
+        <pc:docMk/>
+      </pc:docMkLst>
+      <pc:sldChg chg="modSp del">
+        <pc:chgData name="Hughes, Joseph D" userId="bd5f5bbf-fc0b-41ca-af42-bfb8d56f1f7b" providerId="ADAL" clId="{C67A0D07-8AED-A74E-B1BB-567FB2C22816}" dt="2023-01-05T22:27:41.604" v="101" actId="2696"/>
+        <pc:sldMkLst>
+          <pc:docMk/>
+          <pc:sldMk cId="0" sldId="565"/>
+        </pc:sldMkLst>
+        <pc:spChg chg="mod">
+          <ac:chgData name="Hughes, Joseph D" userId="bd5f5bbf-fc0b-41ca-af42-bfb8d56f1f7b" providerId="ADAL" clId="{C67A0D07-8AED-A74E-B1BB-567FB2C22816}" dt="2023-01-05T22:26:18.561" v="0"/>
+          <ac:spMkLst>
+            <pc:docMk/>
+            <pc:sldMk cId="0" sldId="565"/>
+            <ac:spMk id="2050" creationId="{00000000-0000-0000-0000-000000000000}"/>
+          </ac:spMkLst>
+        </pc:spChg>
+      </pc:sldChg>
+      <pc:sldChg chg="modSp mod">
+        <pc:chgData name="Hughes, Joseph D" userId="bd5f5bbf-fc0b-41ca-af42-bfb8d56f1f7b" providerId="ADAL" clId="{C67A0D07-8AED-A74E-B1BB-567FB2C22816}" dt="2023-01-06T15:24:56.876" v="322" actId="20577"/>
+        <pc:sldMkLst>
+          <pc:docMk/>
+          <pc:sldMk cId="0" sldId="566"/>
+        </pc:sldMkLst>
+        <pc:spChg chg="mod">
+          <ac:chgData name="Hughes, Joseph D" userId="bd5f5bbf-fc0b-41ca-af42-bfb8d56f1f7b" providerId="ADAL" clId="{C67A0D07-8AED-A74E-B1BB-567FB2C22816}" dt="2023-01-06T15:24:56.876" v="322" actId="20577"/>
+          <ac:spMkLst>
+            <pc:docMk/>
+            <pc:sldMk cId="0" sldId="566"/>
+            <ac:spMk id="3" creationId="{00000000-0000-0000-0000-000000000000}"/>
+          </ac:spMkLst>
+        </pc:spChg>
+      </pc:sldChg>
+      <pc:sldChg chg="modSp mod">
+        <pc:chgData name="Hughes, Joseph D" userId="bd5f5bbf-fc0b-41ca-af42-bfb8d56f1f7b" providerId="ADAL" clId="{C67A0D07-8AED-A74E-B1BB-567FB2C22816}" dt="2023-01-06T15:04:38.975" v="178" actId="465"/>
+        <pc:sldMkLst>
+          <pc:docMk/>
+          <pc:sldMk cId="0" sldId="570"/>
+        </pc:sldMkLst>
+        <pc:spChg chg="mod">
+          <ac:chgData name="Hughes, Joseph D" userId="bd5f5bbf-fc0b-41ca-af42-bfb8d56f1f7b" providerId="ADAL" clId="{C67A0D07-8AED-A74E-B1BB-567FB2C22816}" dt="2023-01-06T15:04:38.975" v="178" actId="465"/>
+          <ac:spMkLst>
+            <pc:docMk/>
+            <pc:sldMk cId="0" sldId="570"/>
+            <ac:spMk id="10244" creationId="{00000000-0000-0000-0000-000000000000}"/>
+          </ac:spMkLst>
+        </pc:spChg>
+        <pc:spChg chg="mod">
+          <ac:chgData name="Hughes, Joseph D" userId="bd5f5bbf-fc0b-41ca-af42-bfb8d56f1f7b" providerId="ADAL" clId="{C67A0D07-8AED-A74E-B1BB-567FB2C22816}" dt="2023-01-06T15:04:29.278" v="177" actId="408"/>
+          <ac:spMkLst>
+            <pc:docMk/>
+            <pc:sldMk cId="0" sldId="570"/>
+            <ac:spMk id="10245" creationId="{00000000-0000-0000-0000-000000000000}"/>
+          </ac:spMkLst>
+        </pc:spChg>
+        <pc:spChg chg="mod">
+          <ac:chgData name="Hughes, Joseph D" userId="bd5f5bbf-fc0b-41ca-af42-bfb8d56f1f7b" providerId="ADAL" clId="{C67A0D07-8AED-A74E-B1BB-567FB2C22816}" dt="2023-01-06T15:04:29.278" v="177" actId="408"/>
+          <ac:spMkLst>
+            <pc:docMk/>
+            <pc:sldMk cId="0" sldId="570"/>
+            <ac:spMk id="10246" creationId="{00000000-0000-0000-0000-000000000000}"/>
+          </ac:spMkLst>
+        </pc:spChg>
+        <pc:spChg chg="mod">
+          <ac:chgData name="Hughes, Joseph D" userId="bd5f5bbf-fc0b-41ca-af42-bfb8d56f1f7b" providerId="ADAL" clId="{C67A0D07-8AED-A74E-B1BB-567FB2C22816}" dt="2023-01-06T15:04:29.278" v="177" actId="408"/>
+          <ac:spMkLst>
+            <pc:docMk/>
+            <pc:sldMk cId="0" sldId="570"/>
+            <ac:spMk id="10247" creationId="{00000000-0000-0000-0000-000000000000}"/>
+          </ac:spMkLst>
+        </pc:spChg>
+        <pc:spChg chg="mod">
+          <ac:chgData name="Hughes, Joseph D" userId="bd5f5bbf-fc0b-41ca-af42-bfb8d56f1f7b" providerId="ADAL" clId="{C67A0D07-8AED-A74E-B1BB-567FB2C22816}" dt="2023-01-06T15:04:29.278" v="177" actId="408"/>
+          <ac:spMkLst>
+            <pc:docMk/>
+            <pc:sldMk cId="0" sldId="570"/>
+            <ac:spMk id="10248" creationId="{00000000-0000-0000-0000-000000000000}"/>
+          </ac:spMkLst>
+        </pc:spChg>
+        <pc:spChg chg="mod">
+          <ac:chgData name="Hughes, Joseph D" userId="bd5f5bbf-fc0b-41ca-af42-bfb8d56f1f7b" providerId="ADAL" clId="{C67A0D07-8AED-A74E-B1BB-567FB2C22816}" dt="2023-01-06T15:04:29.278" v="177" actId="408"/>
+          <ac:spMkLst>
+            <pc:docMk/>
+            <pc:sldMk cId="0" sldId="570"/>
+            <ac:spMk id="10250" creationId="{00000000-0000-0000-0000-000000000000}"/>
+          </ac:spMkLst>
+        </pc:spChg>
+        <pc:spChg chg="mod">
+          <ac:chgData name="Hughes, Joseph D" userId="bd5f5bbf-fc0b-41ca-af42-bfb8d56f1f7b" providerId="ADAL" clId="{C67A0D07-8AED-A74E-B1BB-567FB2C22816}" dt="2023-01-06T15:04:29.278" v="177" actId="408"/>
+          <ac:spMkLst>
+            <pc:docMk/>
+            <pc:sldMk cId="0" sldId="570"/>
+            <ac:spMk id="10251" creationId="{00000000-0000-0000-0000-000000000000}"/>
+          </ac:spMkLst>
+        </pc:spChg>
+        <pc:spChg chg="mod">
+          <ac:chgData name="Hughes, Joseph D" userId="bd5f5bbf-fc0b-41ca-af42-bfb8d56f1f7b" providerId="ADAL" clId="{C67A0D07-8AED-A74E-B1BB-567FB2C22816}" dt="2023-01-06T15:04:29.278" v="177" actId="408"/>
+          <ac:spMkLst>
+            <pc:docMk/>
+            <pc:sldMk cId="0" sldId="570"/>
+            <ac:spMk id="10252" creationId="{00000000-0000-0000-0000-000000000000}"/>
+          </ac:spMkLst>
+        </pc:spChg>
+        <pc:spChg chg="mod">
+          <ac:chgData name="Hughes, Joseph D" userId="bd5f5bbf-fc0b-41ca-af42-bfb8d56f1f7b" providerId="ADAL" clId="{C67A0D07-8AED-A74E-B1BB-567FB2C22816}" dt="2023-01-06T15:04:29.278" v="177" actId="408"/>
+          <ac:spMkLst>
+            <pc:docMk/>
+            <pc:sldMk cId="0" sldId="570"/>
+            <ac:spMk id="10253" creationId="{00000000-0000-0000-0000-000000000000}"/>
+          </ac:spMkLst>
+        </pc:spChg>
+        <pc:grpChg chg="mod">
+          <ac:chgData name="Hughes, Joseph D" userId="bd5f5bbf-fc0b-41ca-af42-bfb8d56f1f7b" providerId="ADAL" clId="{C67A0D07-8AED-A74E-B1BB-567FB2C22816}" dt="2023-01-06T15:04:29.278" v="177" actId="408"/>
+          <ac:grpSpMkLst>
+            <pc:docMk/>
+            <pc:sldMk cId="0" sldId="570"/>
+            <ac:grpSpMk id="12" creationId="{85BC7497-2B41-7D48-813B-06DD773DC07E}"/>
+          </ac:grpSpMkLst>
+        </pc:grpChg>
+        <pc:grpChg chg="mod">
+          <ac:chgData name="Hughes, Joseph D" userId="bd5f5bbf-fc0b-41ca-af42-bfb8d56f1f7b" providerId="ADAL" clId="{C67A0D07-8AED-A74E-B1BB-567FB2C22816}" dt="2023-01-06T15:04:29.278" v="177" actId="408"/>
+          <ac:grpSpMkLst>
+            <pc:docMk/>
+            <pc:sldMk cId="0" sldId="570"/>
+            <ac:grpSpMk id="17" creationId="{679EEB67-BA5F-F644-A267-F4E11A8780E6}"/>
+          </ac:grpSpMkLst>
+        </pc:grpChg>
+        <pc:grpChg chg="mod">
+          <ac:chgData name="Hughes, Joseph D" userId="bd5f5bbf-fc0b-41ca-af42-bfb8d56f1f7b" providerId="ADAL" clId="{C67A0D07-8AED-A74E-B1BB-567FB2C22816}" dt="2023-01-06T15:04:38.975" v="178" actId="465"/>
+          <ac:grpSpMkLst>
+            <pc:docMk/>
+            <pc:sldMk cId="0" sldId="570"/>
+            <ac:grpSpMk id="18" creationId="{067A76EE-B259-6D49-BA0C-A463FC58C9E8}"/>
+          </ac:grpSpMkLst>
+        </pc:grpChg>
+        <pc:picChg chg="mod">
+          <ac:chgData name="Hughes, Joseph D" userId="bd5f5bbf-fc0b-41ca-af42-bfb8d56f1f7b" providerId="ADAL" clId="{C67A0D07-8AED-A74E-B1BB-567FB2C22816}" dt="2023-01-06T15:04:38.975" v="178" actId="465"/>
+          <ac:picMkLst>
+            <pc:docMk/>
+            <pc:sldMk cId="0" sldId="570"/>
+            <ac:picMk id="20" creationId="{4B189C40-3F62-3B4D-A48C-2D4599ECD610}"/>
+          </ac:picMkLst>
+        </pc:picChg>
+        <pc:cxnChg chg="mod">
+          <ac:chgData name="Hughes, Joseph D" userId="bd5f5bbf-fc0b-41ca-af42-bfb8d56f1f7b" providerId="ADAL" clId="{C67A0D07-8AED-A74E-B1BB-567FB2C22816}" dt="2023-01-06T15:04:29.278" v="177" actId="408"/>
+          <ac:cxnSpMkLst>
+            <pc:docMk/>
+            <pc:sldMk cId="0" sldId="570"/>
+            <ac:cxnSpMk id="10249" creationId="{00000000-0000-0000-0000-000000000000}"/>
+          </ac:cxnSpMkLst>
+        </pc:cxnChg>
+      </pc:sldChg>
+      <pc:sldChg chg="modSp del mod">
+        <pc:chgData name="Hughes, Joseph D" userId="bd5f5bbf-fc0b-41ca-af42-bfb8d56f1f7b" providerId="ADAL" clId="{C67A0D07-8AED-A74E-B1BB-567FB2C22816}" dt="2023-01-06T15:02:34.034" v="169" actId="2696"/>
+        <pc:sldMkLst>
+          <pc:docMk/>
+          <pc:sldMk cId="0" sldId="571"/>
+        </pc:sldMkLst>
+        <pc:spChg chg="mod">
+          <ac:chgData name="Hughes, Joseph D" userId="bd5f5bbf-fc0b-41ca-af42-bfb8d56f1f7b" providerId="ADAL" clId="{C67A0D07-8AED-A74E-B1BB-567FB2C22816}" dt="2023-01-05T22:26:18.561" v="0"/>
+          <ac:spMkLst>
+            <pc:docMk/>
+            <pc:sldMk cId="0" sldId="571"/>
+            <ac:spMk id="2" creationId="{00000000-0000-0000-0000-000000000000}"/>
+          </ac:spMkLst>
+        </pc:spChg>
+        <pc:spChg chg="mod">
+          <ac:chgData name="Hughes, Joseph D" userId="bd5f5bbf-fc0b-41ca-af42-bfb8d56f1f7b" providerId="ADAL" clId="{C67A0D07-8AED-A74E-B1BB-567FB2C22816}" dt="2023-01-05T22:26:18.561" v="0"/>
+          <ac:spMkLst>
+            <pc:docMk/>
+            <pc:sldMk cId="0" sldId="571"/>
+            <ac:spMk id="15" creationId="{7AB67F3B-E67A-2D46-B40F-3BB9DAF56F11}"/>
+          </ac:spMkLst>
+        </pc:spChg>
+        <pc:spChg chg="mod">
+          <ac:chgData name="Hughes, Joseph D" userId="bd5f5bbf-fc0b-41ca-af42-bfb8d56f1f7b" providerId="ADAL" clId="{C67A0D07-8AED-A74E-B1BB-567FB2C22816}" dt="2023-01-06T15:01:46.019" v="160" actId="14100"/>
+          <ac:spMkLst>
+            <pc:docMk/>
+            <pc:sldMk cId="0" sldId="571"/>
+            <ac:spMk id="11268" creationId="{00000000-0000-0000-0000-000000000000}"/>
+          </ac:spMkLst>
+        </pc:spChg>
+        <pc:spChg chg="mod">
+          <ac:chgData name="Hughes, Joseph D" userId="bd5f5bbf-fc0b-41ca-af42-bfb8d56f1f7b" providerId="ADAL" clId="{C67A0D07-8AED-A74E-B1BB-567FB2C22816}" dt="2023-01-05T22:26:18.561" v="0"/>
+          <ac:spMkLst>
+            <pc:docMk/>
+            <pc:sldMk cId="0" sldId="571"/>
+            <ac:spMk id="11269" creationId="{00000000-0000-0000-0000-000000000000}"/>
+          </ac:spMkLst>
+        </pc:spChg>
+        <pc:spChg chg="mod">
+          <ac:chgData name="Hughes, Joseph D" userId="bd5f5bbf-fc0b-41ca-af42-bfb8d56f1f7b" providerId="ADAL" clId="{C67A0D07-8AED-A74E-B1BB-567FB2C22816}" dt="2023-01-05T22:26:18.561" v="0"/>
+          <ac:spMkLst>
+            <pc:docMk/>
+            <pc:sldMk cId="0" sldId="571"/>
+            <ac:spMk id="11270" creationId="{00000000-0000-0000-0000-000000000000}"/>
+          </ac:spMkLst>
+        </pc:spChg>
+        <pc:spChg chg="mod">
+          <ac:chgData name="Hughes, Joseph D" userId="bd5f5bbf-fc0b-41ca-af42-bfb8d56f1f7b" providerId="ADAL" clId="{C67A0D07-8AED-A74E-B1BB-567FB2C22816}" dt="2023-01-05T22:26:18.561" v="0"/>
+          <ac:spMkLst>
+            <pc:docMk/>
+            <pc:sldMk cId="0" sldId="571"/>
+            <ac:spMk id="11271" creationId="{00000000-0000-0000-0000-000000000000}"/>
+          </ac:spMkLst>
+        </pc:spChg>
+        <pc:spChg chg="mod">
+          <ac:chgData name="Hughes, Joseph D" userId="bd5f5bbf-fc0b-41ca-af42-bfb8d56f1f7b" providerId="ADAL" clId="{C67A0D07-8AED-A74E-B1BB-567FB2C22816}" dt="2023-01-05T22:26:18.561" v="0"/>
+          <ac:spMkLst>
+            <pc:docMk/>
+            <pc:sldMk cId="0" sldId="571"/>
+            <ac:spMk id="11272" creationId="{00000000-0000-0000-0000-000000000000}"/>
+          </ac:spMkLst>
+        </pc:spChg>
+        <pc:spChg chg="mod">
+          <ac:chgData name="Hughes, Joseph D" userId="bd5f5bbf-fc0b-41ca-af42-bfb8d56f1f7b" providerId="ADAL" clId="{C67A0D07-8AED-A74E-B1BB-567FB2C22816}" dt="2023-01-05T22:26:18.561" v="0"/>
+          <ac:spMkLst>
+            <pc:docMk/>
+            <pc:sldMk cId="0" sldId="571"/>
+            <ac:spMk id="11274" creationId="{00000000-0000-0000-0000-000000000000}"/>
+          </ac:spMkLst>
+        </pc:spChg>
+        <pc:spChg chg="mod">
+          <ac:chgData name="Hughes, Joseph D" userId="bd5f5bbf-fc0b-41ca-af42-bfb8d56f1f7b" providerId="ADAL" clId="{C67A0D07-8AED-A74E-B1BB-567FB2C22816}" dt="2023-01-05T22:26:18.561" v="0"/>
+          <ac:spMkLst>
+            <pc:docMk/>
+            <pc:sldMk cId="0" sldId="571"/>
+            <ac:spMk id="11275" creationId="{00000000-0000-0000-0000-000000000000}"/>
+          </ac:spMkLst>
+        </pc:spChg>
+        <pc:spChg chg="mod">
+          <ac:chgData name="Hughes, Joseph D" userId="bd5f5bbf-fc0b-41ca-af42-bfb8d56f1f7b" providerId="ADAL" clId="{C67A0D07-8AED-A74E-B1BB-567FB2C22816}" dt="2023-01-05T22:26:18.561" v="0"/>
+          <ac:spMkLst>
+            <pc:docMk/>
+            <pc:sldMk cId="0" sldId="571"/>
+            <ac:spMk id="11277" creationId="{00000000-0000-0000-0000-000000000000}"/>
+          </ac:spMkLst>
+        </pc:spChg>
+        <pc:grpChg chg="mod">
+          <ac:chgData name="Hughes, Joseph D" userId="bd5f5bbf-fc0b-41ca-af42-bfb8d56f1f7b" providerId="ADAL" clId="{C67A0D07-8AED-A74E-B1BB-567FB2C22816}" dt="2023-01-05T22:26:18.561" v="0"/>
+          <ac:grpSpMkLst>
+            <pc:docMk/>
+            <pc:sldMk cId="0" sldId="571"/>
+            <ac:grpSpMk id="4" creationId="{BFE04A77-9275-1F4C-ABA5-C2266104793B}"/>
+          </ac:grpSpMkLst>
+        </pc:grpChg>
+        <pc:grpChg chg="mod">
+          <ac:chgData name="Hughes, Joseph D" userId="bd5f5bbf-fc0b-41ca-af42-bfb8d56f1f7b" providerId="ADAL" clId="{C67A0D07-8AED-A74E-B1BB-567FB2C22816}" dt="2023-01-05T22:26:18.561" v="0"/>
+          <ac:grpSpMkLst>
+            <pc:docMk/>
+            <pc:sldMk cId="0" sldId="571"/>
+            <ac:grpSpMk id="5" creationId="{E187D4DD-BF1C-214F-B4F8-063D6856D66E}"/>
+          </ac:grpSpMkLst>
+        </pc:grpChg>
+        <pc:grpChg chg="mod">
+          <ac:chgData name="Hughes, Joseph D" userId="bd5f5bbf-fc0b-41ca-af42-bfb8d56f1f7b" providerId="ADAL" clId="{C67A0D07-8AED-A74E-B1BB-567FB2C22816}" dt="2023-01-05T22:26:18.561" v="0"/>
+          <ac:grpSpMkLst>
+            <pc:docMk/>
+            <pc:sldMk cId="0" sldId="571"/>
+            <ac:grpSpMk id="13" creationId="{389B6288-7947-B942-BAC9-35F9F7ECB30C}"/>
+          </ac:grpSpMkLst>
+        </pc:grpChg>
+        <pc:picChg chg="mod">
+          <ac:chgData name="Hughes, Joseph D" userId="bd5f5bbf-fc0b-41ca-af42-bfb8d56f1f7b" providerId="ADAL" clId="{C67A0D07-8AED-A74E-B1BB-567FB2C22816}" dt="2023-01-05T22:26:18.561" v="0"/>
+          <ac:picMkLst>
+            <pc:docMk/>
+            <pc:sldMk cId="0" sldId="571"/>
+            <ac:picMk id="14" creationId="{AEBD6749-5504-4740-845F-437F0CD7F15B}"/>
+          </ac:picMkLst>
+        </pc:picChg>
+        <pc:cxnChg chg="mod">
+          <ac:chgData name="Hughes, Joseph D" userId="bd5f5bbf-fc0b-41ca-af42-bfb8d56f1f7b" providerId="ADAL" clId="{C67A0D07-8AED-A74E-B1BB-567FB2C22816}" dt="2023-01-05T22:26:18.561" v="0"/>
+          <ac:cxnSpMkLst>
+            <pc:docMk/>
+            <pc:sldMk cId="0" sldId="571"/>
+            <ac:cxnSpMk id="9" creationId="{019AF6DB-AC9F-A046-AB2E-3A2207F8A380}"/>
+          </ac:cxnSpMkLst>
+        </pc:cxnChg>
+        <pc:cxnChg chg="mod">
+          <ac:chgData name="Hughes, Joseph D" userId="bd5f5bbf-fc0b-41ca-af42-bfb8d56f1f7b" providerId="ADAL" clId="{C67A0D07-8AED-A74E-B1BB-567FB2C22816}" dt="2023-01-05T22:26:18.561" v="0"/>
+          <ac:cxnSpMkLst>
+            <pc:docMk/>
+            <pc:sldMk cId="0" sldId="571"/>
+            <ac:cxnSpMk id="11273" creationId="{00000000-0000-0000-0000-000000000000}"/>
+          </ac:cxnSpMkLst>
+        </pc:cxnChg>
+      </pc:sldChg>
+      <pc:sldChg chg="addSp modSp mod">
+        <pc:chgData name="Hughes, Joseph D" userId="bd5f5bbf-fc0b-41ca-af42-bfb8d56f1f7b" providerId="ADAL" clId="{C67A0D07-8AED-A74E-B1BB-567FB2C22816}" dt="2023-01-06T15:00:35.456" v="129" actId="408"/>
+        <pc:sldMkLst>
+          <pc:docMk/>
+          <pc:sldMk cId="0" sldId="572"/>
+        </pc:sldMkLst>
+        <pc:spChg chg="mod">
+          <ac:chgData name="Hughes, Joseph D" userId="bd5f5bbf-fc0b-41ca-af42-bfb8d56f1f7b" providerId="ADAL" clId="{C67A0D07-8AED-A74E-B1BB-567FB2C22816}" dt="2023-01-06T14:59:40.322" v="117" actId="408"/>
+          <ac:spMkLst>
+            <pc:docMk/>
+            <pc:sldMk cId="0" sldId="572"/>
+            <ac:spMk id="12290" creationId="{00000000-0000-0000-0000-000000000000}"/>
+          </ac:spMkLst>
+        </pc:spChg>
+        <pc:spChg chg="mod">
+          <ac:chgData name="Hughes, Joseph D" userId="bd5f5bbf-fc0b-41ca-af42-bfb8d56f1f7b" providerId="ADAL" clId="{C67A0D07-8AED-A74E-B1BB-567FB2C22816}" dt="2023-01-06T15:00:16.970" v="127" actId="1076"/>
+          <ac:spMkLst>
+            <pc:docMk/>
+            <pc:sldMk cId="0" sldId="572"/>
+            <ac:spMk id="12292" creationId="{00000000-0000-0000-0000-000000000000}"/>
+          </ac:spMkLst>
+        </pc:spChg>
+        <pc:spChg chg="mod">
+          <ac:chgData name="Hughes, Joseph D" userId="bd5f5bbf-fc0b-41ca-af42-bfb8d56f1f7b" providerId="ADAL" clId="{C67A0D07-8AED-A74E-B1BB-567FB2C22816}" dt="2023-01-06T15:00:35.456" v="129" actId="408"/>
+          <ac:spMkLst>
+            <pc:docMk/>
+            <pc:sldMk cId="0" sldId="572"/>
+            <ac:spMk id="12302" creationId="{00000000-0000-0000-0000-000000000000}"/>
+          </ac:spMkLst>
+        </pc:spChg>
+        <pc:spChg chg="mod">
+          <ac:chgData name="Hughes, Joseph D" userId="bd5f5bbf-fc0b-41ca-af42-bfb8d56f1f7b" providerId="ADAL" clId="{C67A0D07-8AED-A74E-B1BB-567FB2C22816}" dt="2023-01-06T15:00:35.456" v="129" actId="408"/>
+          <ac:spMkLst>
+            <pc:docMk/>
+            <pc:sldMk cId="0" sldId="572"/>
+            <ac:spMk id="12304" creationId="{00000000-0000-0000-0000-000000000000}"/>
+          </ac:spMkLst>
+        </pc:spChg>
+        <pc:spChg chg="mod">
+          <ac:chgData name="Hughes, Joseph D" userId="bd5f5bbf-fc0b-41ca-af42-bfb8d56f1f7b" providerId="ADAL" clId="{C67A0D07-8AED-A74E-B1BB-567FB2C22816}" dt="2023-01-06T15:00:35.456" v="129" actId="408"/>
+          <ac:spMkLst>
+            <pc:docMk/>
+            <pc:sldMk cId="0" sldId="572"/>
+            <ac:spMk id="12317" creationId="{00000000-0000-0000-0000-000000000000}"/>
+          </ac:spMkLst>
+        </pc:spChg>
+        <pc:grpChg chg="add mod">
+          <ac:chgData name="Hughes, Joseph D" userId="bd5f5bbf-fc0b-41ca-af42-bfb8d56f1f7b" providerId="ADAL" clId="{C67A0D07-8AED-A74E-B1BB-567FB2C22816}" dt="2023-01-06T15:00:35.456" v="129" actId="408"/>
+          <ac:grpSpMkLst>
+            <pc:docMk/>
+            <pc:sldMk cId="0" sldId="572"/>
+            <ac:grpSpMk id="4" creationId="{D46EB42C-C425-ACDD-9D64-CDBE87BFFC0C}"/>
+          </ac:grpSpMkLst>
+        </pc:grpChg>
+        <pc:grpChg chg="mod">
+          <ac:chgData name="Hughes, Joseph D" userId="bd5f5bbf-fc0b-41ca-af42-bfb8d56f1f7b" providerId="ADAL" clId="{C67A0D07-8AED-A74E-B1BB-567FB2C22816}" dt="2023-01-06T15:00:35.456" v="129" actId="408"/>
+          <ac:grpSpMkLst>
+            <pc:docMk/>
+            <pc:sldMk cId="0" sldId="572"/>
+            <ac:grpSpMk id="12" creationId="{00000000-0000-0000-0000-000000000000}"/>
+          </ac:grpSpMkLst>
+        </pc:grpChg>
+        <pc:picChg chg="mod">
+          <ac:chgData name="Hughes, Joseph D" userId="bd5f5bbf-fc0b-41ca-af42-bfb8d56f1f7b" providerId="ADAL" clId="{C67A0D07-8AED-A74E-B1BB-567FB2C22816}" dt="2023-01-06T15:00:35.456" v="129" actId="408"/>
+          <ac:picMkLst>
+            <pc:docMk/>
+            <pc:sldMk cId="0" sldId="572"/>
+            <ac:picMk id="3" creationId="{00000000-0000-0000-0000-000000000000}"/>
+          </ac:picMkLst>
+        </pc:picChg>
+        <pc:picChg chg="mod">
+          <ac:chgData name="Hughes, Joseph D" userId="bd5f5bbf-fc0b-41ca-af42-bfb8d56f1f7b" providerId="ADAL" clId="{C67A0D07-8AED-A74E-B1BB-567FB2C22816}" dt="2023-01-06T15:00:35.456" v="129" actId="408"/>
+          <ac:picMkLst>
+            <pc:docMk/>
+            <pc:sldMk cId="0" sldId="572"/>
+            <ac:picMk id="9" creationId="{00000000-0000-0000-0000-000000000000}"/>
+          </ac:picMkLst>
+        </pc:picChg>
+        <pc:picChg chg="mod">
+          <ac:chgData name="Hughes, Joseph D" userId="bd5f5bbf-fc0b-41ca-af42-bfb8d56f1f7b" providerId="ADAL" clId="{C67A0D07-8AED-A74E-B1BB-567FB2C22816}" dt="2023-01-06T15:00:35.456" v="129" actId="408"/>
+          <ac:picMkLst>
+            <pc:docMk/>
+            <pc:sldMk cId="0" sldId="572"/>
+            <ac:picMk id="11" creationId="{00000000-0000-0000-0000-000000000000}"/>
+          </ac:picMkLst>
+        </pc:picChg>
+        <pc:picChg chg="mod">
+          <ac:chgData name="Hughes, Joseph D" userId="bd5f5bbf-fc0b-41ca-af42-bfb8d56f1f7b" providerId="ADAL" clId="{C67A0D07-8AED-A74E-B1BB-567FB2C22816}" dt="2023-01-06T15:00:35.456" v="129" actId="408"/>
+          <ac:picMkLst>
+            <pc:docMk/>
+            <pc:sldMk cId="0" sldId="572"/>
+            <ac:picMk id="13" creationId="{D7AC93D4-189C-1743-BD37-E8DDB8091742}"/>
+          </ac:picMkLst>
+        </pc:picChg>
+        <pc:picChg chg="mod">
+          <ac:chgData name="Hughes, Joseph D" userId="bd5f5bbf-fc0b-41ca-af42-bfb8d56f1f7b" providerId="ADAL" clId="{C67A0D07-8AED-A74E-B1BB-567FB2C22816}" dt="2023-01-06T15:00:35.456" v="129" actId="408"/>
+          <ac:picMkLst>
+            <pc:docMk/>
+            <pc:sldMk cId="0" sldId="572"/>
+            <ac:picMk id="15" creationId="{36AFAACA-8294-594C-B981-82503463E09B}"/>
+          </ac:picMkLst>
+        </pc:picChg>
+        <pc:picChg chg="mod">
+          <ac:chgData name="Hughes, Joseph D" userId="bd5f5bbf-fc0b-41ca-af42-bfb8d56f1f7b" providerId="ADAL" clId="{C67A0D07-8AED-A74E-B1BB-567FB2C22816}" dt="2023-01-06T15:00:05.234" v="125" actId="1036"/>
+          <ac:picMkLst>
+            <pc:docMk/>
+            <pc:sldMk cId="0" sldId="572"/>
+            <ac:picMk id="16" creationId="{220E0A91-D24D-3B43-A43D-B3E11B1C58E2}"/>
+          </ac:picMkLst>
+        </pc:picChg>
+        <pc:picChg chg="mod">
+          <ac:chgData name="Hughes, Joseph D" userId="bd5f5bbf-fc0b-41ca-af42-bfb8d56f1f7b" providerId="ADAL" clId="{C67A0D07-8AED-A74E-B1BB-567FB2C22816}" dt="2023-01-06T15:00:35.456" v="129" actId="408"/>
+          <ac:picMkLst>
+            <pc:docMk/>
+            <pc:sldMk cId="0" sldId="572"/>
+            <ac:picMk id="17" creationId="{79AD72DD-23A6-1E4E-9DFE-11BE762B5C9E}"/>
+          </ac:picMkLst>
+        </pc:picChg>
+        <pc:cxnChg chg="mod">
+          <ac:chgData name="Hughes, Joseph D" userId="bd5f5bbf-fc0b-41ca-af42-bfb8d56f1f7b" providerId="ADAL" clId="{C67A0D07-8AED-A74E-B1BB-567FB2C22816}" dt="2023-01-06T15:00:35.456" v="129" actId="408"/>
+          <ac:cxnSpMkLst>
+            <pc:docMk/>
+            <pc:sldMk cId="0" sldId="572"/>
+            <ac:cxnSpMk id="33" creationId="{00000000-0000-0000-0000-000000000000}"/>
+          </ac:cxnSpMkLst>
+        </pc:cxnChg>
+        <pc:cxnChg chg="mod">
+          <ac:chgData name="Hughes, Joseph D" userId="bd5f5bbf-fc0b-41ca-af42-bfb8d56f1f7b" providerId="ADAL" clId="{C67A0D07-8AED-A74E-B1BB-567FB2C22816}" dt="2023-01-06T15:00:35.456" v="129" actId="408"/>
+          <ac:cxnSpMkLst>
+            <pc:docMk/>
+            <pc:sldMk cId="0" sldId="572"/>
+            <ac:cxnSpMk id="12293" creationId="{00000000-0000-0000-0000-000000000000}"/>
+          </ac:cxnSpMkLst>
+        </pc:cxnChg>
+        <pc:cxnChg chg="mod">
+          <ac:chgData name="Hughes, Joseph D" userId="bd5f5bbf-fc0b-41ca-af42-bfb8d56f1f7b" providerId="ADAL" clId="{C67A0D07-8AED-A74E-B1BB-567FB2C22816}" dt="2023-01-06T15:00:35.456" v="129" actId="408"/>
+          <ac:cxnSpMkLst>
+            <pc:docMk/>
+            <pc:sldMk cId="0" sldId="572"/>
+            <ac:cxnSpMk id="12294" creationId="{00000000-0000-0000-0000-000000000000}"/>
+          </ac:cxnSpMkLst>
+        </pc:cxnChg>
+        <pc:cxnChg chg="mod">
+          <ac:chgData name="Hughes, Joseph D" userId="bd5f5bbf-fc0b-41ca-af42-bfb8d56f1f7b" providerId="ADAL" clId="{C67A0D07-8AED-A74E-B1BB-567FB2C22816}" dt="2023-01-06T15:00:35.456" v="129" actId="408"/>
+          <ac:cxnSpMkLst>
+            <pc:docMk/>
+            <pc:sldMk cId="0" sldId="572"/>
+            <ac:cxnSpMk id="12295" creationId="{00000000-0000-0000-0000-000000000000}"/>
+          </ac:cxnSpMkLst>
+        </pc:cxnChg>
+        <pc:cxnChg chg="mod">
+          <ac:chgData name="Hughes, Joseph D" userId="bd5f5bbf-fc0b-41ca-af42-bfb8d56f1f7b" providerId="ADAL" clId="{C67A0D07-8AED-A74E-B1BB-567FB2C22816}" dt="2023-01-06T15:00:35.456" v="129" actId="408"/>
+          <ac:cxnSpMkLst>
+            <pc:docMk/>
+            <pc:sldMk cId="0" sldId="572"/>
+            <ac:cxnSpMk id="12298" creationId="{00000000-0000-0000-0000-000000000000}"/>
+          </ac:cxnSpMkLst>
+        </pc:cxnChg>
+        <pc:cxnChg chg="mod">
+          <ac:chgData name="Hughes, Joseph D" userId="bd5f5bbf-fc0b-41ca-af42-bfb8d56f1f7b" providerId="ADAL" clId="{C67A0D07-8AED-A74E-B1BB-567FB2C22816}" dt="2023-01-06T15:00:35.456" v="129" actId="408"/>
+          <ac:cxnSpMkLst>
+            <pc:docMk/>
+            <pc:sldMk cId="0" sldId="572"/>
+            <ac:cxnSpMk id="12301" creationId="{00000000-0000-0000-0000-000000000000}"/>
+          </ac:cxnSpMkLst>
+        </pc:cxnChg>
+        <pc:cxnChg chg="mod">
+          <ac:chgData name="Hughes, Joseph D" userId="bd5f5bbf-fc0b-41ca-af42-bfb8d56f1f7b" providerId="ADAL" clId="{C67A0D07-8AED-A74E-B1BB-567FB2C22816}" dt="2023-01-06T15:00:35.456" v="129" actId="408"/>
+          <ac:cxnSpMkLst>
+            <pc:docMk/>
+            <pc:sldMk cId="0" sldId="572"/>
+            <ac:cxnSpMk id="12303" creationId="{00000000-0000-0000-0000-000000000000}"/>
+          </ac:cxnSpMkLst>
+        </pc:cxnChg>
+        <pc:cxnChg chg="mod">
+          <ac:chgData name="Hughes, Joseph D" userId="bd5f5bbf-fc0b-41ca-af42-bfb8d56f1f7b" providerId="ADAL" clId="{C67A0D07-8AED-A74E-B1BB-567FB2C22816}" dt="2023-01-06T15:00:35.456" v="129" actId="408"/>
+          <ac:cxnSpMkLst>
+            <pc:docMk/>
+            <pc:sldMk cId="0" sldId="572"/>
+            <ac:cxnSpMk id="12305" creationId="{00000000-0000-0000-0000-000000000000}"/>
+          </ac:cxnSpMkLst>
+        </pc:cxnChg>
+        <pc:cxnChg chg="mod">
+          <ac:chgData name="Hughes, Joseph D" userId="bd5f5bbf-fc0b-41ca-af42-bfb8d56f1f7b" providerId="ADAL" clId="{C67A0D07-8AED-A74E-B1BB-567FB2C22816}" dt="2023-01-06T15:00:35.456" v="129" actId="408"/>
+          <ac:cxnSpMkLst>
+            <pc:docMk/>
+            <pc:sldMk cId="0" sldId="572"/>
+            <ac:cxnSpMk id="12306" creationId="{00000000-0000-0000-0000-000000000000}"/>
+          </ac:cxnSpMkLst>
+        </pc:cxnChg>
+        <pc:cxnChg chg="mod">
+          <ac:chgData name="Hughes, Joseph D" userId="bd5f5bbf-fc0b-41ca-af42-bfb8d56f1f7b" providerId="ADAL" clId="{C67A0D07-8AED-A74E-B1BB-567FB2C22816}" dt="2023-01-06T15:00:35.456" v="129" actId="408"/>
+          <ac:cxnSpMkLst>
+            <pc:docMk/>
+            <pc:sldMk cId="0" sldId="572"/>
+            <ac:cxnSpMk id="12307" creationId="{00000000-0000-0000-0000-000000000000}"/>
+          </ac:cxnSpMkLst>
+        </pc:cxnChg>
+        <pc:cxnChg chg="mod">
+          <ac:chgData name="Hughes, Joseph D" userId="bd5f5bbf-fc0b-41ca-af42-bfb8d56f1f7b" providerId="ADAL" clId="{C67A0D07-8AED-A74E-B1BB-567FB2C22816}" dt="2023-01-06T15:00:35.456" v="129" actId="408"/>
+          <ac:cxnSpMkLst>
+            <pc:docMk/>
+            <pc:sldMk cId="0" sldId="572"/>
+            <ac:cxnSpMk id="12309" creationId="{00000000-0000-0000-0000-000000000000}"/>
+          </ac:cxnSpMkLst>
+        </pc:cxnChg>
+        <pc:cxnChg chg="mod">
+          <ac:chgData name="Hughes, Joseph D" userId="bd5f5bbf-fc0b-41ca-af42-bfb8d56f1f7b" providerId="ADAL" clId="{C67A0D07-8AED-A74E-B1BB-567FB2C22816}" dt="2023-01-06T15:00:35.456" v="129" actId="408"/>
+          <ac:cxnSpMkLst>
+            <pc:docMk/>
+            <pc:sldMk cId="0" sldId="572"/>
+            <ac:cxnSpMk id="12311" creationId="{00000000-0000-0000-0000-000000000000}"/>
+          </ac:cxnSpMkLst>
+        </pc:cxnChg>
+        <pc:cxnChg chg="mod">
+          <ac:chgData name="Hughes, Joseph D" userId="bd5f5bbf-fc0b-41ca-af42-bfb8d56f1f7b" providerId="ADAL" clId="{C67A0D07-8AED-A74E-B1BB-567FB2C22816}" dt="2023-01-06T15:00:35.456" v="129" actId="408"/>
+          <ac:cxnSpMkLst>
+            <pc:docMk/>
+            <pc:sldMk cId="0" sldId="572"/>
+            <ac:cxnSpMk id="12312" creationId="{00000000-0000-0000-0000-000000000000}"/>
+          </ac:cxnSpMkLst>
+        </pc:cxnChg>
+        <pc:cxnChg chg="mod">
+          <ac:chgData name="Hughes, Joseph D" userId="bd5f5bbf-fc0b-41ca-af42-bfb8d56f1f7b" providerId="ADAL" clId="{C67A0D07-8AED-A74E-B1BB-567FB2C22816}" dt="2023-01-06T15:00:35.456" v="129" actId="408"/>
+          <ac:cxnSpMkLst>
+            <pc:docMk/>
+            <pc:sldMk cId="0" sldId="572"/>
+            <ac:cxnSpMk id="12313" creationId="{00000000-0000-0000-0000-000000000000}"/>
+          </ac:cxnSpMkLst>
+        </pc:cxnChg>
+        <pc:cxnChg chg="mod">
+          <ac:chgData name="Hughes, Joseph D" userId="bd5f5bbf-fc0b-41ca-af42-bfb8d56f1f7b" providerId="ADAL" clId="{C67A0D07-8AED-A74E-B1BB-567FB2C22816}" dt="2023-01-06T15:00:35.456" v="129" actId="408"/>
+          <ac:cxnSpMkLst>
+            <pc:docMk/>
+            <pc:sldMk cId="0" sldId="572"/>
+            <ac:cxnSpMk id="12314" creationId="{00000000-0000-0000-0000-000000000000}"/>
+          </ac:cxnSpMkLst>
+        </pc:cxnChg>
+        <pc:cxnChg chg="mod">
+          <ac:chgData name="Hughes, Joseph D" userId="bd5f5bbf-fc0b-41ca-af42-bfb8d56f1f7b" providerId="ADAL" clId="{C67A0D07-8AED-A74E-B1BB-567FB2C22816}" dt="2023-01-06T15:00:35.456" v="129" actId="408"/>
+          <ac:cxnSpMkLst>
+            <pc:docMk/>
+            <pc:sldMk cId="0" sldId="572"/>
+            <ac:cxnSpMk id="12315" creationId="{00000000-0000-0000-0000-000000000000}"/>
+          </ac:cxnSpMkLst>
+        </pc:cxnChg>
+        <pc:cxnChg chg="mod">
+          <ac:chgData name="Hughes, Joseph D" userId="bd5f5bbf-fc0b-41ca-af42-bfb8d56f1f7b" providerId="ADAL" clId="{C67A0D07-8AED-A74E-B1BB-567FB2C22816}" dt="2023-01-06T15:00:35.456" v="129" actId="408"/>
+          <ac:cxnSpMkLst>
+            <pc:docMk/>
+            <pc:sldMk cId="0" sldId="572"/>
+            <ac:cxnSpMk id="12316" creationId="{00000000-0000-0000-0000-000000000000}"/>
+          </ac:cxnSpMkLst>
+        </pc:cxnChg>
+      </pc:sldChg>
+      <pc:sldChg chg="modSp mod">
+        <pc:chgData name="Hughes, Joseph D" userId="bd5f5bbf-fc0b-41ca-af42-bfb8d56f1f7b" providerId="ADAL" clId="{C67A0D07-8AED-A74E-B1BB-567FB2C22816}" dt="2023-01-06T15:08:32.808" v="223" actId="1036"/>
+        <pc:sldMkLst>
+          <pc:docMk/>
+          <pc:sldMk cId="0" sldId="573"/>
+        </pc:sldMkLst>
+        <pc:spChg chg="mod">
+          <ac:chgData name="Hughes, Joseph D" userId="bd5f5bbf-fc0b-41ca-af42-bfb8d56f1f7b" providerId="ADAL" clId="{C67A0D07-8AED-A74E-B1BB-567FB2C22816}" dt="2023-01-06T15:08:21.976" v="217" actId="408"/>
+          <ac:spMkLst>
+            <pc:docMk/>
+            <pc:sldMk cId="0" sldId="573"/>
+            <ac:spMk id="9" creationId="{00000000-0000-0000-0000-000000000000}"/>
+          </ac:spMkLst>
+        </pc:spChg>
+        <pc:spChg chg="mod">
+          <ac:chgData name="Hughes, Joseph D" userId="bd5f5bbf-fc0b-41ca-af42-bfb8d56f1f7b" providerId="ADAL" clId="{C67A0D07-8AED-A74E-B1BB-567FB2C22816}" dt="2023-01-06T15:08:32.808" v="223" actId="1036"/>
+          <ac:spMkLst>
+            <pc:docMk/>
+            <pc:sldMk cId="0" sldId="573"/>
+            <ac:spMk id="13315" creationId="{00000000-0000-0000-0000-000000000000}"/>
+          </ac:spMkLst>
+        </pc:spChg>
+        <pc:grpChg chg="mod">
+          <ac:chgData name="Hughes, Joseph D" userId="bd5f5bbf-fc0b-41ca-af42-bfb8d56f1f7b" providerId="ADAL" clId="{C67A0D07-8AED-A74E-B1BB-567FB2C22816}" dt="2023-01-06T15:08:21.976" v="217" actId="408"/>
+          <ac:grpSpMkLst>
+            <pc:docMk/>
+            <pc:sldMk cId="0" sldId="573"/>
+            <ac:grpSpMk id="12" creationId="{00000000-0000-0000-0000-000000000000}"/>
+          </ac:grpSpMkLst>
+        </pc:grpChg>
+        <pc:grpChg chg="mod">
+          <ac:chgData name="Hughes, Joseph D" userId="bd5f5bbf-fc0b-41ca-af42-bfb8d56f1f7b" providerId="ADAL" clId="{C67A0D07-8AED-A74E-B1BB-567FB2C22816}" dt="2023-01-06T15:08:24.180" v="219" actId="1035"/>
+          <ac:grpSpMkLst>
+            <pc:docMk/>
+            <pc:sldMk cId="0" sldId="573"/>
+            <ac:grpSpMk id="14" creationId="{EC761D4D-6BBA-2343-A2E3-3DEFDC54BC1D}"/>
+          </ac:grpSpMkLst>
+        </pc:grpChg>
+        <pc:picChg chg="mod">
+          <ac:chgData name="Hughes, Joseph D" userId="bd5f5bbf-fc0b-41ca-af42-bfb8d56f1f7b" providerId="ADAL" clId="{C67A0D07-8AED-A74E-B1BB-567FB2C22816}" dt="2023-01-06T15:08:21.976" v="217" actId="408"/>
+          <ac:picMkLst>
+            <pc:docMk/>
+            <pc:sldMk cId="0" sldId="573"/>
+            <ac:picMk id="3" creationId="{00000000-0000-0000-0000-000000000000}"/>
+          </ac:picMkLst>
+        </pc:picChg>
+        <pc:picChg chg="mod">
+          <ac:chgData name="Hughes, Joseph D" userId="bd5f5bbf-fc0b-41ca-af42-bfb8d56f1f7b" providerId="ADAL" clId="{C67A0D07-8AED-A74E-B1BB-567FB2C22816}" dt="2023-01-06T15:08:21.976" v="217" actId="408"/>
+          <ac:picMkLst>
+            <pc:docMk/>
+            <pc:sldMk cId="0" sldId="573"/>
+            <ac:picMk id="5" creationId="{00000000-0000-0000-0000-000000000000}"/>
+          </ac:picMkLst>
+        </pc:picChg>
+        <pc:picChg chg="mod">
+          <ac:chgData name="Hughes, Joseph D" userId="bd5f5bbf-fc0b-41ca-af42-bfb8d56f1f7b" providerId="ADAL" clId="{C67A0D07-8AED-A74E-B1BB-567FB2C22816}" dt="2023-01-06T15:08:21.976" v="217" actId="408"/>
+          <ac:picMkLst>
+            <pc:docMk/>
+            <pc:sldMk cId="0" sldId="573"/>
+            <ac:picMk id="6" creationId="{94F7F4D9-43C0-9941-BFBF-349138DB9DC2}"/>
+          </ac:picMkLst>
+        </pc:picChg>
+        <pc:picChg chg="mod">
+          <ac:chgData name="Hughes, Joseph D" userId="bd5f5bbf-fc0b-41ca-af42-bfb8d56f1f7b" providerId="ADAL" clId="{C67A0D07-8AED-A74E-B1BB-567FB2C22816}" dt="2023-01-06T15:08:21.976" v="217" actId="408"/>
+          <ac:picMkLst>
+            <pc:docMk/>
+            <pc:sldMk cId="0" sldId="573"/>
+            <ac:picMk id="10" creationId="{00000000-0000-0000-0000-000000000000}"/>
+          </ac:picMkLst>
+        </pc:picChg>
+        <pc:picChg chg="mod">
+          <ac:chgData name="Hughes, Joseph D" userId="bd5f5bbf-fc0b-41ca-af42-bfb8d56f1f7b" providerId="ADAL" clId="{C67A0D07-8AED-A74E-B1BB-567FB2C22816}" dt="2023-01-06T15:08:21.976" v="217" actId="408"/>
+          <ac:picMkLst>
+            <pc:docMk/>
+            <pc:sldMk cId="0" sldId="573"/>
+            <ac:picMk id="11" creationId="{00000000-0000-0000-0000-000000000000}"/>
+          </ac:picMkLst>
+        </pc:picChg>
+      </pc:sldChg>
+      <pc:sldChg chg="modSp mod modNotes">
+        <pc:chgData name="Hughes, Joseph D" userId="bd5f5bbf-fc0b-41ca-af42-bfb8d56f1f7b" providerId="ADAL" clId="{C67A0D07-8AED-A74E-B1BB-567FB2C22816}" dt="2023-01-06T15:04:54.606" v="188" actId="1036"/>
+        <pc:sldMkLst>
+          <pc:docMk/>
+          <pc:sldMk cId="0" sldId="574"/>
+        </pc:sldMkLst>
+        <pc:spChg chg="mod">
+          <ac:chgData name="Hughes, Joseph D" userId="bd5f5bbf-fc0b-41ca-af42-bfb8d56f1f7b" providerId="ADAL" clId="{C67A0D07-8AED-A74E-B1BB-567FB2C22816}" dt="2023-01-05T22:26:18.561" v="0"/>
+          <ac:spMkLst>
+            <pc:docMk/>
+            <pc:sldMk cId="0" sldId="574"/>
+            <ac:spMk id="11" creationId="{ACBA52FA-64CD-A644-96D1-35E8FEEC0501}"/>
+          </ac:spMkLst>
+        </pc:spChg>
+        <pc:spChg chg="mod">
+          <ac:chgData name="Hughes, Joseph D" userId="bd5f5bbf-fc0b-41ca-af42-bfb8d56f1f7b" providerId="ADAL" clId="{C67A0D07-8AED-A74E-B1BB-567FB2C22816}" dt="2023-01-05T22:26:18.561" v="0"/>
+          <ac:spMkLst>
+            <pc:docMk/>
+            <pc:sldMk cId="0" sldId="574"/>
+            <ac:spMk id="14" creationId="{103B184B-7594-8E49-B28B-FB7B29C5BACA}"/>
+          </ac:spMkLst>
+        </pc:spChg>
+        <pc:spChg chg="mod">
+          <ac:chgData name="Hughes, Joseph D" userId="bd5f5bbf-fc0b-41ca-af42-bfb8d56f1f7b" providerId="ADAL" clId="{C67A0D07-8AED-A74E-B1BB-567FB2C22816}" dt="2023-01-05T22:26:18.561" v="0"/>
+          <ac:spMkLst>
+            <pc:docMk/>
+            <pc:sldMk cId="0" sldId="574"/>
+            <ac:spMk id="14341" creationId="{00000000-0000-0000-0000-000000000000}"/>
+          </ac:spMkLst>
+        </pc:spChg>
+        <pc:spChg chg="mod">
+          <ac:chgData name="Hughes, Joseph D" userId="bd5f5bbf-fc0b-41ca-af42-bfb8d56f1f7b" providerId="ADAL" clId="{C67A0D07-8AED-A74E-B1BB-567FB2C22816}" dt="2023-01-05T22:26:18.561" v="0"/>
+          <ac:spMkLst>
+            <pc:docMk/>
+            <pc:sldMk cId="0" sldId="574"/>
+            <ac:spMk id="14342" creationId="{00000000-0000-0000-0000-000000000000}"/>
+          </ac:spMkLst>
+        </pc:spChg>
+        <pc:spChg chg="mod">
+          <ac:chgData name="Hughes, Joseph D" userId="bd5f5bbf-fc0b-41ca-af42-bfb8d56f1f7b" providerId="ADAL" clId="{C67A0D07-8AED-A74E-B1BB-567FB2C22816}" dt="2023-01-05T22:26:18.561" v="0"/>
+          <ac:spMkLst>
+            <pc:docMk/>
+            <pc:sldMk cId="0" sldId="574"/>
+            <ac:spMk id="14344" creationId="{00000000-0000-0000-0000-000000000000}"/>
+          </ac:spMkLst>
+        </pc:spChg>
+        <pc:grpChg chg="mod">
+          <ac:chgData name="Hughes, Joseph D" userId="bd5f5bbf-fc0b-41ca-af42-bfb8d56f1f7b" providerId="ADAL" clId="{C67A0D07-8AED-A74E-B1BB-567FB2C22816}" dt="2023-01-06T15:04:54.606" v="188" actId="1036"/>
+          <ac:grpSpMkLst>
+            <pc:docMk/>
+            <pc:sldMk cId="0" sldId="574"/>
+            <ac:grpSpMk id="16" creationId="{584562B5-C5E2-9040-9BE3-E116478E9BFC}"/>
+          </ac:grpSpMkLst>
+        </pc:grpChg>
+        <pc:grpChg chg="mod">
+          <ac:chgData name="Hughes, Joseph D" userId="bd5f5bbf-fc0b-41ca-af42-bfb8d56f1f7b" providerId="ADAL" clId="{C67A0D07-8AED-A74E-B1BB-567FB2C22816}" dt="2023-01-05T22:26:18.561" v="0"/>
+          <ac:grpSpMkLst>
+            <pc:docMk/>
+            <pc:sldMk cId="0" sldId="574"/>
+            <ac:grpSpMk id="23" creationId="{DB0EC866-E64A-2848-BCC2-ED62B237FE13}"/>
+          </ac:grpSpMkLst>
+        </pc:grpChg>
+        <pc:grpChg chg="mod">
+          <ac:chgData name="Hughes, Joseph D" userId="bd5f5bbf-fc0b-41ca-af42-bfb8d56f1f7b" providerId="ADAL" clId="{C67A0D07-8AED-A74E-B1BB-567FB2C22816}" dt="2023-01-06T15:04:48.757" v="185" actId="1036"/>
+          <ac:grpSpMkLst>
+            <pc:docMk/>
+            <pc:sldMk cId="0" sldId="574"/>
+            <ac:grpSpMk id="24" creationId="{436752C9-BF20-C34C-B951-DE0C5CF5C05C}"/>
+          </ac:grpSpMkLst>
+        </pc:grpChg>
+        <pc:picChg chg="mod">
+          <ac:chgData name="Hughes, Joseph D" userId="bd5f5bbf-fc0b-41ca-af42-bfb8d56f1f7b" providerId="ADAL" clId="{C67A0D07-8AED-A74E-B1BB-567FB2C22816}" dt="2023-01-05T22:26:18.561" v="0"/>
+          <ac:picMkLst>
+            <pc:docMk/>
+            <pc:sldMk cId="0" sldId="574"/>
+            <ac:picMk id="10" creationId="{CED6034B-5EA5-8F45-9C5D-42865E38046E}"/>
+          </ac:picMkLst>
+        </pc:picChg>
+        <pc:picChg chg="mod">
+          <ac:chgData name="Hughes, Joseph D" userId="bd5f5bbf-fc0b-41ca-af42-bfb8d56f1f7b" providerId="ADAL" clId="{C67A0D07-8AED-A74E-B1BB-567FB2C22816}" dt="2023-01-05T22:26:18.561" v="0"/>
+          <ac:picMkLst>
+            <pc:docMk/>
+            <pc:sldMk cId="0" sldId="574"/>
+            <ac:picMk id="20" creationId="{E67543A8-79E3-D340-82E8-7AB553A22610}"/>
+          </ac:picMkLst>
+        </pc:picChg>
+        <pc:picChg chg="mod">
+          <ac:chgData name="Hughes, Joseph D" userId="bd5f5bbf-fc0b-41ca-af42-bfb8d56f1f7b" providerId="ADAL" clId="{C67A0D07-8AED-A74E-B1BB-567FB2C22816}" dt="2023-01-05T22:26:18.561" v="0"/>
+          <ac:picMkLst>
+            <pc:docMk/>
+            <pc:sldMk cId="0" sldId="574"/>
+            <ac:picMk id="21" creationId="{472E00DE-6D7C-9B48-BE2E-DCC0E8F7B75D}"/>
+          </ac:picMkLst>
+        </pc:picChg>
+      </pc:sldChg>
+      <pc:sldChg chg="modSp mod">
+        <pc:chgData name="Hughes, Joseph D" userId="bd5f5bbf-fc0b-41ca-af42-bfb8d56f1f7b" providerId="ADAL" clId="{C67A0D07-8AED-A74E-B1BB-567FB2C22816}" dt="2023-01-05T22:26:18.655" v="2" actId="27636"/>
+        <pc:sldMkLst>
+          <pc:docMk/>
+          <pc:sldMk cId="0" sldId="576"/>
+        </pc:sldMkLst>
+        <pc:spChg chg="mod">
+          <ac:chgData name="Hughes, Joseph D" userId="bd5f5bbf-fc0b-41ca-af42-bfb8d56f1f7b" providerId="ADAL" clId="{C67A0D07-8AED-A74E-B1BB-567FB2C22816}" dt="2023-01-05T22:26:18.655" v="2" actId="27636"/>
+          <ac:spMkLst>
+            <pc:docMk/>
+            <pc:sldMk cId="0" sldId="576"/>
+            <ac:spMk id="2" creationId="{00000000-0000-0000-0000-000000000000}"/>
+          </ac:spMkLst>
+        </pc:spChg>
+      </pc:sldChg>
+      <pc:sldChg chg="modSp mod">
+        <pc:chgData name="Hughes, Joseph D" userId="bd5f5bbf-fc0b-41ca-af42-bfb8d56f1f7b" providerId="ADAL" clId="{C67A0D07-8AED-A74E-B1BB-567FB2C22816}" dt="2023-01-06T15:11:09.622" v="275" actId="20577"/>
+        <pc:sldMkLst>
+          <pc:docMk/>
+          <pc:sldMk cId="0" sldId="577"/>
+        </pc:sldMkLst>
+        <pc:spChg chg="mod">
+          <ac:chgData name="Hughes, Joseph D" userId="bd5f5bbf-fc0b-41ca-af42-bfb8d56f1f7b" providerId="ADAL" clId="{C67A0D07-8AED-A74E-B1BB-567FB2C22816}" dt="2023-01-06T14:49:17.599" v="102" actId="20577"/>
+          <ac:spMkLst>
+            <pc:docMk/>
+            <pc:sldMk cId="0" sldId="577"/>
+            <ac:spMk id="2" creationId="{00000000-0000-0000-0000-000000000000}"/>
+          </ac:spMkLst>
+        </pc:spChg>
+        <pc:spChg chg="mod">
+          <ac:chgData name="Hughes, Joseph D" userId="bd5f5bbf-fc0b-41ca-af42-bfb8d56f1f7b" providerId="ADAL" clId="{C67A0D07-8AED-A74E-B1BB-567FB2C22816}" dt="2023-01-06T15:11:09.622" v="275" actId="20577"/>
+          <ac:spMkLst>
+            <pc:docMk/>
+            <pc:sldMk cId="0" sldId="577"/>
+            <ac:spMk id="3" creationId="{00000000-0000-0000-0000-000000000000}"/>
+          </ac:spMkLst>
+        </pc:spChg>
+      </pc:sldChg>
+      <pc:sldChg chg="modSp mod">
+        <pc:chgData name="Hughes, Joseph D" userId="bd5f5bbf-fc0b-41ca-af42-bfb8d56f1f7b" providerId="ADAL" clId="{C67A0D07-8AED-A74E-B1BB-567FB2C22816}" dt="2023-01-06T15:13:14.781" v="314" actId="20577"/>
+        <pc:sldMkLst>
+          <pc:docMk/>
+          <pc:sldMk cId="0" sldId="578"/>
+        </pc:sldMkLst>
+        <pc:spChg chg="mod">
+          <ac:chgData name="Hughes, Joseph D" userId="bd5f5bbf-fc0b-41ca-af42-bfb8d56f1f7b" providerId="ADAL" clId="{C67A0D07-8AED-A74E-B1BB-567FB2C22816}" dt="2023-01-06T15:13:14.781" v="314" actId="20577"/>
+          <ac:spMkLst>
+            <pc:docMk/>
+            <pc:sldMk cId="0" sldId="578"/>
+            <ac:spMk id="2" creationId="{00000000-0000-0000-0000-000000000000}"/>
+          </ac:spMkLst>
+        </pc:spChg>
+        <pc:spChg chg="mod">
+          <ac:chgData name="Hughes, Joseph D" userId="bd5f5bbf-fc0b-41ca-af42-bfb8d56f1f7b" providerId="ADAL" clId="{C67A0D07-8AED-A74E-B1BB-567FB2C22816}" dt="2023-01-06T15:12:48.976" v="284" actId="1076"/>
+          <ac:spMkLst>
+            <pc:docMk/>
+            <pc:sldMk cId="0" sldId="578"/>
+            <ac:spMk id="5" creationId="{00000000-0000-0000-0000-000000000000}"/>
+          </ac:spMkLst>
+        </pc:spChg>
+        <pc:spChg chg="mod">
+          <ac:chgData name="Hughes, Joseph D" userId="bd5f5bbf-fc0b-41ca-af42-bfb8d56f1f7b" providerId="ADAL" clId="{C67A0D07-8AED-A74E-B1BB-567FB2C22816}" dt="2023-01-05T22:26:18.561" v="0"/>
+          <ac:spMkLst>
+            <pc:docMk/>
+            <pc:sldMk cId="0" sldId="578"/>
+            <ac:spMk id="18434" creationId="{00000000-0000-0000-0000-000000000000}"/>
+          </ac:spMkLst>
+        </pc:spChg>
+      </pc:sldChg>
+      <pc:sldChg chg="modSp">
+        <pc:chgData name="Hughes, Joseph D" userId="bd5f5bbf-fc0b-41ca-af42-bfb8d56f1f7b" providerId="ADAL" clId="{C67A0D07-8AED-A74E-B1BB-567FB2C22816}" dt="2023-01-05T22:26:18.561" v="0"/>
+        <pc:sldMkLst>
+          <pc:docMk/>
+          <pc:sldMk cId="3529956039" sldId="579"/>
+        </pc:sldMkLst>
+        <pc:spChg chg="mod">
+          <ac:chgData name="Hughes, Joseph D" userId="bd5f5bbf-fc0b-41ca-af42-bfb8d56f1f7b" providerId="ADAL" clId="{C67A0D07-8AED-A74E-B1BB-567FB2C22816}" dt="2023-01-05T22:26:18.561" v="0"/>
+          <ac:spMkLst>
+            <pc:docMk/>
+            <pc:sldMk cId="3529956039" sldId="579"/>
+            <ac:spMk id="5" creationId="{A3AE2908-36AF-E746-9DF9-03CE053D41E1}"/>
+          </ac:spMkLst>
+        </pc:spChg>
+        <pc:spChg chg="mod">
+          <ac:chgData name="Hughes, Joseph D" userId="bd5f5bbf-fc0b-41ca-af42-bfb8d56f1f7b" providerId="ADAL" clId="{C67A0D07-8AED-A74E-B1BB-567FB2C22816}" dt="2023-01-05T22:26:18.561" v="0"/>
+          <ac:spMkLst>
+            <pc:docMk/>
+            <pc:sldMk cId="3529956039" sldId="579"/>
+            <ac:spMk id="6" creationId="{00000000-0000-0000-0000-000000000000}"/>
+          </ac:spMkLst>
+        </pc:spChg>
+        <pc:spChg chg="mod">
+          <ac:chgData name="Hughes, Joseph D" userId="bd5f5bbf-fc0b-41ca-af42-bfb8d56f1f7b" providerId="ADAL" clId="{C67A0D07-8AED-A74E-B1BB-567FB2C22816}" dt="2023-01-05T22:26:18.561" v="0"/>
+          <ac:spMkLst>
+            <pc:docMk/>
+            <pc:sldMk cId="3529956039" sldId="579"/>
+            <ac:spMk id="7" creationId="{00000000-0000-0000-0000-000000000000}"/>
+          </ac:spMkLst>
+        </pc:spChg>
+      </pc:sldChg>
+      <pc:sldChg chg="modSp mod">
+        <pc:chgData name="Hughes, Joseph D" userId="bd5f5bbf-fc0b-41ca-af42-bfb8d56f1f7b" providerId="ADAL" clId="{C67A0D07-8AED-A74E-B1BB-567FB2C22816}" dt="2023-01-06T15:06:20.700" v="205" actId="1036"/>
+        <pc:sldMkLst>
+          <pc:docMk/>
+          <pc:sldMk cId="1443141517" sldId="580"/>
+        </pc:sldMkLst>
+        <pc:spChg chg="mod">
+          <ac:chgData name="Hughes, Joseph D" userId="bd5f5bbf-fc0b-41ca-af42-bfb8d56f1f7b" providerId="ADAL" clId="{C67A0D07-8AED-A74E-B1BB-567FB2C22816}" dt="2023-01-06T15:06:00.756" v="192" actId="408"/>
+          <ac:spMkLst>
+            <pc:docMk/>
+            <pc:sldMk cId="1443141517" sldId="580"/>
+            <ac:spMk id="7" creationId="{7A32D6E9-CBAB-064F-A029-7714C9118BA0}"/>
+          </ac:spMkLst>
+        </pc:spChg>
+        <pc:grpChg chg="mod">
+          <ac:chgData name="Hughes, Joseph D" userId="bd5f5bbf-fc0b-41ca-af42-bfb8d56f1f7b" providerId="ADAL" clId="{C67A0D07-8AED-A74E-B1BB-567FB2C22816}" dt="2023-01-06T15:06:20.700" v="205" actId="1036"/>
+          <ac:grpSpMkLst>
+            <pc:docMk/>
+            <pc:sldMk cId="1443141517" sldId="580"/>
+            <ac:grpSpMk id="11" creationId="{D04EBC2D-BA7E-8E46-9601-B2AB2AFBDE91}"/>
+          </ac:grpSpMkLst>
+        </pc:grpChg>
+        <pc:picChg chg="mod">
+          <ac:chgData name="Hughes, Joseph D" userId="bd5f5bbf-fc0b-41ca-af42-bfb8d56f1f7b" providerId="ADAL" clId="{C67A0D07-8AED-A74E-B1BB-567FB2C22816}" dt="2023-01-06T15:06:18.509" v="203" actId="408"/>
+          <ac:picMkLst>
+            <pc:docMk/>
+            <pc:sldMk cId="1443141517" sldId="580"/>
+            <ac:picMk id="8" creationId="{54A9E2B0-0209-BA4C-8485-7E0CF80F03BC}"/>
+          </ac:picMkLst>
+        </pc:picChg>
+        <pc:picChg chg="mod">
+          <ac:chgData name="Hughes, Joseph D" userId="bd5f5bbf-fc0b-41ca-af42-bfb8d56f1f7b" providerId="ADAL" clId="{C67A0D07-8AED-A74E-B1BB-567FB2C22816}" dt="2023-01-06T15:06:18.509" v="203" actId="408"/>
+          <ac:picMkLst>
+            <pc:docMk/>
+            <pc:sldMk cId="1443141517" sldId="580"/>
+            <ac:picMk id="10" creationId="{A46944CB-5C74-E34D-A7AB-387DDCBB5A5C}"/>
+          </ac:picMkLst>
+        </pc:picChg>
+      </pc:sldChg>
+      <pc:sldChg chg="modSp">
+        <pc:chgData name="Hughes, Joseph D" userId="bd5f5bbf-fc0b-41ca-af42-bfb8d56f1f7b" providerId="ADAL" clId="{C67A0D07-8AED-A74E-B1BB-567FB2C22816}" dt="2023-01-05T22:26:18.561" v="0"/>
+        <pc:sldMkLst>
+          <pc:docMk/>
+          <pc:sldMk cId="1112564220" sldId="581"/>
+        </pc:sldMkLst>
+        <pc:spChg chg="mod">
+          <ac:chgData name="Hughes, Joseph D" userId="bd5f5bbf-fc0b-41ca-af42-bfb8d56f1f7b" providerId="ADAL" clId="{C67A0D07-8AED-A74E-B1BB-567FB2C22816}" dt="2023-01-05T22:26:18.561" v="0"/>
+          <ac:spMkLst>
+            <pc:docMk/>
+            <pc:sldMk cId="1112564220" sldId="581"/>
+            <ac:spMk id="5" creationId="{00000000-0000-0000-0000-000000000000}"/>
+          </ac:spMkLst>
+        </pc:spChg>
+        <pc:picChg chg="mod">
+          <ac:chgData name="Hughes, Joseph D" userId="bd5f5bbf-fc0b-41ca-af42-bfb8d56f1f7b" providerId="ADAL" clId="{C67A0D07-8AED-A74E-B1BB-567FB2C22816}" dt="2023-01-05T22:26:18.561" v="0"/>
+          <ac:picMkLst>
+            <pc:docMk/>
+            <pc:sldMk cId="1112564220" sldId="581"/>
+            <ac:picMk id="9" creationId="{00000000-0000-0000-0000-000000000000}"/>
+          </ac:picMkLst>
+        </pc:picChg>
+      </pc:sldChg>
+      <pc:sldChg chg="modSp">
+        <pc:chgData name="Hughes, Joseph D" userId="bd5f5bbf-fc0b-41ca-af42-bfb8d56f1f7b" providerId="ADAL" clId="{C67A0D07-8AED-A74E-B1BB-567FB2C22816}" dt="2023-01-05T22:26:18.561" v="0"/>
+        <pc:sldMkLst>
+          <pc:docMk/>
+          <pc:sldMk cId="116596551" sldId="582"/>
+        </pc:sldMkLst>
+        <pc:spChg chg="mod">
+          <ac:chgData name="Hughes, Joseph D" userId="bd5f5bbf-fc0b-41ca-af42-bfb8d56f1f7b" providerId="ADAL" clId="{C67A0D07-8AED-A74E-B1BB-567FB2C22816}" dt="2023-01-05T22:26:18.561" v="0"/>
+          <ac:spMkLst>
+            <pc:docMk/>
+            <pc:sldMk cId="116596551" sldId="582"/>
+            <ac:spMk id="5" creationId="{00000000-0000-0000-0000-000000000000}"/>
+          </ac:spMkLst>
+        </pc:spChg>
+        <pc:picChg chg="mod">
+          <ac:chgData name="Hughes, Joseph D" userId="bd5f5bbf-fc0b-41ca-af42-bfb8d56f1f7b" providerId="ADAL" clId="{C67A0D07-8AED-A74E-B1BB-567FB2C22816}" dt="2023-01-05T22:26:18.561" v="0"/>
+          <ac:picMkLst>
+            <pc:docMk/>
+            <pc:sldMk cId="116596551" sldId="582"/>
+            <ac:picMk id="6" creationId="{00000000-0000-0000-0000-000000000000}"/>
+          </ac:picMkLst>
+        </pc:picChg>
+        <pc:picChg chg="mod">
+          <ac:chgData name="Hughes, Joseph D" userId="bd5f5bbf-fc0b-41ca-af42-bfb8d56f1f7b" providerId="ADAL" clId="{C67A0D07-8AED-A74E-B1BB-567FB2C22816}" dt="2023-01-05T22:26:18.561" v="0"/>
+          <ac:picMkLst>
+            <pc:docMk/>
+            <pc:sldMk cId="116596551" sldId="582"/>
+            <ac:picMk id="7" creationId="{00000000-0000-0000-0000-000000000000}"/>
+          </ac:picMkLst>
+        </pc:picChg>
+      </pc:sldChg>
+      <pc:sldChg chg="modSp">
+        <pc:chgData name="Hughes, Joseph D" userId="bd5f5bbf-fc0b-41ca-af42-bfb8d56f1f7b" providerId="ADAL" clId="{C67A0D07-8AED-A74E-B1BB-567FB2C22816}" dt="2023-01-05T22:26:18.561" v="0"/>
+        <pc:sldMkLst>
+          <pc:docMk/>
+          <pc:sldMk cId="2718887773" sldId="583"/>
+        </pc:sldMkLst>
+        <pc:spChg chg="mod">
+          <ac:chgData name="Hughes, Joseph D" userId="bd5f5bbf-fc0b-41ca-af42-bfb8d56f1f7b" providerId="ADAL" clId="{C67A0D07-8AED-A74E-B1BB-567FB2C22816}" dt="2023-01-05T22:26:18.561" v="0"/>
+          <ac:spMkLst>
+            <pc:docMk/>
+            <pc:sldMk cId="2718887773" sldId="583"/>
+            <ac:spMk id="7" creationId="{7A32D6E9-CBAB-064F-A029-7714C9118BA0}"/>
+          </ac:spMkLst>
+        </pc:spChg>
+        <pc:picChg chg="mod">
+          <ac:chgData name="Hughes, Joseph D" userId="bd5f5bbf-fc0b-41ca-af42-bfb8d56f1f7b" providerId="ADAL" clId="{C67A0D07-8AED-A74E-B1BB-567FB2C22816}" dt="2023-01-05T22:26:18.561" v="0"/>
+          <ac:picMkLst>
+            <pc:docMk/>
+            <pc:sldMk cId="2718887773" sldId="583"/>
+            <ac:picMk id="5" creationId="{00000000-0000-0000-0000-000000000000}"/>
+          </ac:picMkLst>
+        </pc:picChg>
+        <pc:picChg chg="mod">
+          <ac:chgData name="Hughes, Joseph D" userId="bd5f5bbf-fc0b-41ca-af42-bfb8d56f1f7b" providerId="ADAL" clId="{C67A0D07-8AED-A74E-B1BB-567FB2C22816}" dt="2023-01-05T22:26:18.561" v="0"/>
+          <ac:picMkLst>
+            <pc:docMk/>
+            <pc:sldMk cId="2718887773" sldId="583"/>
+            <ac:picMk id="6" creationId="{00000000-0000-0000-0000-000000000000}"/>
+          </ac:picMkLst>
+        </pc:picChg>
+      </pc:sldChg>
+      <pc:sldChg chg="modSp mod">
+        <pc:chgData name="Hughes, Joseph D" userId="bd5f5bbf-fc0b-41ca-af42-bfb8d56f1f7b" providerId="ADAL" clId="{C67A0D07-8AED-A74E-B1BB-567FB2C22816}" dt="2023-01-06T15:12:10.339" v="281" actId="14100"/>
+        <pc:sldMkLst>
+          <pc:docMk/>
+          <pc:sldMk cId="2223409433" sldId="584"/>
+        </pc:sldMkLst>
+        <pc:spChg chg="mod">
+          <ac:chgData name="Hughes, Joseph D" userId="bd5f5bbf-fc0b-41ca-af42-bfb8d56f1f7b" providerId="ADAL" clId="{C67A0D07-8AED-A74E-B1BB-567FB2C22816}" dt="2023-01-06T15:11:49.088" v="278" actId="20577"/>
+          <ac:spMkLst>
+            <pc:docMk/>
+            <pc:sldMk cId="2223409433" sldId="584"/>
+            <ac:spMk id="2" creationId="{00000000-0000-0000-0000-000000000000}"/>
+          </ac:spMkLst>
+        </pc:spChg>
+        <pc:spChg chg="mod">
+          <ac:chgData name="Hughes, Joseph D" userId="bd5f5bbf-fc0b-41ca-af42-bfb8d56f1f7b" providerId="ADAL" clId="{C67A0D07-8AED-A74E-B1BB-567FB2C22816}" dt="2023-01-06T15:12:10.339" v="281" actId="14100"/>
+          <ac:spMkLst>
+            <pc:docMk/>
+            <pc:sldMk cId="2223409433" sldId="584"/>
+            <ac:spMk id="7" creationId="{7A32D6E9-CBAB-064F-A029-7714C9118BA0}"/>
+          </ac:spMkLst>
+        </pc:spChg>
+        <pc:picChg chg="mod">
+          <ac:chgData name="Hughes, Joseph D" userId="bd5f5bbf-fc0b-41ca-af42-bfb8d56f1f7b" providerId="ADAL" clId="{C67A0D07-8AED-A74E-B1BB-567FB2C22816}" dt="2023-01-05T22:26:18.561" v="0"/>
+          <ac:picMkLst>
+            <pc:docMk/>
+            <pc:sldMk cId="2223409433" sldId="584"/>
+            <ac:picMk id="3" creationId="{7C4552E1-95A4-0B48-82DC-534E4AA8BBC9}"/>
+          </ac:picMkLst>
+        </pc:picChg>
+      </pc:sldChg>
+      <pc:sldChg chg="modSp new mod">
+        <pc:chgData name="Hughes, Joseph D" userId="bd5f5bbf-fc0b-41ca-af42-bfb8d56f1f7b" providerId="ADAL" clId="{C67A0D07-8AED-A74E-B1BB-567FB2C22816}" dt="2023-01-05T22:27:38.006" v="100" actId="20577"/>
+        <pc:sldMkLst>
+          <pc:docMk/>
+          <pc:sldMk cId="302322613" sldId="587"/>
+        </pc:sldMkLst>
+        <pc:spChg chg="mod">
+          <ac:chgData name="Hughes, Joseph D" userId="bd5f5bbf-fc0b-41ca-af42-bfb8d56f1f7b" providerId="ADAL" clId="{C67A0D07-8AED-A74E-B1BB-567FB2C22816}" dt="2023-01-05T22:27:15.448" v="34" actId="20577"/>
+          <ac:spMkLst>
+            <pc:docMk/>
+            <pc:sldMk cId="302322613" sldId="587"/>
+            <ac:spMk id="2" creationId="{D7BACF44-C8FF-43AD-C284-231CECB390E4}"/>
+          </ac:spMkLst>
+        </pc:spChg>
+        <pc:spChg chg="mod">
+          <ac:chgData name="Hughes, Joseph D" userId="bd5f5bbf-fc0b-41ca-af42-bfb8d56f1f7b" providerId="ADAL" clId="{C67A0D07-8AED-A74E-B1BB-567FB2C22816}" dt="2023-01-05T22:27:38.006" v="100" actId="20577"/>
+          <ac:spMkLst>
+            <pc:docMk/>
+            <pc:sldMk cId="302322613" sldId="587"/>
+            <ac:spMk id="3" creationId="{CD9E3B8D-C8FA-A13E-C596-4F04F9D2879D}"/>
+          </ac:spMkLst>
+        </pc:spChg>
+      </pc:sldChg>
+      <pc:sldChg chg="addSp modSp new mod">
+        <pc:chgData name="Hughes, Joseph D" userId="bd5f5bbf-fc0b-41ca-af42-bfb8d56f1f7b" providerId="ADAL" clId="{C67A0D07-8AED-A74E-B1BB-567FB2C22816}" dt="2023-01-06T15:02:23.557" v="168" actId="465"/>
+        <pc:sldMkLst>
+          <pc:docMk/>
+          <pc:sldMk cId="1250119428" sldId="588"/>
+        </pc:sldMkLst>
+        <pc:spChg chg="mod">
+          <ac:chgData name="Hughes, Joseph D" userId="bd5f5bbf-fc0b-41ca-af42-bfb8d56f1f7b" providerId="ADAL" clId="{C67A0D07-8AED-A74E-B1BB-567FB2C22816}" dt="2023-01-06T15:01:10.981" v="157" actId="20577"/>
+          <ac:spMkLst>
+            <pc:docMk/>
+            <pc:sldMk cId="1250119428" sldId="588"/>
+            <ac:spMk id="2" creationId="{4A571514-44BB-FFC7-FA26-4F6450C2FBAB}"/>
+          </ac:spMkLst>
+        </pc:spChg>
+        <pc:spChg chg="add mod">
+          <ac:chgData name="Hughes, Joseph D" userId="bd5f5bbf-fc0b-41ca-af42-bfb8d56f1f7b" providerId="ADAL" clId="{C67A0D07-8AED-A74E-B1BB-567FB2C22816}" dt="2023-01-06T15:02:23.557" v="168" actId="465"/>
+          <ac:spMkLst>
+            <pc:docMk/>
+            <pc:sldMk cId="1250119428" sldId="588"/>
+            <ac:spMk id="3" creationId="{5A0CEA0E-7E7C-553F-148E-71F64F4D7059}"/>
+          </ac:spMkLst>
+        </pc:spChg>
+        <pc:spChg chg="mod">
+          <ac:chgData name="Hughes, Joseph D" userId="bd5f5bbf-fc0b-41ca-af42-bfb8d56f1f7b" providerId="ADAL" clId="{C67A0D07-8AED-A74E-B1BB-567FB2C22816}" dt="2023-01-06T15:01:53.346" v="161"/>
+          <ac:spMkLst>
+            <pc:docMk/>
+            <pc:sldMk cId="1250119428" sldId="588"/>
+            <ac:spMk id="9" creationId="{9F820231-F954-F8FB-6BFB-CB83493898E7}"/>
+          </ac:spMkLst>
+        </pc:spChg>
+        <pc:spChg chg="mod">
+          <ac:chgData name="Hughes, Joseph D" userId="bd5f5bbf-fc0b-41ca-af42-bfb8d56f1f7b" providerId="ADAL" clId="{C67A0D07-8AED-A74E-B1BB-567FB2C22816}" dt="2023-01-06T15:01:53.346" v="161"/>
+          <ac:spMkLst>
+            <pc:docMk/>
+            <pc:sldMk cId="1250119428" sldId="588"/>
+            <ac:spMk id="10" creationId="{DD02CA00-B2E0-F3BC-9BCA-96914175E81B}"/>
+          </ac:spMkLst>
+        </pc:spChg>
+        <pc:spChg chg="mod">
+          <ac:chgData name="Hughes, Joseph D" userId="bd5f5bbf-fc0b-41ca-af42-bfb8d56f1f7b" providerId="ADAL" clId="{C67A0D07-8AED-A74E-B1BB-567FB2C22816}" dt="2023-01-06T15:01:53.346" v="161"/>
+          <ac:spMkLst>
+            <pc:docMk/>
+            <pc:sldMk cId="1250119428" sldId="588"/>
+            <ac:spMk id="11" creationId="{1E33BC93-C889-440F-2B97-B9AF0DDF6822}"/>
+          </ac:spMkLst>
+        </pc:spChg>
+        <pc:spChg chg="mod">
+          <ac:chgData name="Hughes, Joseph D" userId="bd5f5bbf-fc0b-41ca-af42-bfb8d56f1f7b" providerId="ADAL" clId="{C67A0D07-8AED-A74E-B1BB-567FB2C22816}" dt="2023-01-06T15:01:53.346" v="161"/>
+          <ac:spMkLst>
+            <pc:docMk/>
+            <pc:sldMk cId="1250119428" sldId="588"/>
+            <ac:spMk id="12" creationId="{EFCC8862-D311-D0F5-0432-07F48BB5F122}"/>
+          </ac:spMkLst>
+        </pc:spChg>
+        <pc:spChg chg="mod">
+          <ac:chgData name="Hughes, Joseph D" userId="bd5f5bbf-fc0b-41ca-af42-bfb8d56f1f7b" providerId="ADAL" clId="{C67A0D07-8AED-A74E-B1BB-567FB2C22816}" dt="2023-01-06T15:01:53.346" v="161"/>
+          <ac:spMkLst>
+            <pc:docMk/>
+            <pc:sldMk cId="1250119428" sldId="588"/>
+            <ac:spMk id="13" creationId="{F5E66816-65E8-DB07-5DC7-4647EAF155FA}"/>
+          </ac:spMkLst>
+        </pc:spChg>
+        <pc:spChg chg="mod">
+          <ac:chgData name="Hughes, Joseph D" userId="bd5f5bbf-fc0b-41ca-af42-bfb8d56f1f7b" providerId="ADAL" clId="{C67A0D07-8AED-A74E-B1BB-567FB2C22816}" dt="2023-01-06T15:01:53.346" v="161"/>
+          <ac:spMkLst>
+            <pc:docMk/>
+            <pc:sldMk cId="1250119428" sldId="588"/>
+            <ac:spMk id="14" creationId="{686038D9-87AB-7D2A-D2F9-507CBCCFFAD6}"/>
+          </ac:spMkLst>
+        </pc:spChg>
+        <pc:spChg chg="mod">
+          <ac:chgData name="Hughes, Joseph D" userId="bd5f5bbf-fc0b-41ca-af42-bfb8d56f1f7b" providerId="ADAL" clId="{C67A0D07-8AED-A74E-B1BB-567FB2C22816}" dt="2023-01-06T15:01:53.346" v="161"/>
+          <ac:spMkLst>
+            <pc:docMk/>
+            <pc:sldMk cId="1250119428" sldId="588"/>
+            <ac:spMk id="15" creationId="{C82CBBED-11C8-C66D-0EE5-D587913BED6A}"/>
+          </ac:spMkLst>
+        </pc:spChg>
+        <pc:spChg chg="mod">
+          <ac:chgData name="Hughes, Joseph D" userId="bd5f5bbf-fc0b-41ca-af42-bfb8d56f1f7b" providerId="ADAL" clId="{C67A0D07-8AED-A74E-B1BB-567FB2C22816}" dt="2023-01-06T15:01:53.346" v="161"/>
+          <ac:spMkLst>
+            <pc:docMk/>
+            <pc:sldMk cId="1250119428" sldId="588"/>
+            <ac:spMk id="16" creationId="{238F007A-B7CB-C6CE-A573-43D3DA5D7092}"/>
+          </ac:spMkLst>
+        </pc:spChg>
+        <pc:grpChg chg="add mod">
+          <ac:chgData name="Hughes, Joseph D" userId="bd5f5bbf-fc0b-41ca-af42-bfb8d56f1f7b" providerId="ADAL" clId="{C67A0D07-8AED-A74E-B1BB-567FB2C22816}" dt="2023-01-06T15:02:23.557" v="168" actId="465"/>
+          <ac:grpSpMkLst>
+            <pc:docMk/>
+            <pc:sldMk cId="1250119428" sldId="588"/>
+            <ac:grpSpMk id="4" creationId="{4E7F26E8-DA4E-F53C-E0B5-5258953D7979}"/>
+          </ac:grpSpMkLst>
+        </pc:grpChg>
+        <pc:grpChg chg="mod">
+          <ac:chgData name="Hughes, Joseph D" userId="bd5f5bbf-fc0b-41ca-af42-bfb8d56f1f7b" providerId="ADAL" clId="{C67A0D07-8AED-A74E-B1BB-567FB2C22816}" dt="2023-01-06T15:01:53.346" v="161"/>
+          <ac:grpSpMkLst>
+            <pc:docMk/>
+            <pc:sldMk cId="1250119428" sldId="588"/>
+            <ac:grpSpMk id="5" creationId="{880A1704-6631-F5ED-52F5-1C9B212651E1}"/>
+          </ac:grpSpMkLst>
+        </pc:grpChg>
+        <pc:grpChg chg="mod">
+          <ac:chgData name="Hughes, Joseph D" userId="bd5f5bbf-fc0b-41ca-af42-bfb8d56f1f7b" providerId="ADAL" clId="{C67A0D07-8AED-A74E-B1BB-567FB2C22816}" dt="2023-01-06T15:01:53.346" v="161"/>
+          <ac:grpSpMkLst>
+            <pc:docMk/>
+            <pc:sldMk cId="1250119428" sldId="588"/>
+            <ac:grpSpMk id="6" creationId="{EC7391B6-1B60-23E6-C680-48D37EEB090E}"/>
+          </ac:grpSpMkLst>
+        </pc:grpChg>
+        <pc:picChg chg="add mod">
+          <ac:chgData name="Hughes, Joseph D" userId="bd5f5bbf-fc0b-41ca-af42-bfb8d56f1f7b" providerId="ADAL" clId="{C67A0D07-8AED-A74E-B1BB-567FB2C22816}" dt="2023-01-06T15:02:23.557" v="168" actId="465"/>
+          <ac:picMkLst>
+            <pc:docMk/>
+            <pc:sldMk cId="1250119428" sldId="588"/>
+            <ac:picMk id="17" creationId="{D1CF6B3F-0988-E539-2776-1C4F9B74C504}"/>
+          </ac:picMkLst>
+        </pc:picChg>
+        <pc:cxnChg chg="mod">
+          <ac:chgData name="Hughes, Joseph D" userId="bd5f5bbf-fc0b-41ca-af42-bfb8d56f1f7b" providerId="ADAL" clId="{C67A0D07-8AED-A74E-B1BB-567FB2C22816}" dt="2023-01-06T15:01:53.346" v="161"/>
+          <ac:cxnSpMkLst>
+            <pc:docMk/>
+            <pc:sldMk cId="1250119428" sldId="588"/>
+            <ac:cxnSpMk id="7" creationId="{5A040EDE-C627-C262-BA0F-FE47039C424F}"/>
+          </ac:cxnSpMkLst>
+        </pc:cxnChg>
+        <pc:cxnChg chg="mod">
+          <ac:chgData name="Hughes, Joseph D" userId="bd5f5bbf-fc0b-41ca-af42-bfb8d56f1f7b" providerId="ADAL" clId="{C67A0D07-8AED-A74E-B1BB-567FB2C22816}" dt="2023-01-06T15:01:53.346" v="161"/>
+          <ac:cxnSpMkLst>
+            <pc:docMk/>
+            <pc:sldMk cId="1250119428" sldId="588"/>
+            <ac:cxnSpMk id="8" creationId="{BB780A19-5B65-1D27-3E2F-DF8AD8E5588E}"/>
+          </ac:cxnSpMkLst>
+        </pc:cxnChg>
+      </pc:sldChg>
+      <pc:sldMasterChg chg="addSp delSp modSp mod modSldLayout">
+        <pc:chgData name="Hughes, Joseph D" userId="bd5f5bbf-fc0b-41ca-af42-bfb8d56f1f7b" providerId="ADAL" clId="{C67A0D07-8AED-A74E-B1BB-567FB2C22816}" dt="2023-01-05T22:26:49.347" v="7"/>
+        <pc:sldMasterMkLst>
+          <pc:docMk/>
+          <pc:sldMasterMk cId="0" sldId="2147483888"/>
+        </pc:sldMasterMkLst>
+        <pc:spChg chg="mod">
+          <ac:chgData name="Hughes, Joseph D" userId="bd5f5bbf-fc0b-41ca-af42-bfb8d56f1f7b" providerId="ADAL" clId="{C67A0D07-8AED-A74E-B1BB-567FB2C22816}" dt="2023-01-05T22:26:18.561" v="0"/>
+          <ac:spMkLst>
+            <pc:docMk/>
+            <pc:sldMasterMk cId="0" sldId="2147483888"/>
+            <ac:spMk id="1026" creationId="{00000000-0000-0000-0000-000000000000}"/>
+          </ac:spMkLst>
+        </pc:spChg>
+        <pc:spChg chg="mod">
+          <ac:chgData name="Hughes, Joseph D" userId="bd5f5bbf-fc0b-41ca-af42-bfb8d56f1f7b" providerId="ADAL" clId="{C67A0D07-8AED-A74E-B1BB-567FB2C22816}" dt="2023-01-05T22:26:18.561" v="0"/>
+          <ac:spMkLst>
+            <pc:docMk/>
+            <pc:sldMasterMk cId="0" sldId="2147483888"/>
+            <ac:spMk id="1027" creationId="{00000000-0000-0000-0000-000000000000}"/>
+          </ac:spMkLst>
+        </pc:spChg>
+        <pc:picChg chg="add mod">
+          <ac:chgData name="Hughes, Joseph D" userId="bd5f5bbf-fc0b-41ca-af42-bfb8d56f1f7b" providerId="ADAL" clId="{C67A0D07-8AED-A74E-B1BB-567FB2C22816}" dt="2023-01-05T22:26:39.462" v="5" actId="1076"/>
+          <ac:picMkLst>
+            <pc:docMk/>
+            <pc:sldMasterMk cId="0" sldId="2147483888"/>
+            <ac:picMk id="2" creationId="{AEE40C25-7DC3-42DD-9216-572EC3FD06C1}"/>
+          </ac:picMkLst>
+        </pc:picChg>
+        <pc:picChg chg="del mod">
+          <ac:chgData name="Hughes, Joseph D" userId="bd5f5bbf-fc0b-41ca-af42-bfb8d56f1f7b" providerId="ADAL" clId="{C67A0D07-8AED-A74E-B1BB-567FB2C22816}" dt="2023-01-05T22:26:33.533" v="3" actId="478"/>
+          <ac:picMkLst>
+            <pc:docMk/>
+            <pc:sldMasterMk cId="0" sldId="2147483888"/>
+            <ac:picMk id="1028" creationId="{00000000-0000-0000-0000-000000000000}"/>
+          </ac:picMkLst>
+        </pc:picChg>
+        <pc:sldLayoutChg chg="modSp">
+          <pc:chgData name="Hughes, Joseph D" userId="bd5f5bbf-fc0b-41ca-af42-bfb8d56f1f7b" providerId="ADAL" clId="{C67A0D07-8AED-A74E-B1BB-567FB2C22816}" dt="2023-01-05T22:26:18.561" v="0"/>
+          <pc:sldLayoutMkLst>
+            <pc:docMk/>
+            <pc:sldMasterMk cId="0" sldId="2147483648"/>
+            <pc:sldLayoutMk cId="2033810452" sldId="2147483878"/>
+          </pc:sldLayoutMkLst>
+          <pc:spChg chg="mod">
+            <ac:chgData name="Hughes, Joseph D" userId="bd5f5bbf-fc0b-41ca-af42-bfb8d56f1f7b" providerId="ADAL" clId="{C67A0D07-8AED-A74E-B1BB-567FB2C22816}" dt="2023-01-05T22:26:18.561" v="0"/>
+            <ac:spMkLst>
+              <pc:docMk/>
+              <pc:sldMasterMk cId="0" sldId="2147483648"/>
+              <pc:sldLayoutMk cId="2033810452" sldId="2147483878"/>
+              <ac:spMk id="2" creationId="{00000000-0000-0000-0000-000000000000}"/>
+            </ac:spMkLst>
+          </pc:spChg>
+          <pc:spChg chg="mod">
+            <ac:chgData name="Hughes, Joseph D" userId="bd5f5bbf-fc0b-41ca-af42-bfb8d56f1f7b" providerId="ADAL" clId="{C67A0D07-8AED-A74E-B1BB-567FB2C22816}" dt="2023-01-05T22:26:18.561" v="0"/>
+            <ac:spMkLst>
+              <pc:docMk/>
+              <pc:sldMasterMk cId="0" sldId="2147483648"/>
+              <pc:sldLayoutMk cId="2033810452" sldId="2147483878"/>
+              <ac:spMk id="3" creationId="{00000000-0000-0000-0000-000000000000}"/>
+            </ac:spMkLst>
+          </pc:spChg>
+        </pc:sldLayoutChg>
+        <pc:sldLayoutChg chg="modSp">
+          <pc:chgData name="Hughes, Joseph D" userId="bd5f5bbf-fc0b-41ca-af42-bfb8d56f1f7b" providerId="ADAL" clId="{C67A0D07-8AED-A74E-B1BB-567FB2C22816}" dt="2023-01-05T22:26:18.561" v="0"/>
+          <pc:sldLayoutMkLst>
+            <pc:docMk/>
+            <pc:sldMasterMk cId="0" sldId="2147483648"/>
+            <pc:sldLayoutMk cId="2781306774" sldId="2147483879"/>
+          </pc:sldLayoutMkLst>
+          <pc:spChg chg="mod">
+            <ac:chgData name="Hughes, Joseph D" userId="bd5f5bbf-fc0b-41ca-af42-bfb8d56f1f7b" providerId="ADAL" clId="{C67A0D07-8AED-A74E-B1BB-567FB2C22816}" dt="2023-01-05T22:26:18.561" v="0"/>
+            <ac:spMkLst>
+              <pc:docMk/>
+              <pc:sldMasterMk cId="0" sldId="2147483648"/>
+              <pc:sldLayoutMk cId="2781306774" sldId="2147483879"/>
+              <ac:spMk id="3" creationId="{00000000-0000-0000-0000-000000000000}"/>
+            </ac:spMkLst>
+          </pc:spChg>
+          <pc:spChg chg="mod">
+            <ac:chgData name="Hughes, Joseph D" userId="bd5f5bbf-fc0b-41ca-af42-bfb8d56f1f7b" providerId="ADAL" clId="{C67A0D07-8AED-A74E-B1BB-567FB2C22816}" dt="2023-01-05T22:26:18.561" v="0"/>
+            <ac:spMkLst>
+              <pc:docMk/>
+              <pc:sldMasterMk cId="0" sldId="2147483648"/>
+              <pc:sldLayoutMk cId="2781306774" sldId="2147483879"/>
+              <ac:spMk id="4" creationId="{00000000-0000-0000-0000-000000000000}"/>
+            </ac:spMkLst>
+          </pc:spChg>
+        </pc:sldLayoutChg>
+        <pc:sldLayoutChg chg="modSp">
+          <pc:chgData name="Hughes, Joseph D" userId="bd5f5bbf-fc0b-41ca-af42-bfb8d56f1f7b" providerId="ADAL" clId="{C67A0D07-8AED-A74E-B1BB-567FB2C22816}" dt="2023-01-05T22:26:18.561" v="0"/>
+          <pc:sldLayoutMkLst>
+            <pc:docMk/>
+            <pc:sldMasterMk cId="0" sldId="2147483648"/>
+            <pc:sldLayoutMk cId="3642106940" sldId="2147483880"/>
+          </pc:sldLayoutMkLst>
+          <pc:spChg chg="mod">
+            <ac:chgData name="Hughes, Joseph D" userId="bd5f5bbf-fc0b-41ca-af42-bfb8d56f1f7b" providerId="ADAL" clId="{C67A0D07-8AED-A74E-B1BB-567FB2C22816}" dt="2023-01-05T22:26:18.561" v="0"/>
+            <ac:spMkLst>
+              <pc:docMk/>
+              <pc:sldMasterMk cId="0" sldId="2147483648"/>
+              <pc:sldLayoutMk cId="3642106940" sldId="2147483880"/>
+              <ac:spMk id="2" creationId="{00000000-0000-0000-0000-000000000000}"/>
+            </ac:spMkLst>
+          </pc:spChg>
+          <pc:spChg chg="mod">
+            <ac:chgData name="Hughes, Joseph D" userId="bd5f5bbf-fc0b-41ca-af42-bfb8d56f1f7b" providerId="ADAL" clId="{C67A0D07-8AED-A74E-B1BB-567FB2C22816}" dt="2023-01-05T22:26:18.561" v="0"/>
+            <ac:spMkLst>
+              <pc:docMk/>
+              <pc:sldMasterMk cId="0" sldId="2147483648"/>
+              <pc:sldLayoutMk cId="3642106940" sldId="2147483880"/>
+              <ac:spMk id="3" creationId="{00000000-0000-0000-0000-000000000000}"/>
+            </ac:spMkLst>
+          </pc:spChg>
+          <pc:spChg chg="mod">
+            <ac:chgData name="Hughes, Joseph D" userId="bd5f5bbf-fc0b-41ca-af42-bfb8d56f1f7b" providerId="ADAL" clId="{C67A0D07-8AED-A74E-B1BB-567FB2C22816}" dt="2023-01-05T22:26:18.561" v="0"/>
+            <ac:spMkLst>
+              <pc:docMk/>
+              <pc:sldMasterMk cId="0" sldId="2147483648"/>
+              <pc:sldLayoutMk cId="3642106940" sldId="2147483880"/>
+              <ac:spMk id="4" creationId="{00000000-0000-0000-0000-000000000000}"/>
+            </ac:spMkLst>
+          </pc:spChg>
+          <pc:spChg chg="mod">
+            <ac:chgData name="Hughes, Joseph D" userId="bd5f5bbf-fc0b-41ca-af42-bfb8d56f1f7b" providerId="ADAL" clId="{C67A0D07-8AED-A74E-B1BB-567FB2C22816}" dt="2023-01-05T22:26:18.561" v="0"/>
+            <ac:spMkLst>
+              <pc:docMk/>
+              <pc:sldMasterMk cId="0" sldId="2147483648"/>
+              <pc:sldLayoutMk cId="3642106940" sldId="2147483880"/>
+              <ac:spMk id="5" creationId="{00000000-0000-0000-0000-000000000000}"/>
+            </ac:spMkLst>
+          </pc:spChg>
+          <pc:spChg chg="mod">
+            <ac:chgData name="Hughes, Joseph D" userId="bd5f5bbf-fc0b-41ca-af42-bfb8d56f1f7b" providerId="ADAL" clId="{C67A0D07-8AED-A74E-B1BB-567FB2C22816}" dt="2023-01-05T22:26:18.561" v="0"/>
+            <ac:spMkLst>
+              <pc:docMk/>
+              <pc:sldMasterMk cId="0" sldId="2147483648"/>
+              <pc:sldLayoutMk cId="3642106940" sldId="2147483880"/>
+              <ac:spMk id="6" creationId="{00000000-0000-0000-0000-000000000000}"/>
+            </ac:spMkLst>
+          </pc:spChg>
+        </pc:sldLayoutChg>
+        <pc:sldLayoutChg chg="modSp">
+          <pc:chgData name="Hughes, Joseph D" userId="bd5f5bbf-fc0b-41ca-af42-bfb8d56f1f7b" providerId="ADAL" clId="{C67A0D07-8AED-A74E-B1BB-567FB2C22816}" dt="2023-01-05T22:26:18.561" v="0"/>
+          <pc:sldLayoutMkLst>
+            <pc:docMk/>
+            <pc:sldMasterMk cId="0" sldId="2147483648"/>
+            <pc:sldLayoutMk cId="2432597678" sldId="2147483883"/>
+          </pc:sldLayoutMkLst>
+          <pc:spChg chg="mod">
+            <ac:chgData name="Hughes, Joseph D" userId="bd5f5bbf-fc0b-41ca-af42-bfb8d56f1f7b" providerId="ADAL" clId="{C67A0D07-8AED-A74E-B1BB-567FB2C22816}" dt="2023-01-05T22:26:18.561" v="0"/>
+            <ac:spMkLst>
+              <pc:docMk/>
+              <pc:sldMasterMk cId="0" sldId="2147483648"/>
+              <pc:sldLayoutMk cId="2432597678" sldId="2147483883"/>
+              <ac:spMk id="2" creationId="{00000000-0000-0000-0000-000000000000}"/>
+            </ac:spMkLst>
+          </pc:spChg>
+          <pc:spChg chg="mod">
+            <ac:chgData name="Hughes, Joseph D" userId="bd5f5bbf-fc0b-41ca-af42-bfb8d56f1f7b" providerId="ADAL" clId="{C67A0D07-8AED-A74E-B1BB-567FB2C22816}" dt="2023-01-05T22:26:18.561" v="0"/>
+            <ac:spMkLst>
+              <pc:docMk/>
+              <pc:sldMasterMk cId="0" sldId="2147483648"/>
+              <pc:sldLayoutMk cId="2432597678" sldId="2147483883"/>
+              <ac:spMk id="3" creationId="{00000000-0000-0000-0000-000000000000}"/>
+            </ac:spMkLst>
+          </pc:spChg>
+          <pc:spChg chg="mod">
+            <ac:chgData name="Hughes, Joseph D" userId="bd5f5bbf-fc0b-41ca-af42-bfb8d56f1f7b" providerId="ADAL" clId="{C67A0D07-8AED-A74E-B1BB-567FB2C22816}" dt="2023-01-05T22:26:18.561" v="0"/>
+            <ac:spMkLst>
+              <pc:docMk/>
+              <pc:sldMasterMk cId="0" sldId="2147483648"/>
+              <pc:sldLayoutMk cId="2432597678" sldId="2147483883"/>
+              <ac:spMk id="4" creationId="{00000000-0000-0000-0000-000000000000}"/>
+            </ac:spMkLst>
+          </pc:spChg>
+        </pc:sldLayoutChg>
+        <pc:sldLayoutChg chg="modSp">
+          <pc:chgData name="Hughes, Joseph D" userId="bd5f5bbf-fc0b-41ca-af42-bfb8d56f1f7b" providerId="ADAL" clId="{C67A0D07-8AED-A74E-B1BB-567FB2C22816}" dt="2023-01-05T22:26:18.561" v="0"/>
+          <pc:sldLayoutMkLst>
+            <pc:docMk/>
+            <pc:sldMasterMk cId="0" sldId="2147483648"/>
+            <pc:sldLayoutMk cId="2761397800" sldId="2147483884"/>
+          </pc:sldLayoutMkLst>
+          <pc:spChg chg="mod">
+            <ac:chgData name="Hughes, Joseph D" userId="bd5f5bbf-fc0b-41ca-af42-bfb8d56f1f7b" providerId="ADAL" clId="{C67A0D07-8AED-A74E-B1BB-567FB2C22816}" dt="2023-01-05T22:26:18.561" v="0"/>
+            <ac:spMkLst>
+              <pc:docMk/>
+              <pc:sldMasterMk cId="0" sldId="2147483648"/>
+              <pc:sldLayoutMk cId="2761397800" sldId="2147483884"/>
+              <ac:spMk id="2" creationId="{00000000-0000-0000-0000-000000000000}"/>
+            </ac:spMkLst>
+          </pc:spChg>
+          <pc:spChg chg="mod">
+            <ac:chgData name="Hughes, Joseph D" userId="bd5f5bbf-fc0b-41ca-af42-bfb8d56f1f7b" providerId="ADAL" clId="{C67A0D07-8AED-A74E-B1BB-567FB2C22816}" dt="2023-01-05T22:26:18.561" v="0"/>
+            <ac:spMkLst>
+              <pc:docMk/>
+              <pc:sldMasterMk cId="0" sldId="2147483648"/>
+              <pc:sldLayoutMk cId="2761397800" sldId="2147483884"/>
+              <ac:spMk id="3" creationId="{00000000-0000-0000-0000-000000000000}"/>
+            </ac:spMkLst>
+          </pc:spChg>
+          <pc:spChg chg="mod">
+            <ac:chgData name="Hughes, Joseph D" userId="bd5f5bbf-fc0b-41ca-af42-bfb8d56f1f7b" providerId="ADAL" clId="{C67A0D07-8AED-A74E-B1BB-567FB2C22816}" dt="2023-01-05T22:26:18.561" v="0"/>
+            <ac:spMkLst>
+              <pc:docMk/>
+              <pc:sldMasterMk cId="0" sldId="2147483648"/>
+              <pc:sldLayoutMk cId="2761397800" sldId="2147483884"/>
+              <ac:spMk id="4" creationId="{00000000-0000-0000-0000-000000000000}"/>
+            </ac:spMkLst>
+          </pc:spChg>
+        </pc:sldLayoutChg>
+        <pc:sldLayoutChg chg="modSp">
+          <pc:chgData name="Hughes, Joseph D" userId="bd5f5bbf-fc0b-41ca-af42-bfb8d56f1f7b" providerId="ADAL" clId="{C67A0D07-8AED-A74E-B1BB-567FB2C22816}" dt="2023-01-05T22:26:18.561" v="0"/>
+          <pc:sldLayoutMkLst>
+            <pc:docMk/>
+            <pc:sldMasterMk cId="0" sldId="2147483648"/>
+            <pc:sldLayoutMk cId="2300100707" sldId="2147483886"/>
+          </pc:sldLayoutMkLst>
+          <pc:spChg chg="mod">
+            <ac:chgData name="Hughes, Joseph D" userId="bd5f5bbf-fc0b-41ca-af42-bfb8d56f1f7b" providerId="ADAL" clId="{C67A0D07-8AED-A74E-B1BB-567FB2C22816}" dt="2023-01-05T22:26:18.561" v="0"/>
+            <ac:spMkLst>
+              <pc:docMk/>
+              <pc:sldMasterMk cId="0" sldId="2147483648"/>
+              <pc:sldLayoutMk cId="2300100707" sldId="2147483886"/>
+              <ac:spMk id="2" creationId="{00000000-0000-0000-0000-000000000000}"/>
+            </ac:spMkLst>
+          </pc:spChg>
+          <pc:spChg chg="mod">
+            <ac:chgData name="Hughes, Joseph D" userId="bd5f5bbf-fc0b-41ca-af42-bfb8d56f1f7b" providerId="ADAL" clId="{C67A0D07-8AED-A74E-B1BB-567FB2C22816}" dt="2023-01-05T22:26:18.561" v="0"/>
+            <ac:spMkLst>
+              <pc:docMk/>
+              <pc:sldMasterMk cId="0" sldId="2147483648"/>
+              <pc:sldLayoutMk cId="2300100707" sldId="2147483886"/>
+              <ac:spMk id="3" creationId="{00000000-0000-0000-0000-000000000000}"/>
+            </ac:spMkLst>
+          </pc:spChg>
+        </pc:sldLayoutChg>
+        <pc:sldLayoutChg chg="addSp delSp modSp mod">
+          <pc:chgData name="Hughes, Joseph D" userId="bd5f5bbf-fc0b-41ca-af42-bfb8d56f1f7b" providerId="ADAL" clId="{C67A0D07-8AED-A74E-B1BB-567FB2C22816}" dt="2023-01-05T22:26:49.347" v="7"/>
+          <pc:sldLayoutMkLst>
+            <pc:docMk/>
+            <pc:sldMasterMk cId="0" sldId="2147483888"/>
+            <pc:sldLayoutMk cId="500753154" sldId="2147483889"/>
+          </pc:sldLayoutMkLst>
+          <pc:spChg chg="mod">
+            <ac:chgData name="Hughes, Joseph D" userId="bd5f5bbf-fc0b-41ca-af42-bfb8d56f1f7b" providerId="ADAL" clId="{C67A0D07-8AED-A74E-B1BB-567FB2C22816}" dt="2023-01-05T22:26:18.561" v="0"/>
+            <ac:spMkLst>
+              <pc:docMk/>
+              <pc:sldMasterMk cId="0" sldId="2147483888"/>
+              <pc:sldLayoutMk cId="500753154" sldId="2147483889"/>
+              <ac:spMk id="4" creationId="{00000000-0000-0000-0000-000000000000}"/>
+            </ac:spMkLst>
+          </pc:spChg>
+          <pc:spChg chg="mod">
+            <ac:chgData name="Hughes, Joseph D" userId="bd5f5bbf-fc0b-41ca-af42-bfb8d56f1f7b" providerId="ADAL" clId="{C67A0D07-8AED-A74E-B1BB-567FB2C22816}" dt="2023-01-05T22:26:18.561" v="0"/>
+            <ac:spMkLst>
+              <pc:docMk/>
+              <pc:sldMasterMk cId="0" sldId="2147483888"/>
+              <pc:sldLayoutMk cId="500753154" sldId="2147483889"/>
+              <ac:spMk id="104450" creationId="{00000000-0000-0000-0000-000000000000}"/>
+            </ac:spMkLst>
+          </pc:spChg>
+          <pc:spChg chg="mod">
+            <ac:chgData name="Hughes, Joseph D" userId="bd5f5bbf-fc0b-41ca-af42-bfb8d56f1f7b" providerId="ADAL" clId="{C67A0D07-8AED-A74E-B1BB-567FB2C22816}" dt="2023-01-05T22:26:18.561" v="0"/>
+            <ac:spMkLst>
+              <pc:docMk/>
+              <pc:sldMasterMk cId="0" sldId="2147483888"/>
+              <pc:sldLayoutMk cId="500753154" sldId="2147483889"/>
+              <ac:spMk id="104451" creationId="{00000000-0000-0000-0000-000000000000}"/>
+            </ac:spMkLst>
+          </pc:spChg>
+          <pc:picChg chg="add mod">
+            <ac:chgData name="Hughes, Joseph D" userId="bd5f5bbf-fc0b-41ca-af42-bfb8d56f1f7b" providerId="ADAL" clId="{C67A0D07-8AED-A74E-B1BB-567FB2C22816}" dt="2023-01-05T22:26:49.347" v="7"/>
+            <ac:picMkLst>
+              <pc:docMk/>
+              <pc:sldMasterMk cId="0" sldId="2147483888"/>
+              <pc:sldLayoutMk cId="500753154" sldId="2147483889"/>
+              <ac:picMk id="2" creationId="{048D1F53-4D85-AAED-FCEE-18733DE76A09}"/>
+            </ac:picMkLst>
+          </pc:picChg>
+          <pc:picChg chg="del mod">
+            <ac:chgData name="Hughes, Joseph D" userId="bd5f5bbf-fc0b-41ca-af42-bfb8d56f1f7b" providerId="ADAL" clId="{C67A0D07-8AED-A74E-B1BB-567FB2C22816}" dt="2023-01-05T22:26:48.909" v="6" actId="478"/>
+            <ac:picMkLst>
+              <pc:docMk/>
+              <pc:sldMasterMk cId="0" sldId="2147483888"/>
+              <pc:sldLayoutMk cId="500753154" sldId="2147483889"/>
+              <ac:picMk id="5" creationId="{00000000-0000-0000-0000-000000000000}"/>
+            </ac:picMkLst>
+          </pc:picChg>
+        </pc:sldLayoutChg>
+      </pc:sldMasterChg>
+    </pc:docChg>
+  </pc:docChgLst>
   <pc:docChgLst>
     <pc:chgData name="Hughes, Joseph D" userId="bd5f5bbf-fc0b-41ca-af42-bfb8d56f1f7b" providerId="ADAL" clId="{5B5E7EFD-77AB-F740-8FFE-E170C64A40B0}"/>
     <pc:docChg chg="delSld modSld">
@@ -1177,1434 +2605,6 @@
       </pc:sldChg>
     </pc:docChg>
   </pc:docChgLst>
-  <pc:docChgLst>
-    <pc:chgData name="Hughes, Joseph D" userId="bd5f5bbf-fc0b-41ca-af42-bfb8d56f1f7b" providerId="ADAL" clId="{C67A0D07-8AED-A74E-B1BB-567FB2C22816}"/>
-    <pc:docChg chg="undo custSel addSld delSld modSld modMainMaster modNotesMaster">
-      <pc:chgData name="Hughes, Joseph D" userId="bd5f5bbf-fc0b-41ca-af42-bfb8d56f1f7b" providerId="ADAL" clId="{C67A0D07-8AED-A74E-B1BB-567FB2C22816}" dt="2023-01-06T15:24:56.876" v="322" actId="20577"/>
-      <pc:docMkLst>
-        <pc:docMk/>
-      </pc:docMkLst>
-      <pc:sldChg chg="modSp del">
-        <pc:chgData name="Hughes, Joseph D" userId="bd5f5bbf-fc0b-41ca-af42-bfb8d56f1f7b" providerId="ADAL" clId="{C67A0D07-8AED-A74E-B1BB-567FB2C22816}" dt="2023-01-05T22:27:41.604" v="101" actId="2696"/>
-        <pc:sldMkLst>
-          <pc:docMk/>
-          <pc:sldMk cId="0" sldId="565"/>
-        </pc:sldMkLst>
-        <pc:spChg chg="mod">
-          <ac:chgData name="Hughes, Joseph D" userId="bd5f5bbf-fc0b-41ca-af42-bfb8d56f1f7b" providerId="ADAL" clId="{C67A0D07-8AED-A74E-B1BB-567FB2C22816}" dt="2023-01-05T22:26:18.561" v="0"/>
-          <ac:spMkLst>
-            <pc:docMk/>
-            <pc:sldMk cId="0" sldId="565"/>
-            <ac:spMk id="2050" creationId="{00000000-0000-0000-0000-000000000000}"/>
-          </ac:spMkLst>
-        </pc:spChg>
-      </pc:sldChg>
-      <pc:sldChg chg="modSp mod">
-        <pc:chgData name="Hughes, Joseph D" userId="bd5f5bbf-fc0b-41ca-af42-bfb8d56f1f7b" providerId="ADAL" clId="{C67A0D07-8AED-A74E-B1BB-567FB2C22816}" dt="2023-01-06T15:24:56.876" v="322" actId="20577"/>
-        <pc:sldMkLst>
-          <pc:docMk/>
-          <pc:sldMk cId="0" sldId="566"/>
-        </pc:sldMkLst>
-        <pc:spChg chg="mod">
-          <ac:chgData name="Hughes, Joseph D" userId="bd5f5bbf-fc0b-41ca-af42-bfb8d56f1f7b" providerId="ADAL" clId="{C67A0D07-8AED-A74E-B1BB-567FB2C22816}" dt="2023-01-06T15:24:56.876" v="322" actId="20577"/>
-          <ac:spMkLst>
-            <pc:docMk/>
-            <pc:sldMk cId="0" sldId="566"/>
-            <ac:spMk id="3" creationId="{00000000-0000-0000-0000-000000000000}"/>
-          </ac:spMkLst>
-        </pc:spChg>
-      </pc:sldChg>
-      <pc:sldChg chg="modSp mod">
-        <pc:chgData name="Hughes, Joseph D" userId="bd5f5bbf-fc0b-41ca-af42-bfb8d56f1f7b" providerId="ADAL" clId="{C67A0D07-8AED-A74E-B1BB-567FB2C22816}" dt="2023-01-06T15:04:38.975" v="178" actId="465"/>
-        <pc:sldMkLst>
-          <pc:docMk/>
-          <pc:sldMk cId="0" sldId="570"/>
-        </pc:sldMkLst>
-        <pc:spChg chg="mod">
-          <ac:chgData name="Hughes, Joseph D" userId="bd5f5bbf-fc0b-41ca-af42-bfb8d56f1f7b" providerId="ADAL" clId="{C67A0D07-8AED-A74E-B1BB-567FB2C22816}" dt="2023-01-06T15:04:38.975" v="178" actId="465"/>
-          <ac:spMkLst>
-            <pc:docMk/>
-            <pc:sldMk cId="0" sldId="570"/>
-            <ac:spMk id="10244" creationId="{00000000-0000-0000-0000-000000000000}"/>
-          </ac:spMkLst>
-        </pc:spChg>
-        <pc:spChg chg="mod">
-          <ac:chgData name="Hughes, Joseph D" userId="bd5f5bbf-fc0b-41ca-af42-bfb8d56f1f7b" providerId="ADAL" clId="{C67A0D07-8AED-A74E-B1BB-567FB2C22816}" dt="2023-01-06T15:04:29.278" v="177" actId="408"/>
-          <ac:spMkLst>
-            <pc:docMk/>
-            <pc:sldMk cId="0" sldId="570"/>
-            <ac:spMk id="10245" creationId="{00000000-0000-0000-0000-000000000000}"/>
-          </ac:spMkLst>
-        </pc:spChg>
-        <pc:spChg chg="mod">
-          <ac:chgData name="Hughes, Joseph D" userId="bd5f5bbf-fc0b-41ca-af42-bfb8d56f1f7b" providerId="ADAL" clId="{C67A0D07-8AED-A74E-B1BB-567FB2C22816}" dt="2023-01-06T15:04:29.278" v="177" actId="408"/>
-          <ac:spMkLst>
-            <pc:docMk/>
-            <pc:sldMk cId="0" sldId="570"/>
-            <ac:spMk id="10246" creationId="{00000000-0000-0000-0000-000000000000}"/>
-          </ac:spMkLst>
-        </pc:spChg>
-        <pc:spChg chg="mod">
-          <ac:chgData name="Hughes, Joseph D" userId="bd5f5bbf-fc0b-41ca-af42-bfb8d56f1f7b" providerId="ADAL" clId="{C67A0D07-8AED-A74E-B1BB-567FB2C22816}" dt="2023-01-06T15:04:29.278" v="177" actId="408"/>
-          <ac:spMkLst>
-            <pc:docMk/>
-            <pc:sldMk cId="0" sldId="570"/>
-            <ac:spMk id="10247" creationId="{00000000-0000-0000-0000-000000000000}"/>
-          </ac:spMkLst>
-        </pc:spChg>
-        <pc:spChg chg="mod">
-          <ac:chgData name="Hughes, Joseph D" userId="bd5f5bbf-fc0b-41ca-af42-bfb8d56f1f7b" providerId="ADAL" clId="{C67A0D07-8AED-A74E-B1BB-567FB2C22816}" dt="2023-01-06T15:04:29.278" v="177" actId="408"/>
-          <ac:spMkLst>
-            <pc:docMk/>
-            <pc:sldMk cId="0" sldId="570"/>
-            <ac:spMk id="10248" creationId="{00000000-0000-0000-0000-000000000000}"/>
-          </ac:spMkLst>
-        </pc:spChg>
-        <pc:spChg chg="mod">
-          <ac:chgData name="Hughes, Joseph D" userId="bd5f5bbf-fc0b-41ca-af42-bfb8d56f1f7b" providerId="ADAL" clId="{C67A0D07-8AED-A74E-B1BB-567FB2C22816}" dt="2023-01-06T15:04:29.278" v="177" actId="408"/>
-          <ac:spMkLst>
-            <pc:docMk/>
-            <pc:sldMk cId="0" sldId="570"/>
-            <ac:spMk id="10250" creationId="{00000000-0000-0000-0000-000000000000}"/>
-          </ac:spMkLst>
-        </pc:spChg>
-        <pc:spChg chg="mod">
-          <ac:chgData name="Hughes, Joseph D" userId="bd5f5bbf-fc0b-41ca-af42-bfb8d56f1f7b" providerId="ADAL" clId="{C67A0D07-8AED-A74E-B1BB-567FB2C22816}" dt="2023-01-06T15:04:29.278" v="177" actId="408"/>
-          <ac:spMkLst>
-            <pc:docMk/>
-            <pc:sldMk cId="0" sldId="570"/>
-            <ac:spMk id="10251" creationId="{00000000-0000-0000-0000-000000000000}"/>
-          </ac:spMkLst>
-        </pc:spChg>
-        <pc:spChg chg="mod">
-          <ac:chgData name="Hughes, Joseph D" userId="bd5f5bbf-fc0b-41ca-af42-bfb8d56f1f7b" providerId="ADAL" clId="{C67A0D07-8AED-A74E-B1BB-567FB2C22816}" dt="2023-01-06T15:04:29.278" v="177" actId="408"/>
-          <ac:spMkLst>
-            <pc:docMk/>
-            <pc:sldMk cId="0" sldId="570"/>
-            <ac:spMk id="10252" creationId="{00000000-0000-0000-0000-000000000000}"/>
-          </ac:spMkLst>
-        </pc:spChg>
-        <pc:spChg chg="mod">
-          <ac:chgData name="Hughes, Joseph D" userId="bd5f5bbf-fc0b-41ca-af42-bfb8d56f1f7b" providerId="ADAL" clId="{C67A0D07-8AED-A74E-B1BB-567FB2C22816}" dt="2023-01-06T15:04:29.278" v="177" actId="408"/>
-          <ac:spMkLst>
-            <pc:docMk/>
-            <pc:sldMk cId="0" sldId="570"/>
-            <ac:spMk id="10253" creationId="{00000000-0000-0000-0000-000000000000}"/>
-          </ac:spMkLst>
-        </pc:spChg>
-        <pc:grpChg chg="mod">
-          <ac:chgData name="Hughes, Joseph D" userId="bd5f5bbf-fc0b-41ca-af42-bfb8d56f1f7b" providerId="ADAL" clId="{C67A0D07-8AED-A74E-B1BB-567FB2C22816}" dt="2023-01-06T15:04:29.278" v="177" actId="408"/>
-          <ac:grpSpMkLst>
-            <pc:docMk/>
-            <pc:sldMk cId="0" sldId="570"/>
-            <ac:grpSpMk id="12" creationId="{85BC7497-2B41-7D48-813B-06DD773DC07E}"/>
-          </ac:grpSpMkLst>
-        </pc:grpChg>
-        <pc:grpChg chg="mod">
-          <ac:chgData name="Hughes, Joseph D" userId="bd5f5bbf-fc0b-41ca-af42-bfb8d56f1f7b" providerId="ADAL" clId="{C67A0D07-8AED-A74E-B1BB-567FB2C22816}" dt="2023-01-06T15:04:29.278" v="177" actId="408"/>
-          <ac:grpSpMkLst>
-            <pc:docMk/>
-            <pc:sldMk cId="0" sldId="570"/>
-            <ac:grpSpMk id="17" creationId="{679EEB67-BA5F-F644-A267-F4E11A8780E6}"/>
-          </ac:grpSpMkLst>
-        </pc:grpChg>
-        <pc:grpChg chg="mod">
-          <ac:chgData name="Hughes, Joseph D" userId="bd5f5bbf-fc0b-41ca-af42-bfb8d56f1f7b" providerId="ADAL" clId="{C67A0D07-8AED-A74E-B1BB-567FB2C22816}" dt="2023-01-06T15:04:38.975" v="178" actId="465"/>
-          <ac:grpSpMkLst>
-            <pc:docMk/>
-            <pc:sldMk cId="0" sldId="570"/>
-            <ac:grpSpMk id="18" creationId="{067A76EE-B259-6D49-BA0C-A463FC58C9E8}"/>
-          </ac:grpSpMkLst>
-        </pc:grpChg>
-        <pc:picChg chg="mod">
-          <ac:chgData name="Hughes, Joseph D" userId="bd5f5bbf-fc0b-41ca-af42-bfb8d56f1f7b" providerId="ADAL" clId="{C67A0D07-8AED-A74E-B1BB-567FB2C22816}" dt="2023-01-06T15:04:38.975" v="178" actId="465"/>
-          <ac:picMkLst>
-            <pc:docMk/>
-            <pc:sldMk cId="0" sldId="570"/>
-            <ac:picMk id="20" creationId="{4B189C40-3F62-3B4D-A48C-2D4599ECD610}"/>
-          </ac:picMkLst>
-        </pc:picChg>
-        <pc:cxnChg chg="mod">
-          <ac:chgData name="Hughes, Joseph D" userId="bd5f5bbf-fc0b-41ca-af42-bfb8d56f1f7b" providerId="ADAL" clId="{C67A0D07-8AED-A74E-B1BB-567FB2C22816}" dt="2023-01-06T15:04:29.278" v="177" actId="408"/>
-          <ac:cxnSpMkLst>
-            <pc:docMk/>
-            <pc:sldMk cId="0" sldId="570"/>
-            <ac:cxnSpMk id="10249" creationId="{00000000-0000-0000-0000-000000000000}"/>
-          </ac:cxnSpMkLst>
-        </pc:cxnChg>
-      </pc:sldChg>
-      <pc:sldChg chg="modSp del mod">
-        <pc:chgData name="Hughes, Joseph D" userId="bd5f5bbf-fc0b-41ca-af42-bfb8d56f1f7b" providerId="ADAL" clId="{C67A0D07-8AED-A74E-B1BB-567FB2C22816}" dt="2023-01-06T15:02:34.034" v="169" actId="2696"/>
-        <pc:sldMkLst>
-          <pc:docMk/>
-          <pc:sldMk cId="0" sldId="571"/>
-        </pc:sldMkLst>
-        <pc:spChg chg="mod">
-          <ac:chgData name="Hughes, Joseph D" userId="bd5f5bbf-fc0b-41ca-af42-bfb8d56f1f7b" providerId="ADAL" clId="{C67A0D07-8AED-A74E-B1BB-567FB2C22816}" dt="2023-01-05T22:26:18.561" v="0"/>
-          <ac:spMkLst>
-            <pc:docMk/>
-            <pc:sldMk cId="0" sldId="571"/>
-            <ac:spMk id="2" creationId="{00000000-0000-0000-0000-000000000000}"/>
-          </ac:spMkLst>
-        </pc:spChg>
-        <pc:spChg chg="mod">
-          <ac:chgData name="Hughes, Joseph D" userId="bd5f5bbf-fc0b-41ca-af42-bfb8d56f1f7b" providerId="ADAL" clId="{C67A0D07-8AED-A74E-B1BB-567FB2C22816}" dt="2023-01-05T22:26:18.561" v="0"/>
-          <ac:spMkLst>
-            <pc:docMk/>
-            <pc:sldMk cId="0" sldId="571"/>
-            <ac:spMk id="15" creationId="{7AB67F3B-E67A-2D46-B40F-3BB9DAF56F11}"/>
-          </ac:spMkLst>
-        </pc:spChg>
-        <pc:spChg chg="mod">
-          <ac:chgData name="Hughes, Joseph D" userId="bd5f5bbf-fc0b-41ca-af42-bfb8d56f1f7b" providerId="ADAL" clId="{C67A0D07-8AED-A74E-B1BB-567FB2C22816}" dt="2023-01-06T15:01:46.019" v="160" actId="14100"/>
-          <ac:spMkLst>
-            <pc:docMk/>
-            <pc:sldMk cId="0" sldId="571"/>
-            <ac:spMk id="11268" creationId="{00000000-0000-0000-0000-000000000000}"/>
-          </ac:spMkLst>
-        </pc:spChg>
-        <pc:spChg chg="mod">
-          <ac:chgData name="Hughes, Joseph D" userId="bd5f5bbf-fc0b-41ca-af42-bfb8d56f1f7b" providerId="ADAL" clId="{C67A0D07-8AED-A74E-B1BB-567FB2C22816}" dt="2023-01-05T22:26:18.561" v="0"/>
-          <ac:spMkLst>
-            <pc:docMk/>
-            <pc:sldMk cId="0" sldId="571"/>
-            <ac:spMk id="11269" creationId="{00000000-0000-0000-0000-000000000000}"/>
-          </ac:spMkLst>
-        </pc:spChg>
-        <pc:spChg chg="mod">
-          <ac:chgData name="Hughes, Joseph D" userId="bd5f5bbf-fc0b-41ca-af42-bfb8d56f1f7b" providerId="ADAL" clId="{C67A0D07-8AED-A74E-B1BB-567FB2C22816}" dt="2023-01-05T22:26:18.561" v="0"/>
-          <ac:spMkLst>
-            <pc:docMk/>
-            <pc:sldMk cId="0" sldId="571"/>
-            <ac:spMk id="11270" creationId="{00000000-0000-0000-0000-000000000000}"/>
-          </ac:spMkLst>
-        </pc:spChg>
-        <pc:spChg chg="mod">
-          <ac:chgData name="Hughes, Joseph D" userId="bd5f5bbf-fc0b-41ca-af42-bfb8d56f1f7b" providerId="ADAL" clId="{C67A0D07-8AED-A74E-B1BB-567FB2C22816}" dt="2023-01-05T22:26:18.561" v="0"/>
-          <ac:spMkLst>
-            <pc:docMk/>
-            <pc:sldMk cId="0" sldId="571"/>
-            <ac:spMk id="11271" creationId="{00000000-0000-0000-0000-000000000000}"/>
-          </ac:spMkLst>
-        </pc:spChg>
-        <pc:spChg chg="mod">
-          <ac:chgData name="Hughes, Joseph D" userId="bd5f5bbf-fc0b-41ca-af42-bfb8d56f1f7b" providerId="ADAL" clId="{C67A0D07-8AED-A74E-B1BB-567FB2C22816}" dt="2023-01-05T22:26:18.561" v="0"/>
-          <ac:spMkLst>
-            <pc:docMk/>
-            <pc:sldMk cId="0" sldId="571"/>
-            <ac:spMk id="11272" creationId="{00000000-0000-0000-0000-000000000000}"/>
-          </ac:spMkLst>
-        </pc:spChg>
-        <pc:spChg chg="mod">
-          <ac:chgData name="Hughes, Joseph D" userId="bd5f5bbf-fc0b-41ca-af42-bfb8d56f1f7b" providerId="ADAL" clId="{C67A0D07-8AED-A74E-B1BB-567FB2C22816}" dt="2023-01-05T22:26:18.561" v="0"/>
-          <ac:spMkLst>
-            <pc:docMk/>
-            <pc:sldMk cId="0" sldId="571"/>
-            <ac:spMk id="11274" creationId="{00000000-0000-0000-0000-000000000000}"/>
-          </ac:spMkLst>
-        </pc:spChg>
-        <pc:spChg chg="mod">
-          <ac:chgData name="Hughes, Joseph D" userId="bd5f5bbf-fc0b-41ca-af42-bfb8d56f1f7b" providerId="ADAL" clId="{C67A0D07-8AED-A74E-B1BB-567FB2C22816}" dt="2023-01-05T22:26:18.561" v="0"/>
-          <ac:spMkLst>
-            <pc:docMk/>
-            <pc:sldMk cId="0" sldId="571"/>
-            <ac:spMk id="11275" creationId="{00000000-0000-0000-0000-000000000000}"/>
-          </ac:spMkLst>
-        </pc:spChg>
-        <pc:spChg chg="mod">
-          <ac:chgData name="Hughes, Joseph D" userId="bd5f5bbf-fc0b-41ca-af42-bfb8d56f1f7b" providerId="ADAL" clId="{C67A0D07-8AED-A74E-B1BB-567FB2C22816}" dt="2023-01-05T22:26:18.561" v="0"/>
-          <ac:spMkLst>
-            <pc:docMk/>
-            <pc:sldMk cId="0" sldId="571"/>
-            <ac:spMk id="11277" creationId="{00000000-0000-0000-0000-000000000000}"/>
-          </ac:spMkLst>
-        </pc:spChg>
-        <pc:grpChg chg="mod">
-          <ac:chgData name="Hughes, Joseph D" userId="bd5f5bbf-fc0b-41ca-af42-bfb8d56f1f7b" providerId="ADAL" clId="{C67A0D07-8AED-A74E-B1BB-567FB2C22816}" dt="2023-01-05T22:26:18.561" v="0"/>
-          <ac:grpSpMkLst>
-            <pc:docMk/>
-            <pc:sldMk cId="0" sldId="571"/>
-            <ac:grpSpMk id="4" creationId="{BFE04A77-9275-1F4C-ABA5-C2266104793B}"/>
-          </ac:grpSpMkLst>
-        </pc:grpChg>
-        <pc:grpChg chg="mod">
-          <ac:chgData name="Hughes, Joseph D" userId="bd5f5bbf-fc0b-41ca-af42-bfb8d56f1f7b" providerId="ADAL" clId="{C67A0D07-8AED-A74E-B1BB-567FB2C22816}" dt="2023-01-05T22:26:18.561" v="0"/>
-          <ac:grpSpMkLst>
-            <pc:docMk/>
-            <pc:sldMk cId="0" sldId="571"/>
-            <ac:grpSpMk id="5" creationId="{E187D4DD-BF1C-214F-B4F8-063D6856D66E}"/>
-          </ac:grpSpMkLst>
-        </pc:grpChg>
-        <pc:grpChg chg="mod">
-          <ac:chgData name="Hughes, Joseph D" userId="bd5f5bbf-fc0b-41ca-af42-bfb8d56f1f7b" providerId="ADAL" clId="{C67A0D07-8AED-A74E-B1BB-567FB2C22816}" dt="2023-01-05T22:26:18.561" v="0"/>
-          <ac:grpSpMkLst>
-            <pc:docMk/>
-            <pc:sldMk cId="0" sldId="571"/>
-            <ac:grpSpMk id="13" creationId="{389B6288-7947-B942-BAC9-35F9F7ECB30C}"/>
-          </ac:grpSpMkLst>
-        </pc:grpChg>
-        <pc:picChg chg="mod">
-          <ac:chgData name="Hughes, Joseph D" userId="bd5f5bbf-fc0b-41ca-af42-bfb8d56f1f7b" providerId="ADAL" clId="{C67A0D07-8AED-A74E-B1BB-567FB2C22816}" dt="2023-01-05T22:26:18.561" v="0"/>
-          <ac:picMkLst>
-            <pc:docMk/>
-            <pc:sldMk cId="0" sldId="571"/>
-            <ac:picMk id="14" creationId="{AEBD6749-5504-4740-845F-437F0CD7F15B}"/>
-          </ac:picMkLst>
-        </pc:picChg>
-        <pc:cxnChg chg="mod">
-          <ac:chgData name="Hughes, Joseph D" userId="bd5f5bbf-fc0b-41ca-af42-bfb8d56f1f7b" providerId="ADAL" clId="{C67A0D07-8AED-A74E-B1BB-567FB2C22816}" dt="2023-01-05T22:26:18.561" v="0"/>
-          <ac:cxnSpMkLst>
-            <pc:docMk/>
-            <pc:sldMk cId="0" sldId="571"/>
-            <ac:cxnSpMk id="9" creationId="{019AF6DB-AC9F-A046-AB2E-3A2207F8A380}"/>
-          </ac:cxnSpMkLst>
-        </pc:cxnChg>
-        <pc:cxnChg chg="mod">
-          <ac:chgData name="Hughes, Joseph D" userId="bd5f5bbf-fc0b-41ca-af42-bfb8d56f1f7b" providerId="ADAL" clId="{C67A0D07-8AED-A74E-B1BB-567FB2C22816}" dt="2023-01-05T22:26:18.561" v="0"/>
-          <ac:cxnSpMkLst>
-            <pc:docMk/>
-            <pc:sldMk cId="0" sldId="571"/>
-            <ac:cxnSpMk id="11273" creationId="{00000000-0000-0000-0000-000000000000}"/>
-          </ac:cxnSpMkLst>
-        </pc:cxnChg>
-      </pc:sldChg>
-      <pc:sldChg chg="addSp modSp mod">
-        <pc:chgData name="Hughes, Joseph D" userId="bd5f5bbf-fc0b-41ca-af42-bfb8d56f1f7b" providerId="ADAL" clId="{C67A0D07-8AED-A74E-B1BB-567FB2C22816}" dt="2023-01-06T15:00:35.456" v="129" actId="408"/>
-        <pc:sldMkLst>
-          <pc:docMk/>
-          <pc:sldMk cId="0" sldId="572"/>
-        </pc:sldMkLst>
-        <pc:spChg chg="mod">
-          <ac:chgData name="Hughes, Joseph D" userId="bd5f5bbf-fc0b-41ca-af42-bfb8d56f1f7b" providerId="ADAL" clId="{C67A0D07-8AED-A74E-B1BB-567FB2C22816}" dt="2023-01-06T14:59:40.322" v="117" actId="408"/>
-          <ac:spMkLst>
-            <pc:docMk/>
-            <pc:sldMk cId="0" sldId="572"/>
-            <ac:spMk id="12290" creationId="{00000000-0000-0000-0000-000000000000}"/>
-          </ac:spMkLst>
-        </pc:spChg>
-        <pc:spChg chg="mod">
-          <ac:chgData name="Hughes, Joseph D" userId="bd5f5bbf-fc0b-41ca-af42-bfb8d56f1f7b" providerId="ADAL" clId="{C67A0D07-8AED-A74E-B1BB-567FB2C22816}" dt="2023-01-06T15:00:16.970" v="127" actId="1076"/>
-          <ac:spMkLst>
-            <pc:docMk/>
-            <pc:sldMk cId="0" sldId="572"/>
-            <ac:spMk id="12292" creationId="{00000000-0000-0000-0000-000000000000}"/>
-          </ac:spMkLst>
-        </pc:spChg>
-        <pc:spChg chg="mod">
-          <ac:chgData name="Hughes, Joseph D" userId="bd5f5bbf-fc0b-41ca-af42-bfb8d56f1f7b" providerId="ADAL" clId="{C67A0D07-8AED-A74E-B1BB-567FB2C22816}" dt="2023-01-06T15:00:35.456" v="129" actId="408"/>
-          <ac:spMkLst>
-            <pc:docMk/>
-            <pc:sldMk cId="0" sldId="572"/>
-            <ac:spMk id="12302" creationId="{00000000-0000-0000-0000-000000000000}"/>
-          </ac:spMkLst>
-        </pc:spChg>
-        <pc:spChg chg="mod">
-          <ac:chgData name="Hughes, Joseph D" userId="bd5f5bbf-fc0b-41ca-af42-bfb8d56f1f7b" providerId="ADAL" clId="{C67A0D07-8AED-A74E-B1BB-567FB2C22816}" dt="2023-01-06T15:00:35.456" v="129" actId="408"/>
-          <ac:spMkLst>
-            <pc:docMk/>
-            <pc:sldMk cId="0" sldId="572"/>
-            <ac:spMk id="12304" creationId="{00000000-0000-0000-0000-000000000000}"/>
-          </ac:spMkLst>
-        </pc:spChg>
-        <pc:spChg chg="mod">
-          <ac:chgData name="Hughes, Joseph D" userId="bd5f5bbf-fc0b-41ca-af42-bfb8d56f1f7b" providerId="ADAL" clId="{C67A0D07-8AED-A74E-B1BB-567FB2C22816}" dt="2023-01-06T15:00:35.456" v="129" actId="408"/>
-          <ac:spMkLst>
-            <pc:docMk/>
-            <pc:sldMk cId="0" sldId="572"/>
-            <ac:spMk id="12317" creationId="{00000000-0000-0000-0000-000000000000}"/>
-          </ac:spMkLst>
-        </pc:spChg>
-        <pc:grpChg chg="add mod">
-          <ac:chgData name="Hughes, Joseph D" userId="bd5f5bbf-fc0b-41ca-af42-bfb8d56f1f7b" providerId="ADAL" clId="{C67A0D07-8AED-A74E-B1BB-567FB2C22816}" dt="2023-01-06T15:00:35.456" v="129" actId="408"/>
-          <ac:grpSpMkLst>
-            <pc:docMk/>
-            <pc:sldMk cId="0" sldId="572"/>
-            <ac:grpSpMk id="4" creationId="{D46EB42C-C425-ACDD-9D64-CDBE87BFFC0C}"/>
-          </ac:grpSpMkLst>
-        </pc:grpChg>
-        <pc:grpChg chg="mod">
-          <ac:chgData name="Hughes, Joseph D" userId="bd5f5bbf-fc0b-41ca-af42-bfb8d56f1f7b" providerId="ADAL" clId="{C67A0D07-8AED-A74E-B1BB-567FB2C22816}" dt="2023-01-06T15:00:35.456" v="129" actId="408"/>
-          <ac:grpSpMkLst>
-            <pc:docMk/>
-            <pc:sldMk cId="0" sldId="572"/>
-            <ac:grpSpMk id="12" creationId="{00000000-0000-0000-0000-000000000000}"/>
-          </ac:grpSpMkLst>
-        </pc:grpChg>
-        <pc:picChg chg="mod">
-          <ac:chgData name="Hughes, Joseph D" userId="bd5f5bbf-fc0b-41ca-af42-bfb8d56f1f7b" providerId="ADAL" clId="{C67A0D07-8AED-A74E-B1BB-567FB2C22816}" dt="2023-01-06T15:00:35.456" v="129" actId="408"/>
-          <ac:picMkLst>
-            <pc:docMk/>
-            <pc:sldMk cId="0" sldId="572"/>
-            <ac:picMk id="3" creationId="{00000000-0000-0000-0000-000000000000}"/>
-          </ac:picMkLst>
-        </pc:picChg>
-        <pc:picChg chg="mod">
-          <ac:chgData name="Hughes, Joseph D" userId="bd5f5bbf-fc0b-41ca-af42-bfb8d56f1f7b" providerId="ADAL" clId="{C67A0D07-8AED-A74E-B1BB-567FB2C22816}" dt="2023-01-06T15:00:35.456" v="129" actId="408"/>
-          <ac:picMkLst>
-            <pc:docMk/>
-            <pc:sldMk cId="0" sldId="572"/>
-            <ac:picMk id="9" creationId="{00000000-0000-0000-0000-000000000000}"/>
-          </ac:picMkLst>
-        </pc:picChg>
-        <pc:picChg chg="mod">
-          <ac:chgData name="Hughes, Joseph D" userId="bd5f5bbf-fc0b-41ca-af42-bfb8d56f1f7b" providerId="ADAL" clId="{C67A0D07-8AED-A74E-B1BB-567FB2C22816}" dt="2023-01-06T15:00:35.456" v="129" actId="408"/>
-          <ac:picMkLst>
-            <pc:docMk/>
-            <pc:sldMk cId="0" sldId="572"/>
-            <ac:picMk id="11" creationId="{00000000-0000-0000-0000-000000000000}"/>
-          </ac:picMkLst>
-        </pc:picChg>
-        <pc:picChg chg="mod">
-          <ac:chgData name="Hughes, Joseph D" userId="bd5f5bbf-fc0b-41ca-af42-bfb8d56f1f7b" providerId="ADAL" clId="{C67A0D07-8AED-A74E-B1BB-567FB2C22816}" dt="2023-01-06T15:00:35.456" v="129" actId="408"/>
-          <ac:picMkLst>
-            <pc:docMk/>
-            <pc:sldMk cId="0" sldId="572"/>
-            <ac:picMk id="13" creationId="{D7AC93D4-189C-1743-BD37-E8DDB8091742}"/>
-          </ac:picMkLst>
-        </pc:picChg>
-        <pc:picChg chg="mod">
-          <ac:chgData name="Hughes, Joseph D" userId="bd5f5bbf-fc0b-41ca-af42-bfb8d56f1f7b" providerId="ADAL" clId="{C67A0D07-8AED-A74E-B1BB-567FB2C22816}" dt="2023-01-06T15:00:35.456" v="129" actId="408"/>
-          <ac:picMkLst>
-            <pc:docMk/>
-            <pc:sldMk cId="0" sldId="572"/>
-            <ac:picMk id="15" creationId="{36AFAACA-8294-594C-B981-82503463E09B}"/>
-          </ac:picMkLst>
-        </pc:picChg>
-        <pc:picChg chg="mod">
-          <ac:chgData name="Hughes, Joseph D" userId="bd5f5bbf-fc0b-41ca-af42-bfb8d56f1f7b" providerId="ADAL" clId="{C67A0D07-8AED-A74E-B1BB-567FB2C22816}" dt="2023-01-06T15:00:05.234" v="125" actId="1036"/>
-          <ac:picMkLst>
-            <pc:docMk/>
-            <pc:sldMk cId="0" sldId="572"/>
-            <ac:picMk id="16" creationId="{220E0A91-D24D-3B43-A43D-B3E11B1C58E2}"/>
-          </ac:picMkLst>
-        </pc:picChg>
-        <pc:picChg chg="mod">
-          <ac:chgData name="Hughes, Joseph D" userId="bd5f5bbf-fc0b-41ca-af42-bfb8d56f1f7b" providerId="ADAL" clId="{C67A0D07-8AED-A74E-B1BB-567FB2C22816}" dt="2023-01-06T15:00:35.456" v="129" actId="408"/>
-          <ac:picMkLst>
-            <pc:docMk/>
-            <pc:sldMk cId="0" sldId="572"/>
-            <ac:picMk id="17" creationId="{79AD72DD-23A6-1E4E-9DFE-11BE762B5C9E}"/>
-          </ac:picMkLst>
-        </pc:picChg>
-        <pc:cxnChg chg="mod">
-          <ac:chgData name="Hughes, Joseph D" userId="bd5f5bbf-fc0b-41ca-af42-bfb8d56f1f7b" providerId="ADAL" clId="{C67A0D07-8AED-A74E-B1BB-567FB2C22816}" dt="2023-01-06T15:00:35.456" v="129" actId="408"/>
-          <ac:cxnSpMkLst>
-            <pc:docMk/>
-            <pc:sldMk cId="0" sldId="572"/>
-            <ac:cxnSpMk id="33" creationId="{00000000-0000-0000-0000-000000000000}"/>
-          </ac:cxnSpMkLst>
-        </pc:cxnChg>
-        <pc:cxnChg chg="mod">
-          <ac:chgData name="Hughes, Joseph D" userId="bd5f5bbf-fc0b-41ca-af42-bfb8d56f1f7b" providerId="ADAL" clId="{C67A0D07-8AED-A74E-B1BB-567FB2C22816}" dt="2023-01-06T15:00:35.456" v="129" actId="408"/>
-          <ac:cxnSpMkLst>
-            <pc:docMk/>
-            <pc:sldMk cId="0" sldId="572"/>
-            <ac:cxnSpMk id="12293" creationId="{00000000-0000-0000-0000-000000000000}"/>
-          </ac:cxnSpMkLst>
-        </pc:cxnChg>
-        <pc:cxnChg chg="mod">
-          <ac:chgData name="Hughes, Joseph D" userId="bd5f5bbf-fc0b-41ca-af42-bfb8d56f1f7b" providerId="ADAL" clId="{C67A0D07-8AED-A74E-B1BB-567FB2C22816}" dt="2023-01-06T15:00:35.456" v="129" actId="408"/>
-          <ac:cxnSpMkLst>
-            <pc:docMk/>
-            <pc:sldMk cId="0" sldId="572"/>
-            <ac:cxnSpMk id="12294" creationId="{00000000-0000-0000-0000-000000000000}"/>
-          </ac:cxnSpMkLst>
-        </pc:cxnChg>
-        <pc:cxnChg chg="mod">
-          <ac:chgData name="Hughes, Joseph D" userId="bd5f5bbf-fc0b-41ca-af42-bfb8d56f1f7b" providerId="ADAL" clId="{C67A0D07-8AED-A74E-B1BB-567FB2C22816}" dt="2023-01-06T15:00:35.456" v="129" actId="408"/>
-          <ac:cxnSpMkLst>
-            <pc:docMk/>
-            <pc:sldMk cId="0" sldId="572"/>
-            <ac:cxnSpMk id="12295" creationId="{00000000-0000-0000-0000-000000000000}"/>
-          </ac:cxnSpMkLst>
-        </pc:cxnChg>
-        <pc:cxnChg chg="mod">
-          <ac:chgData name="Hughes, Joseph D" userId="bd5f5bbf-fc0b-41ca-af42-bfb8d56f1f7b" providerId="ADAL" clId="{C67A0D07-8AED-A74E-B1BB-567FB2C22816}" dt="2023-01-06T15:00:35.456" v="129" actId="408"/>
-          <ac:cxnSpMkLst>
-            <pc:docMk/>
-            <pc:sldMk cId="0" sldId="572"/>
-            <ac:cxnSpMk id="12298" creationId="{00000000-0000-0000-0000-000000000000}"/>
-          </ac:cxnSpMkLst>
-        </pc:cxnChg>
-        <pc:cxnChg chg="mod">
-          <ac:chgData name="Hughes, Joseph D" userId="bd5f5bbf-fc0b-41ca-af42-bfb8d56f1f7b" providerId="ADAL" clId="{C67A0D07-8AED-A74E-B1BB-567FB2C22816}" dt="2023-01-06T15:00:35.456" v="129" actId="408"/>
-          <ac:cxnSpMkLst>
-            <pc:docMk/>
-            <pc:sldMk cId="0" sldId="572"/>
-            <ac:cxnSpMk id="12301" creationId="{00000000-0000-0000-0000-000000000000}"/>
-          </ac:cxnSpMkLst>
-        </pc:cxnChg>
-        <pc:cxnChg chg="mod">
-          <ac:chgData name="Hughes, Joseph D" userId="bd5f5bbf-fc0b-41ca-af42-bfb8d56f1f7b" providerId="ADAL" clId="{C67A0D07-8AED-A74E-B1BB-567FB2C22816}" dt="2023-01-06T15:00:35.456" v="129" actId="408"/>
-          <ac:cxnSpMkLst>
-            <pc:docMk/>
-            <pc:sldMk cId="0" sldId="572"/>
-            <ac:cxnSpMk id="12303" creationId="{00000000-0000-0000-0000-000000000000}"/>
-          </ac:cxnSpMkLst>
-        </pc:cxnChg>
-        <pc:cxnChg chg="mod">
-          <ac:chgData name="Hughes, Joseph D" userId="bd5f5bbf-fc0b-41ca-af42-bfb8d56f1f7b" providerId="ADAL" clId="{C67A0D07-8AED-A74E-B1BB-567FB2C22816}" dt="2023-01-06T15:00:35.456" v="129" actId="408"/>
-          <ac:cxnSpMkLst>
-            <pc:docMk/>
-            <pc:sldMk cId="0" sldId="572"/>
-            <ac:cxnSpMk id="12305" creationId="{00000000-0000-0000-0000-000000000000}"/>
-          </ac:cxnSpMkLst>
-        </pc:cxnChg>
-        <pc:cxnChg chg="mod">
-          <ac:chgData name="Hughes, Joseph D" userId="bd5f5bbf-fc0b-41ca-af42-bfb8d56f1f7b" providerId="ADAL" clId="{C67A0D07-8AED-A74E-B1BB-567FB2C22816}" dt="2023-01-06T15:00:35.456" v="129" actId="408"/>
-          <ac:cxnSpMkLst>
-            <pc:docMk/>
-            <pc:sldMk cId="0" sldId="572"/>
-            <ac:cxnSpMk id="12306" creationId="{00000000-0000-0000-0000-000000000000}"/>
-          </ac:cxnSpMkLst>
-        </pc:cxnChg>
-        <pc:cxnChg chg="mod">
-          <ac:chgData name="Hughes, Joseph D" userId="bd5f5bbf-fc0b-41ca-af42-bfb8d56f1f7b" providerId="ADAL" clId="{C67A0D07-8AED-A74E-B1BB-567FB2C22816}" dt="2023-01-06T15:00:35.456" v="129" actId="408"/>
-          <ac:cxnSpMkLst>
-            <pc:docMk/>
-            <pc:sldMk cId="0" sldId="572"/>
-            <ac:cxnSpMk id="12307" creationId="{00000000-0000-0000-0000-000000000000}"/>
-          </ac:cxnSpMkLst>
-        </pc:cxnChg>
-        <pc:cxnChg chg="mod">
-          <ac:chgData name="Hughes, Joseph D" userId="bd5f5bbf-fc0b-41ca-af42-bfb8d56f1f7b" providerId="ADAL" clId="{C67A0D07-8AED-A74E-B1BB-567FB2C22816}" dt="2023-01-06T15:00:35.456" v="129" actId="408"/>
-          <ac:cxnSpMkLst>
-            <pc:docMk/>
-            <pc:sldMk cId="0" sldId="572"/>
-            <ac:cxnSpMk id="12309" creationId="{00000000-0000-0000-0000-000000000000}"/>
-          </ac:cxnSpMkLst>
-        </pc:cxnChg>
-        <pc:cxnChg chg="mod">
-          <ac:chgData name="Hughes, Joseph D" userId="bd5f5bbf-fc0b-41ca-af42-bfb8d56f1f7b" providerId="ADAL" clId="{C67A0D07-8AED-A74E-B1BB-567FB2C22816}" dt="2023-01-06T15:00:35.456" v="129" actId="408"/>
-          <ac:cxnSpMkLst>
-            <pc:docMk/>
-            <pc:sldMk cId="0" sldId="572"/>
-            <ac:cxnSpMk id="12311" creationId="{00000000-0000-0000-0000-000000000000}"/>
-          </ac:cxnSpMkLst>
-        </pc:cxnChg>
-        <pc:cxnChg chg="mod">
-          <ac:chgData name="Hughes, Joseph D" userId="bd5f5bbf-fc0b-41ca-af42-bfb8d56f1f7b" providerId="ADAL" clId="{C67A0D07-8AED-A74E-B1BB-567FB2C22816}" dt="2023-01-06T15:00:35.456" v="129" actId="408"/>
-          <ac:cxnSpMkLst>
-            <pc:docMk/>
-            <pc:sldMk cId="0" sldId="572"/>
-            <ac:cxnSpMk id="12312" creationId="{00000000-0000-0000-0000-000000000000}"/>
-          </ac:cxnSpMkLst>
-        </pc:cxnChg>
-        <pc:cxnChg chg="mod">
-          <ac:chgData name="Hughes, Joseph D" userId="bd5f5bbf-fc0b-41ca-af42-bfb8d56f1f7b" providerId="ADAL" clId="{C67A0D07-8AED-A74E-B1BB-567FB2C22816}" dt="2023-01-06T15:00:35.456" v="129" actId="408"/>
-          <ac:cxnSpMkLst>
-            <pc:docMk/>
-            <pc:sldMk cId="0" sldId="572"/>
-            <ac:cxnSpMk id="12313" creationId="{00000000-0000-0000-0000-000000000000}"/>
-          </ac:cxnSpMkLst>
-        </pc:cxnChg>
-        <pc:cxnChg chg="mod">
-          <ac:chgData name="Hughes, Joseph D" userId="bd5f5bbf-fc0b-41ca-af42-bfb8d56f1f7b" providerId="ADAL" clId="{C67A0D07-8AED-A74E-B1BB-567FB2C22816}" dt="2023-01-06T15:00:35.456" v="129" actId="408"/>
-          <ac:cxnSpMkLst>
-            <pc:docMk/>
-            <pc:sldMk cId="0" sldId="572"/>
-            <ac:cxnSpMk id="12314" creationId="{00000000-0000-0000-0000-000000000000}"/>
-          </ac:cxnSpMkLst>
-        </pc:cxnChg>
-        <pc:cxnChg chg="mod">
-          <ac:chgData name="Hughes, Joseph D" userId="bd5f5bbf-fc0b-41ca-af42-bfb8d56f1f7b" providerId="ADAL" clId="{C67A0D07-8AED-A74E-B1BB-567FB2C22816}" dt="2023-01-06T15:00:35.456" v="129" actId="408"/>
-          <ac:cxnSpMkLst>
-            <pc:docMk/>
-            <pc:sldMk cId="0" sldId="572"/>
-            <ac:cxnSpMk id="12315" creationId="{00000000-0000-0000-0000-000000000000}"/>
-          </ac:cxnSpMkLst>
-        </pc:cxnChg>
-        <pc:cxnChg chg="mod">
-          <ac:chgData name="Hughes, Joseph D" userId="bd5f5bbf-fc0b-41ca-af42-bfb8d56f1f7b" providerId="ADAL" clId="{C67A0D07-8AED-A74E-B1BB-567FB2C22816}" dt="2023-01-06T15:00:35.456" v="129" actId="408"/>
-          <ac:cxnSpMkLst>
-            <pc:docMk/>
-            <pc:sldMk cId="0" sldId="572"/>
-            <ac:cxnSpMk id="12316" creationId="{00000000-0000-0000-0000-000000000000}"/>
-          </ac:cxnSpMkLst>
-        </pc:cxnChg>
-      </pc:sldChg>
-      <pc:sldChg chg="modSp mod">
-        <pc:chgData name="Hughes, Joseph D" userId="bd5f5bbf-fc0b-41ca-af42-bfb8d56f1f7b" providerId="ADAL" clId="{C67A0D07-8AED-A74E-B1BB-567FB2C22816}" dt="2023-01-06T15:08:32.808" v="223" actId="1036"/>
-        <pc:sldMkLst>
-          <pc:docMk/>
-          <pc:sldMk cId="0" sldId="573"/>
-        </pc:sldMkLst>
-        <pc:spChg chg="mod">
-          <ac:chgData name="Hughes, Joseph D" userId="bd5f5bbf-fc0b-41ca-af42-bfb8d56f1f7b" providerId="ADAL" clId="{C67A0D07-8AED-A74E-B1BB-567FB2C22816}" dt="2023-01-06T15:08:21.976" v="217" actId="408"/>
-          <ac:spMkLst>
-            <pc:docMk/>
-            <pc:sldMk cId="0" sldId="573"/>
-            <ac:spMk id="9" creationId="{00000000-0000-0000-0000-000000000000}"/>
-          </ac:spMkLst>
-        </pc:spChg>
-        <pc:spChg chg="mod">
-          <ac:chgData name="Hughes, Joseph D" userId="bd5f5bbf-fc0b-41ca-af42-bfb8d56f1f7b" providerId="ADAL" clId="{C67A0D07-8AED-A74E-B1BB-567FB2C22816}" dt="2023-01-06T15:08:32.808" v="223" actId="1036"/>
-          <ac:spMkLst>
-            <pc:docMk/>
-            <pc:sldMk cId="0" sldId="573"/>
-            <ac:spMk id="13315" creationId="{00000000-0000-0000-0000-000000000000}"/>
-          </ac:spMkLst>
-        </pc:spChg>
-        <pc:grpChg chg="mod">
-          <ac:chgData name="Hughes, Joseph D" userId="bd5f5bbf-fc0b-41ca-af42-bfb8d56f1f7b" providerId="ADAL" clId="{C67A0D07-8AED-A74E-B1BB-567FB2C22816}" dt="2023-01-06T15:08:21.976" v="217" actId="408"/>
-          <ac:grpSpMkLst>
-            <pc:docMk/>
-            <pc:sldMk cId="0" sldId="573"/>
-            <ac:grpSpMk id="12" creationId="{00000000-0000-0000-0000-000000000000}"/>
-          </ac:grpSpMkLst>
-        </pc:grpChg>
-        <pc:grpChg chg="mod">
-          <ac:chgData name="Hughes, Joseph D" userId="bd5f5bbf-fc0b-41ca-af42-bfb8d56f1f7b" providerId="ADAL" clId="{C67A0D07-8AED-A74E-B1BB-567FB2C22816}" dt="2023-01-06T15:08:24.180" v="219" actId="1035"/>
-          <ac:grpSpMkLst>
-            <pc:docMk/>
-            <pc:sldMk cId="0" sldId="573"/>
-            <ac:grpSpMk id="14" creationId="{EC761D4D-6BBA-2343-A2E3-3DEFDC54BC1D}"/>
-          </ac:grpSpMkLst>
-        </pc:grpChg>
-        <pc:picChg chg="mod">
-          <ac:chgData name="Hughes, Joseph D" userId="bd5f5bbf-fc0b-41ca-af42-bfb8d56f1f7b" providerId="ADAL" clId="{C67A0D07-8AED-A74E-B1BB-567FB2C22816}" dt="2023-01-06T15:08:21.976" v="217" actId="408"/>
-          <ac:picMkLst>
-            <pc:docMk/>
-            <pc:sldMk cId="0" sldId="573"/>
-            <ac:picMk id="3" creationId="{00000000-0000-0000-0000-000000000000}"/>
-          </ac:picMkLst>
-        </pc:picChg>
-        <pc:picChg chg="mod">
-          <ac:chgData name="Hughes, Joseph D" userId="bd5f5bbf-fc0b-41ca-af42-bfb8d56f1f7b" providerId="ADAL" clId="{C67A0D07-8AED-A74E-B1BB-567FB2C22816}" dt="2023-01-06T15:08:21.976" v="217" actId="408"/>
-          <ac:picMkLst>
-            <pc:docMk/>
-            <pc:sldMk cId="0" sldId="573"/>
-            <ac:picMk id="5" creationId="{00000000-0000-0000-0000-000000000000}"/>
-          </ac:picMkLst>
-        </pc:picChg>
-        <pc:picChg chg="mod">
-          <ac:chgData name="Hughes, Joseph D" userId="bd5f5bbf-fc0b-41ca-af42-bfb8d56f1f7b" providerId="ADAL" clId="{C67A0D07-8AED-A74E-B1BB-567FB2C22816}" dt="2023-01-06T15:08:21.976" v="217" actId="408"/>
-          <ac:picMkLst>
-            <pc:docMk/>
-            <pc:sldMk cId="0" sldId="573"/>
-            <ac:picMk id="6" creationId="{94F7F4D9-43C0-9941-BFBF-349138DB9DC2}"/>
-          </ac:picMkLst>
-        </pc:picChg>
-        <pc:picChg chg="mod">
-          <ac:chgData name="Hughes, Joseph D" userId="bd5f5bbf-fc0b-41ca-af42-bfb8d56f1f7b" providerId="ADAL" clId="{C67A0D07-8AED-A74E-B1BB-567FB2C22816}" dt="2023-01-06T15:08:21.976" v="217" actId="408"/>
-          <ac:picMkLst>
-            <pc:docMk/>
-            <pc:sldMk cId="0" sldId="573"/>
-            <ac:picMk id="10" creationId="{00000000-0000-0000-0000-000000000000}"/>
-          </ac:picMkLst>
-        </pc:picChg>
-        <pc:picChg chg="mod">
-          <ac:chgData name="Hughes, Joseph D" userId="bd5f5bbf-fc0b-41ca-af42-bfb8d56f1f7b" providerId="ADAL" clId="{C67A0D07-8AED-A74E-B1BB-567FB2C22816}" dt="2023-01-06T15:08:21.976" v="217" actId="408"/>
-          <ac:picMkLst>
-            <pc:docMk/>
-            <pc:sldMk cId="0" sldId="573"/>
-            <ac:picMk id="11" creationId="{00000000-0000-0000-0000-000000000000}"/>
-          </ac:picMkLst>
-        </pc:picChg>
-      </pc:sldChg>
-      <pc:sldChg chg="modSp mod modNotes">
-        <pc:chgData name="Hughes, Joseph D" userId="bd5f5bbf-fc0b-41ca-af42-bfb8d56f1f7b" providerId="ADAL" clId="{C67A0D07-8AED-A74E-B1BB-567FB2C22816}" dt="2023-01-06T15:04:54.606" v="188" actId="1036"/>
-        <pc:sldMkLst>
-          <pc:docMk/>
-          <pc:sldMk cId="0" sldId="574"/>
-        </pc:sldMkLst>
-        <pc:spChg chg="mod">
-          <ac:chgData name="Hughes, Joseph D" userId="bd5f5bbf-fc0b-41ca-af42-bfb8d56f1f7b" providerId="ADAL" clId="{C67A0D07-8AED-A74E-B1BB-567FB2C22816}" dt="2023-01-05T22:26:18.561" v="0"/>
-          <ac:spMkLst>
-            <pc:docMk/>
-            <pc:sldMk cId="0" sldId="574"/>
-            <ac:spMk id="11" creationId="{ACBA52FA-64CD-A644-96D1-35E8FEEC0501}"/>
-          </ac:spMkLst>
-        </pc:spChg>
-        <pc:spChg chg="mod">
-          <ac:chgData name="Hughes, Joseph D" userId="bd5f5bbf-fc0b-41ca-af42-bfb8d56f1f7b" providerId="ADAL" clId="{C67A0D07-8AED-A74E-B1BB-567FB2C22816}" dt="2023-01-05T22:26:18.561" v="0"/>
-          <ac:spMkLst>
-            <pc:docMk/>
-            <pc:sldMk cId="0" sldId="574"/>
-            <ac:spMk id="14" creationId="{103B184B-7594-8E49-B28B-FB7B29C5BACA}"/>
-          </ac:spMkLst>
-        </pc:spChg>
-        <pc:spChg chg="mod">
-          <ac:chgData name="Hughes, Joseph D" userId="bd5f5bbf-fc0b-41ca-af42-bfb8d56f1f7b" providerId="ADAL" clId="{C67A0D07-8AED-A74E-B1BB-567FB2C22816}" dt="2023-01-05T22:26:18.561" v="0"/>
-          <ac:spMkLst>
-            <pc:docMk/>
-            <pc:sldMk cId="0" sldId="574"/>
-            <ac:spMk id="14341" creationId="{00000000-0000-0000-0000-000000000000}"/>
-          </ac:spMkLst>
-        </pc:spChg>
-        <pc:spChg chg="mod">
-          <ac:chgData name="Hughes, Joseph D" userId="bd5f5bbf-fc0b-41ca-af42-bfb8d56f1f7b" providerId="ADAL" clId="{C67A0D07-8AED-A74E-B1BB-567FB2C22816}" dt="2023-01-05T22:26:18.561" v="0"/>
-          <ac:spMkLst>
-            <pc:docMk/>
-            <pc:sldMk cId="0" sldId="574"/>
-            <ac:spMk id="14342" creationId="{00000000-0000-0000-0000-000000000000}"/>
-          </ac:spMkLst>
-        </pc:spChg>
-        <pc:spChg chg="mod">
-          <ac:chgData name="Hughes, Joseph D" userId="bd5f5bbf-fc0b-41ca-af42-bfb8d56f1f7b" providerId="ADAL" clId="{C67A0D07-8AED-A74E-B1BB-567FB2C22816}" dt="2023-01-05T22:26:18.561" v="0"/>
-          <ac:spMkLst>
-            <pc:docMk/>
-            <pc:sldMk cId="0" sldId="574"/>
-            <ac:spMk id="14344" creationId="{00000000-0000-0000-0000-000000000000}"/>
-          </ac:spMkLst>
-        </pc:spChg>
-        <pc:grpChg chg="mod">
-          <ac:chgData name="Hughes, Joseph D" userId="bd5f5bbf-fc0b-41ca-af42-bfb8d56f1f7b" providerId="ADAL" clId="{C67A0D07-8AED-A74E-B1BB-567FB2C22816}" dt="2023-01-06T15:04:54.606" v="188" actId="1036"/>
-          <ac:grpSpMkLst>
-            <pc:docMk/>
-            <pc:sldMk cId="0" sldId="574"/>
-            <ac:grpSpMk id="16" creationId="{584562B5-C5E2-9040-9BE3-E116478E9BFC}"/>
-          </ac:grpSpMkLst>
-        </pc:grpChg>
-        <pc:grpChg chg="mod">
-          <ac:chgData name="Hughes, Joseph D" userId="bd5f5bbf-fc0b-41ca-af42-bfb8d56f1f7b" providerId="ADAL" clId="{C67A0D07-8AED-A74E-B1BB-567FB2C22816}" dt="2023-01-05T22:26:18.561" v="0"/>
-          <ac:grpSpMkLst>
-            <pc:docMk/>
-            <pc:sldMk cId="0" sldId="574"/>
-            <ac:grpSpMk id="23" creationId="{DB0EC866-E64A-2848-BCC2-ED62B237FE13}"/>
-          </ac:grpSpMkLst>
-        </pc:grpChg>
-        <pc:grpChg chg="mod">
-          <ac:chgData name="Hughes, Joseph D" userId="bd5f5bbf-fc0b-41ca-af42-bfb8d56f1f7b" providerId="ADAL" clId="{C67A0D07-8AED-A74E-B1BB-567FB2C22816}" dt="2023-01-06T15:04:48.757" v="185" actId="1036"/>
-          <ac:grpSpMkLst>
-            <pc:docMk/>
-            <pc:sldMk cId="0" sldId="574"/>
-            <ac:grpSpMk id="24" creationId="{436752C9-BF20-C34C-B951-DE0C5CF5C05C}"/>
-          </ac:grpSpMkLst>
-        </pc:grpChg>
-        <pc:picChg chg="mod">
-          <ac:chgData name="Hughes, Joseph D" userId="bd5f5bbf-fc0b-41ca-af42-bfb8d56f1f7b" providerId="ADAL" clId="{C67A0D07-8AED-A74E-B1BB-567FB2C22816}" dt="2023-01-05T22:26:18.561" v="0"/>
-          <ac:picMkLst>
-            <pc:docMk/>
-            <pc:sldMk cId="0" sldId="574"/>
-            <ac:picMk id="10" creationId="{CED6034B-5EA5-8F45-9C5D-42865E38046E}"/>
-          </ac:picMkLst>
-        </pc:picChg>
-        <pc:picChg chg="mod">
-          <ac:chgData name="Hughes, Joseph D" userId="bd5f5bbf-fc0b-41ca-af42-bfb8d56f1f7b" providerId="ADAL" clId="{C67A0D07-8AED-A74E-B1BB-567FB2C22816}" dt="2023-01-05T22:26:18.561" v="0"/>
-          <ac:picMkLst>
-            <pc:docMk/>
-            <pc:sldMk cId="0" sldId="574"/>
-            <ac:picMk id="20" creationId="{E67543A8-79E3-D340-82E8-7AB553A22610}"/>
-          </ac:picMkLst>
-        </pc:picChg>
-        <pc:picChg chg="mod">
-          <ac:chgData name="Hughes, Joseph D" userId="bd5f5bbf-fc0b-41ca-af42-bfb8d56f1f7b" providerId="ADAL" clId="{C67A0D07-8AED-A74E-B1BB-567FB2C22816}" dt="2023-01-05T22:26:18.561" v="0"/>
-          <ac:picMkLst>
-            <pc:docMk/>
-            <pc:sldMk cId="0" sldId="574"/>
-            <ac:picMk id="21" creationId="{472E00DE-6D7C-9B48-BE2E-DCC0E8F7B75D}"/>
-          </ac:picMkLst>
-        </pc:picChg>
-      </pc:sldChg>
-      <pc:sldChg chg="modSp mod">
-        <pc:chgData name="Hughes, Joseph D" userId="bd5f5bbf-fc0b-41ca-af42-bfb8d56f1f7b" providerId="ADAL" clId="{C67A0D07-8AED-A74E-B1BB-567FB2C22816}" dt="2023-01-05T22:26:18.655" v="2" actId="27636"/>
-        <pc:sldMkLst>
-          <pc:docMk/>
-          <pc:sldMk cId="0" sldId="576"/>
-        </pc:sldMkLst>
-        <pc:spChg chg="mod">
-          <ac:chgData name="Hughes, Joseph D" userId="bd5f5bbf-fc0b-41ca-af42-bfb8d56f1f7b" providerId="ADAL" clId="{C67A0D07-8AED-A74E-B1BB-567FB2C22816}" dt="2023-01-05T22:26:18.655" v="2" actId="27636"/>
-          <ac:spMkLst>
-            <pc:docMk/>
-            <pc:sldMk cId="0" sldId="576"/>
-            <ac:spMk id="2" creationId="{00000000-0000-0000-0000-000000000000}"/>
-          </ac:spMkLst>
-        </pc:spChg>
-      </pc:sldChg>
-      <pc:sldChg chg="modSp mod">
-        <pc:chgData name="Hughes, Joseph D" userId="bd5f5bbf-fc0b-41ca-af42-bfb8d56f1f7b" providerId="ADAL" clId="{C67A0D07-8AED-A74E-B1BB-567FB2C22816}" dt="2023-01-06T15:11:09.622" v="275" actId="20577"/>
-        <pc:sldMkLst>
-          <pc:docMk/>
-          <pc:sldMk cId="0" sldId="577"/>
-        </pc:sldMkLst>
-        <pc:spChg chg="mod">
-          <ac:chgData name="Hughes, Joseph D" userId="bd5f5bbf-fc0b-41ca-af42-bfb8d56f1f7b" providerId="ADAL" clId="{C67A0D07-8AED-A74E-B1BB-567FB2C22816}" dt="2023-01-06T14:49:17.599" v="102" actId="20577"/>
-          <ac:spMkLst>
-            <pc:docMk/>
-            <pc:sldMk cId="0" sldId="577"/>
-            <ac:spMk id="2" creationId="{00000000-0000-0000-0000-000000000000}"/>
-          </ac:spMkLst>
-        </pc:spChg>
-        <pc:spChg chg="mod">
-          <ac:chgData name="Hughes, Joseph D" userId="bd5f5bbf-fc0b-41ca-af42-bfb8d56f1f7b" providerId="ADAL" clId="{C67A0D07-8AED-A74E-B1BB-567FB2C22816}" dt="2023-01-06T15:11:09.622" v="275" actId="20577"/>
-          <ac:spMkLst>
-            <pc:docMk/>
-            <pc:sldMk cId="0" sldId="577"/>
-            <ac:spMk id="3" creationId="{00000000-0000-0000-0000-000000000000}"/>
-          </ac:spMkLst>
-        </pc:spChg>
-      </pc:sldChg>
-      <pc:sldChg chg="modSp mod">
-        <pc:chgData name="Hughes, Joseph D" userId="bd5f5bbf-fc0b-41ca-af42-bfb8d56f1f7b" providerId="ADAL" clId="{C67A0D07-8AED-A74E-B1BB-567FB2C22816}" dt="2023-01-06T15:13:14.781" v="314" actId="20577"/>
-        <pc:sldMkLst>
-          <pc:docMk/>
-          <pc:sldMk cId="0" sldId="578"/>
-        </pc:sldMkLst>
-        <pc:spChg chg="mod">
-          <ac:chgData name="Hughes, Joseph D" userId="bd5f5bbf-fc0b-41ca-af42-bfb8d56f1f7b" providerId="ADAL" clId="{C67A0D07-8AED-A74E-B1BB-567FB2C22816}" dt="2023-01-06T15:13:14.781" v="314" actId="20577"/>
-          <ac:spMkLst>
-            <pc:docMk/>
-            <pc:sldMk cId="0" sldId="578"/>
-            <ac:spMk id="2" creationId="{00000000-0000-0000-0000-000000000000}"/>
-          </ac:spMkLst>
-        </pc:spChg>
-        <pc:spChg chg="mod">
-          <ac:chgData name="Hughes, Joseph D" userId="bd5f5bbf-fc0b-41ca-af42-bfb8d56f1f7b" providerId="ADAL" clId="{C67A0D07-8AED-A74E-B1BB-567FB2C22816}" dt="2023-01-06T15:12:48.976" v="284" actId="1076"/>
-          <ac:spMkLst>
-            <pc:docMk/>
-            <pc:sldMk cId="0" sldId="578"/>
-            <ac:spMk id="5" creationId="{00000000-0000-0000-0000-000000000000}"/>
-          </ac:spMkLst>
-        </pc:spChg>
-        <pc:spChg chg="mod">
-          <ac:chgData name="Hughes, Joseph D" userId="bd5f5bbf-fc0b-41ca-af42-bfb8d56f1f7b" providerId="ADAL" clId="{C67A0D07-8AED-A74E-B1BB-567FB2C22816}" dt="2023-01-05T22:26:18.561" v="0"/>
-          <ac:spMkLst>
-            <pc:docMk/>
-            <pc:sldMk cId="0" sldId="578"/>
-            <ac:spMk id="18434" creationId="{00000000-0000-0000-0000-000000000000}"/>
-          </ac:spMkLst>
-        </pc:spChg>
-      </pc:sldChg>
-      <pc:sldChg chg="modSp">
-        <pc:chgData name="Hughes, Joseph D" userId="bd5f5bbf-fc0b-41ca-af42-bfb8d56f1f7b" providerId="ADAL" clId="{C67A0D07-8AED-A74E-B1BB-567FB2C22816}" dt="2023-01-05T22:26:18.561" v="0"/>
-        <pc:sldMkLst>
-          <pc:docMk/>
-          <pc:sldMk cId="3529956039" sldId="579"/>
-        </pc:sldMkLst>
-        <pc:spChg chg="mod">
-          <ac:chgData name="Hughes, Joseph D" userId="bd5f5bbf-fc0b-41ca-af42-bfb8d56f1f7b" providerId="ADAL" clId="{C67A0D07-8AED-A74E-B1BB-567FB2C22816}" dt="2023-01-05T22:26:18.561" v="0"/>
-          <ac:spMkLst>
-            <pc:docMk/>
-            <pc:sldMk cId="3529956039" sldId="579"/>
-            <ac:spMk id="5" creationId="{A3AE2908-36AF-E746-9DF9-03CE053D41E1}"/>
-          </ac:spMkLst>
-        </pc:spChg>
-        <pc:spChg chg="mod">
-          <ac:chgData name="Hughes, Joseph D" userId="bd5f5bbf-fc0b-41ca-af42-bfb8d56f1f7b" providerId="ADAL" clId="{C67A0D07-8AED-A74E-B1BB-567FB2C22816}" dt="2023-01-05T22:26:18.561" v="0"/>
-          <ac:spMkLst>
-            <pc:docMk/>
-            <pc:sldMk cId="3529956039" sldId="579"/>
-            <ac:spMk id="6" creationId="{00000000-0000-0000-0000-000000000000}"/>
-          </ac:spMkLst>
-        </pc:spChg>
-        <pc:spChg chg="mod">
-          <ac:chgData name="Hughes, Joseph D" userId="bd5f5bbf-fc0b-41ca-af42-bfb8d56f1f7b" providerId="ADAL" clId="{C67A0D07-8AED-A74E-B1BB-567FB2C22816}" dt="2023-01-05T22:26:18.561" v="0"/>
-          <ac:spMkLst>
-            <pc:docMk/>
-            <pc:sldMk cId="3529956039" sldId="579"/>
-            <ac:spMk id="7" creationId="{00000000-0000-0000-0000-000000000000}"/>
-          </ac:spMkLst>
-        </pc:spChg>
-      </pc:sldChg>
-      <pc:sldChg chg="modSp mod">
-        <pc:chgData name="Hughes, Joseph D" userId="bd5f5bbf-fc0b-41ca-af42-bfb8d56f1f7b" providerId="ADAL" clId="{C67A0D07-8AED-A74E-B1BB-567FB2C22816}" dt="2023-01-06T15:06:20.700" v="205" actId="1036"/>
-        <pc:sldMkLst>
-          <pc:docMk/>
-          <pc:sldMk cId="1443141517" sldId="580"/>
-        </pc:sldMkLst>
-        <pc:spChg chg="mod">
-          <ac:chgData name="Hughes, Joseph D" userId="bd5f5bbf-fc0b-41ca-af42-bfb8d56f1f7b" providerId="ADAL" clId="{C67A0D07-8AED-A74E-B1BB-567FB2C22816}" dt="2023-01-06T15:06:00.756" v="192" actId="408"/>
-          <ac:spMkLst>
-            <pc:docMk/>
-            <pc:sldMk cId="1443141517" sldId="580"/>
-            <ac:spMk id="7" creationId="{7A32D6E9-CBAB-064F-A029-7714C9118BA0}"/>
-          </ac:spMkLst>
-        </pc:spChg>
-        <pc:grpChg chg="mod">
-          <ac:chgData name="Hughes, Joseph D" userId="bd5f5bbf-fc0b-41ca-af42-bfb8d56f1f7b" providerId="ADAL" clId="{C67A0D07-8AED-A74E-B1BB-567FB2C22816}" dt="2023-01-06T15:06:20.700" v="205" actId="1036"/>
-          <ac:grpSpMkLst>
-            <pc:docMk/>
-            <pc:sldMk cId="1443141517" sldId="580"/>
-            <ac:grpSpMk id="11" creationId="{D04EBC2D-BA7E-8E46-9601-B2AB2AFBDE91}"/>
-          </ac:grpSpMkLst>
-        </pc:grpChg>
-        <pc:picChg chg="mod">
-          <ac:chgData name="Hughes, Joseph D" userId="bd5f5bbf-fc0b-41ca-af42-bfb8d56f1f7b" providerId="ADAL" clId="{C67A0D07-8AED-A74E-B1BB-567FB2C22816}" dt="2023-01-06T15:06:18.509" v="203" actId="408"/>
-          <ac:picMkLst>
-            <pc:docMk/>
-            <pc:sldMk cId="1443141517" sldId="580"/>
-            <ac:picMk id="8" creationId="{54A9E2B0-0209-BA4C-8485-7E0CF80F03BC}"/>
-          </ac:picMkLst>
-        </pc:picChg>
-        <pc:picChg chg="mod">
-          <ac:chgData name="Hughes, Joseph D" userId="bd5f5bbf-fc0b-41ca-af42-bfb8d56f1f7b" providerId="ADAL" clId="{C67A0D07-8AED-A74E-B1BB-567FB2C22816}" dt="2023-01-06T15:06:18.509" v="203" actId="408"/>
-          <ac:picMkLst>
-            <pc:docMk/>
-            <pc:sldMk cId="1443141517" sldId="580"/>
-            <ac:picMk id="10" creationId="{A46944CB-5C74-E34D-A7AB-387DDCBB5A5C}"/>
-          </ac:picMkLst>
-        </pc:picChg>
-      </pc:sldChg>
-      <pc:sldChg chg="modSp">
-        <pc:chgData name="Hughes, Joseph D" userId="bd5f5bbf-fc0b-41ca-af42-bfb8d56f1f7b" providerId="ADAL" clId="{C67A0D07-8AED-A74E-B1BB-567FB2C22816}" dt="2023-01-05T22:26:18.561" v="0"/>
-        <pc:sldMkLst>
-          <pc:docMk/>
-          <pc:sldMk cId="1112564220" sldId="581"/>
-        </pc:sldMkLst>
-        <pc:spChg chg="mod">
-          <ac:chgData name="Hughes, Joseph D" userId="bd5f5bbf-fc0b-41ca-af42-bfb8d56f1f7b" providerId="ADAL" clId="{C67A0D07-8AED-A74E-B1BB-567FB2C22816}" dt="2023-01-05T22:26:18.561" v="0"/>
-          <ac:spMkLst>
-            <pc:docMk/>
-            <pc:sldMk cId="1112564220" sldId="581"/>
-            <ac:spMk id="5" creationId="{00000000-0000-0000-0000-000000000000}"/>
-          </ac:spMkLst>
-        </pc:spChg>
-        <pc:picChg chg="mod">
-          <ac:chgData name="Hughes, Joseph D" userId="bd5f5bbf-fc0b-41ca-af42-bfb8d56f1f7b" providerId="ADAL" clId="{C67A0D07-8AED-A74E-B1BB-567FB2C22816}" dt="2023-01-05T22:26:18.561" v="0"/>
-          <ac:picMkLst>
-            <pc:docMk/>
-            <pc:sldMk cId="1112564220" sldId="581"/>
-            <ac:picMk id="9" creationId="{00000000-0000-0000-0000-000000000000}"/>
-          </ac:picMkLst>
-        </pc:picChg>
-      </pc:sldChg>
-      <pc:sldChg chg="modSp">
-        <pc:chgData name="Hughes, Joseph D" userId="bd5f5bbf-fc0b-41ca-af42-bfb8d56f1f7b" providerId="ADAL" clId="{C67A0D07-8AED-A74E-B1BB-567FB2C22816}" dt="2023-01-05T22:26:18.561" v="0"/>
-        <pc:sldMkLst>
-          <pc:docMk/>
-          <pc:sldMk cId="116596551" sldId="582"/>
-        </pc:sldMkLst>
-        <pc:spChg chg="mod">
-          <ac:chgData name="Hughes, Joseph D" userId="bd5f5bbf-fc0b-41ca-af42-bfb8d56f1f7b" providerId="ADAL" clId="{C67A0D07-8AED-A74E-B1BB-567FB2C22816}" dt="2023-01-05T22:26:18.561" v="0"/>
-          <ac:spMkLst>
-            <pc:docMk/>
-            <pc:sldMk cId="116596551" sldId="582"/>
-            <ac:spMk id="5" creationId="{00000000-0000-0000-0000-000000000000}"/>
-          </ac:spMkLst>
-        </pc:spChg>
-        <pc:picChg chg="mod">
-          <ac:chgData name="Hughes, Joseph D" userId="bd5f5bbf-fc0b-41ca-af42-bfb8d56f1f7b" providerId="ADAL" clId="{C67A0D07-8AED-A74E-B1BB-567FB2C22816}" dt="2023-01-05T22:26:18.561" v="0"/>
-          <ac:picMkLst>
-            <pc:docMk/>
-            <pc:sldMk cId="116596551" sldId="582"/>
-            <ac:picMk id="6" creationId="{00000000-0000-0000-0000-000000000000}"/>
-          </ac:picMkLst>
-        </pc:picChg>
-        <pc:picChg chg="mod">
-          <ac:chgData name="Hughes, Joseph D" userId="bd5f5bbf-fc0b-41ca-af42-bfb8d56f1f7b" providerId="ADAL" clId="{C67A0D07-8AED-A74E-B1BB-567FB2C22816}" dt="2023-01-05T22:26:18.561" v="0"/>
-          <ac:picMkLst>
-            <pc:docMk/>
-            <pc:sldMk cId="116596551" sldId="582"/>
-            <ac:picMk id="7" creationId="{00000000-0000-0000-0000-000000000000}"/>
-          </ac:picMkLst>
-        </pc:picChg>
-      </pc:sldChg>
-      <pc:sldChg chg="modSp">
-        <pc:chgData name="Hughes, Joseph D" userId="bd5f5bbf-fc0b-41ca-af42-bfb8d56f1f7b" providerId="ADAL" clId="{C67A0D07-8AED-A74E-B1BB-567FB2C22816}" dt="2023-01-05T22:26:18.561" v="0"/>
-        <pc:sldMkLst>
-          <pc:docMk/>
-          <pc:sldMk cId="2718887773" sldId="583"/>
-        </pc:sldMkLst>
-        <pc:spChg chg="mod">
-          <ac:chgData name="Hughes, Joseph D" userId="bd5f5bbf-fc0b-41ca-af42-bfb8d56f1f7b" providerId="ADAL" clId="{C67A0D07-8AED-A74E-B1BB-567FB2C22816}" dt="2023-01-05T22:26:18.561" v="0"/>
-          <ac:spMkLst>
-            <pc:docMk/>
-            <pc:sldMk cId="2718887773" sldId="583"/>
-            <ac:spMk id="7" creationId="{7A32D6E9-CBAB-064F-A029-7714C9118BA0}"/>
-          </ac:spMkLst>
-        </pc:spChg>
-        <pc:picChg chg="mod">
-          <ac:chgData name="Hughes, Joseph D" userId="bd5f5bbf-fc0b-41ca-af42-bfb8d56f1f7b" providerId="ADAL" clId="{C67A0D07-8AED-A74E-B1BB-567FB2C22816}" dt="2023-01-05T22:26:18.561" v="0"/>
-          <ac:picMkLst>
-            <pc:docMk/>
-            <pc:sldMk cId="2718887773" sldId="583"/>
-            <ac:picMk id="5" creationId="{00000000-0000-0000-0000-000000000000}"/>
-          </ac:picMkLst>
-        </pc:picChg>
-        <pc:picChg chg="mod">
-          <ac:chgData name="Hughes, Joseph D" userId="bd5f5bbf-fc0b-41ca-af42-bfb8d56f1f7b" providerId="ADAL" clId="{C67A0D07-8AED-A74E-B1BB-567FB2C22816}" dt="2023-01-05T22:26:18.561" v="0"/>
-          <ac:picMkLst>
-            <pc:docMk/>
-            <pc:sldMk cId="2718887773" sldId="583"/>
-            <ac:picMk id="6" creationId="{00000000-0000-0000-0000-000000000000}"/>
-          </ac:picMkLst>
-        </pc:picChg>
-      </pc:sldChg>
-      <pc:sldChg chg="modSp mod">
-        <pc:chgData name="Hughes, Joseph D" userId="bd5f5bbf-fc0b-41ca-af42-bfb8d56f1f7b" providerId="ADAL" clId="{C67A0D07-8AED-A74E-B1BB-567FB2C22816}" dt="2023-01-06T15:12:10.339" v="281" actId="14100"/>
-        <pc:sldMkLst>
-          <pc:docMk/>
-          <pc:sldMk cId="2223409433" sldId="584"/>
-        </pc:sldMkLst>
-        <pc:spChg chg="mod">
-          <ac:chgData name="Hughes, Joseph D" userId="bd5f5bbf-fc0b-41ca-af42-bfb8d56f1f7b" providerId="ADAL" clId="{C67A0D07-8AED-A74E-B1BB-567FB2C22816}" dt="2023-01-06T15:11:49.088" v="278" actId="20577"/>
-          <ac:spMkLst>
-            <pc:docMk/>
-            <pc:sldMk cId="2223409433" sldId="584"/>
-            <ac:spMk id="2" creationId="{00000000-0000-0000-0000-000000000000}"/>
-          </ac:spMkLst>
-        </pc:spChg>
-        <pc:spChg chg="mod">
-          <ac:chgData name="Hughes, Joseph D" userId="bd5f5bbf-fc0b-41ca-af42-bfb8d56f1f7b" providerId="ADAL" clId="{C67A0D07-8AED-A74E-B1BB-567FB2C22816}" dt="2023-01-06T15:12:10.339" v="281" actId="14100"/>
-          <ac:spMkLst>
-            <pc:docMk/>
-            <pc:sldMk cId="2223409433" sldId="584"/>
-            <ac:spMk id="7" creationId="{7A32D6E9-CBAB-064F-A029-7714C9118BA0}"/>
-          </ac:spMkLst>
-        </pc:spChg>
-        <pc:picChg chg="mod">
-          <ac:chgData name="Hughes, Joseph D" userId="bd5f5bbf-fc0b-41ca-af42-bfb8d56f1f7b" providerId="ADAL" clId="{C67A0D07-8AED-A74E-B1BB-567FB2C22816}" dt="2023-01-05T22:26:18.561" v="0"/>
-          <ac:picMkLst>
-            <pc:docMk/>
-            <pc:sldMk cId="2223409433" sldId="584"/>
-            <ac:picMk id="3" creationId="{7C4552E1-95A4-0B48-82DC-534E4AA8BBC9}"/>
-          </ac:picMkLst>
-        </pc:picChg>
-      </pc:sldChg>
-      <pc:sldChg chg="modSp new mod">
-        <pc:chgData name="Hughes, Joseph D" userId="bd5f5bbf-fc0b-41ca-af42-bfb8d56f1f7b" providerId="ADAL" clId="{C67A0D07-8AED-A74E-B1BB-567FB2C22816}" dt="2023-01-05T22:27:38.006" v="100" actId="20577"/>
-        <pc:sldMkLst>
-          <pc:docMk/>
-          <pc:sldMk cId="302322613" sldId="587"/>
-        </pc:sldMkLst>
-        <pc:spChg chg="mod">
-          <ac:chgData name="Hughes, Joseph D" userId="bd5f5bbf-fc0b-41ca-af42-bfb8d56f1f7b" providerId="ADAL" clId="{C67A0D07-8AED-A74E-B1BB-567FB2C22816}" dt="2023-01-05T22:27:15.448" v="34" actId="20577"/>
-          <ac:spMkLst>
-            <pc:docMk/>
-            <pc:sldMk cId="302322613" sldId="587"/>
-            <ac:spMk id="2" creationId="{D7BACF44-C8FF-43AD-C284-231CECB390E4}"/>
-          </ac:spMkLst>
-        </pc:spChg>
-        <pc:spChg chg="mod">
-          <ac:chgData name="Hughes, Joseph D" userId="bd5f5bbf-fc0b-41ca-af42-bfb8d56f1f7b" providerId="ADAL" clId="{C67A0D07-8AED-A74E-B1BB-567FB2C22816}" dt="2023-01-05T22:27:38.006" v="100" actId="20577"/>
-          <ac:spMkLst>
-            <pc:docMk/>
-            <pc:sldMk cId="302322613" sldId="587"/>
-            <ac:spMk id="3" creationId="{CD9E3B8D-C8FA-A13E-C596-4F04F9D2879D}"/>
-          </ac:spMkLst>
-        </pc:spChg>
-      </pc:sldChg>
-      <pc:sldChg chg="addSp modSp new mod">
-        <pc:chgData name="Hughes, Joseph D" userId="bd5f5bbf-fc0b-41ca-af42-bfb8d56f1f7b" providerId="ADAL" clId="{C67A0D07-8AED-A74E-B1BB-567FB2C22816}" dt="2023-01-06T15:02:23.557" v="168" actId="465"/>
-        <pc:sldMkLst>
-          <pc:docMk/>
-          <pc:sldMk cId="1250119428" sldId="588"/>
-        </pc:sldMkLst>
-        <pc:spChg chg="mod">
-          <ac:chgData name="Hughes, Joseph D" userId="bd5f5bbf-fc0b-41ca-af42-bfb8d56f1f7b" providerId="ADAL" clId="{C67A0D07-8AED-A74E-B1BB-567FB2C22816}" dt="2023-01-06T15:01:10.981" v="157" actId="20577"/>
-          <ac:spMkLst>
-            <pc:docMk/>
-            <pc:sldMk cId="1250119428" sldId="588"/>
-            <ac:spMk id="2" creationId="{4A571514-44BB-FFC7-FA26-4F6450C2FBAB}"/>
-          </ac:spMkLst>
-        </pc:spChg>
-        <pc:spChg chg="add mod">
-          <ac:chgData name="Hughes, Joseph D" userId="bd5f5bbf-fc0b-41ca-af42-bfb8d56f1f7b" providerId="ADAL" clId="{C67A0D07-8AED-A74E-B1BB-567FB2C22816}" dt="2023-01-06T15:02:23.557" v="168" actId="465"/>
-          <ac:spMkLst>
-            <pc:docMk/>
-            <pc:sldMk cId="1250119428" sldId="588"/>
-            <ac:spMk id="3" creationId="{5A0CEA0E-7E7C-553F-148E-71F64F4D7059}"/>
-          </ac:spMkLst>
-        </pc:spChg>
-        <pc:spChg chg="mod">
-          <ac:chgData name="Hughes, Joseph D" userId="bd5f5bbf-fc0b-41ca-af42-bfb8d56f1f7b" providerId="ADAL" clId="{C67A0D07-8AED-A74E-B1BB-567FB2C22816}" dt="2023-01-06T15:01:53.346" v="161"/>
-          <ac:spMkLst>
-            <pc:docMk/>
-            <pc:sldMk cId="1250119428" sldId="588"/>
-            <ac:spMk id="9" creationId="{9F820231-F954-F8FB-6BFB-CB83493898E7}"/>
-          </ac:spMkLst>
-        </pc:spChg>
-        <pc:spChg chg="mod">
-          <ac:chgData name="Hughes, Joseph D" userId="bd5f5bbf-fc0b-41ca-af42-bfb8d56f1f7b" providerId="ADAL" clId="{C67A0D07-8AED-A74E-B1BB-567FB2C22816}" dt="2023-01-06T15:01:53.346" v="161"/>
-          <ac:spMkLst>
-            <pc:docMk/>
-            <pc:sldMk cId="1250119428" sldId="588"/>
-            <ac:spMk id="10" creationId="{DD02CA00-B2E0-F3BC-9BCA-96914175E81B}"/>
-          </ac:spMkLst>
-        </pc:spChg>
-        <pc:spChg chg="mod">
-          <ac:chgData name="Hughes, Joseph D" userId="bd5f5bbf-fc0b-41ca-af42-bfb8d56f1f7b" providerId="ADAL" clId="{C67A0D07-8AED-A74E-B1BB-567FB2C22816}" dt="2023-01-06T15:01:53.346" v="161"/>
-          <ac:spMkLst>
-            <pc:docMk/>
-            <pc:sldMk cId="1250119428" sldId="588"/>
-            <ac:spMk id="11" creationId="{1E33BC93-C889-440F-2B97-B9AF0DDF6822}"/>
-          </ac:spMkLst>
-        </pc:spChg>
-        <pc:spChg chg="mod">
-          <ac:chgData name="Hughes, Joseph D" userId="bd5f5bbf-fc0b-41ca-af42-bfb8d56f1f7b" providerId="ADAL" clId="{C67A0D07-8AED-A74E-B1BB-567FB2C22816}" dt="2023-01-06T15:01:53.346" v="161"/>
-          <ac:spMkLst>
-            <pc:docMk/>
-            <pc:sldMk cId="1250119428" sldId="588"/>
-            <ac:spMk id="12" creationId="{EFCC8862-D311-D0F5-0432-07F48BB5F122}"/>
-          </ac:spMkLst>
-        </pc:spChg>
-        <pc:spChg chg="mod">
-          <ac:chgData name="Hughes, Joseph D" userId="bd5f5bbf-fc0b-41ca-af42-bfb8d56f1f7b" providerId="ADAL" clId="{C67A0D07-8AED-A74E-B1BB-567FB2C22816}" dt="2023-01-06T15:01:53.346" v="161"/>
-          <ac:spMkLst>
-            <pc:docMk/>
-            <pc:sldMk cId="1250119428" sldId="588"/>
-            <ac:spMk id="13" creationId="{F5E66816-65E8-DB07-5DC7-4647EAF155FA}"/>
-          </ac:spMkLst>
-        </pc:spChg>
-        <pc:spChg chg="mod">
-          <ac:chgData name="Hughes, Joseph D" userId="bd5f5bbf-fc0b-41ca-af42-bfb8d56f1f7b" providerId="ADAL" clId="{C67A0D07-8AED-A74E-B1BB-567FB2C22816}" dt="2023-01-06T15:01:53.346" v="161"/>
-          <ac:spMkLst>
-            <pc:docMk/>
-            <pc:sldMk cId="1250119428" sldId="588"/>
-            <ac:spMk id="14" creationId="{686038D9-87AB-7D2A-D2F9-507CBCCFFAD6}"/>
-          </ac:spMkLst>
-        </pc:spChg>
-        <pc:spChg chg="mod">
-          <ac:chgData name="Hughes, Joseph D" userId="bd5f5bbf-fc0b-41ca-af42-bfb8d56f1f7b" providerId="ADAL" clId="{C67A0D07-8AED-A74E-B1BB-567FB2C22816}" dt="2023-01-06T15:01:53.346" v="161"/>
-          <ac:spMkLst>
-            <pc:docMk/>
-            <pc:sldMk cId="1250119428" sldId="588"/>
-            <ac:spMk id="15" creationId="{C82CBBED-11C8-C66D-0EE5-D587913BED6A}"/>
-          </ac:spMkLst>
-        </pc:spChg>
-        <pc:spChg chg="mod">
-          <ac:chgData name="Hughes, Joseph D" userId="bd5f5bbf-fc0b-41ca-af42-bfb8d56f1f7b" providerId="ADAL" clId="{C67A0D07-8AED-A74E-B1BB-567FB2C22816}" dt="2023-01-06T15:01:53.346" v="161"/>
-          <ac:spMkLst>
-            <pc:docMk/>
-            <pc:sldMk cId="1250119428" sldId="588"/>
-            <ac:spMk id="16" creationId="{238F007A-B7CB-C6CE-A573-43D3DA5D7092}"/>
-          </ac:spMkLst>
-        </pc:spChg>
-        <pc:grpChg chg="add mod">
-          <ac:chgData name="Hughes, Joseph D" userId="bd5f5bbf-fc0b-41ca-af42-bfb8d56f1f7b" providerId="ADAL" clId="{C67A0D07-8AED-A74E-B1BB-567FB2C22816}" dt="2023-01-06T15:02:23.557" v="168" actId="465"/>
-          <ac:grpSpMkLst>
-            <pc:docMk/>
-            <pc:sldMk cId="1250119428" sldId="588"/>
-            <ac:grpSpMk id="4" creationId="{4E7F26E8-DA4E-F53C-E0B5-5258953D7979}"/>
-          </ac:grpSpMkLst>
-        </pc:grpChg>
-        <pc:grpChg chg="mod">
-          <ac:chgData name="Hughes, Joseph D" userId="bd5f5bbf-fc0b-41ca-af42-bfb8d56f1f7b" providerId="ADAL" clId="{C67A0D07-8AED-A74E-B1BB-567FB2C22816}" dt="2023-01-06T15:01:53.346" v="161"/>
-          <ac:grpSpMkLst>
-            <pc:docMk/>
-            <pc:sldMk cId="1250119428" sldId="588"/>
-            <ac:grpSpMk id="5" creationId="{880A1704-6631-F5ED-52F5-1C9B212651E1}"/>
-          </ac:grpSpMkLst>
-        </pc:grpChg>
-        <pc:grpChg chg="mod">
-          <ac:chgData name="Hughes, Joseph D" userId="bd5f5bbf-fc0b-41ca-af42-bfb8d56f1f7b" providerId="ADAL" clId="{C67A0D07-8AED-A74E-B1BB-567FB2C22816}" dt="2023-01-06T15:01:53.346" v="161"/>
-          <ac:grpSpMkLst>
-            <pc:docMk/>
-            <pc:sldMk cId="1250119428" sldId="588"/>
-            <ac:grpSpMk id="6" creationId="{EC7391B6-1B60-23E6-C680-48D37EEB090E}"/>
-          </ac:grpSpMkLst>
-        </pc:grpChg>
-        <pc:picChg chg="add mod">
-          <ac:chgData name="Hughes, Joseph D" userId="bd5f5bbf-fc0b-41ca-af42-bfb8d56f1f7b" providerId="ADAL" clId="{C67A0D07-8AED-A74E-B1BB-567FB2C22816}" dt="2023-01-06T15:02:23.557" v="168" actId="465"/>
-          <ac:picMkLst>
-            <pc:docMk/>
-            <pc:sldMk cId="1250119428" sldId="588"/>
-            <ac:picMk id="17" creationId="{D1CF6B3F-0988-E539-2776-1C4F9B74C504}"/>
-          </ac:picMkLst>
-        </pc:picChg>
-        <pc:cxnChg chg="mod">
-          <ac:chgData name="Hughes, Joseph D" userId="bd5f5bbf-fc0b-41ca-af42-bfb8d56f1f7b" providerId="ADAL" clId="{C67A0D07-8AED-A74E-B1BB-567FB2C22816}" dt="2023-01-06T15:01:53.346" v="161"/>
-          <ac:cxnSpMkLst>
-            <pc:docMk/>
-            <pc:sldMk cId="1250119428" sldId="588"/>
-            <ac:cxnSpMk id="7" creationId="{5A040EDE-C627-C262-BA0F-FE47039C424F}"/>
-          </ac:cxnSpMkLst>
-        </pc:cxnChg>
-        <pc:cxnChg chg="mod">
-          <ac:chgData name="Hughes, Joseph D" userId="bd5f5bbf-fc0b-41ca-af42-bfb8d56f1f7b" providerId="ADAL" clId="{C67A0D07-8AED-A74E-B1BB-567FB2C22816}" dt="2023-01-06T15:01:53.346" v="161"/>
-          <ac:cxnSpMkLst>
-            <pc:docMk/>
-            <pc:sldMk cId="1250119428" sldId="588"/>
-            <ac:cxnSpMk id="8" creationId="{BB780A19-5B65-1D27-3E2F-DF8AD8E5588E}"/>
-          </ac:cxnSpMkLst>
-        </pc:cxnChg>
-      </pc:sldChg>
-      <pc:sldMasterChg chg="addSp delSp modSp mod modSldLayout">
-        <pc:chgData name="Hughes, Joseph D" userId="bd5f5bbf-fc0b-41ca-af42-bfb8d56f1f7b" providerId="ADAL" clId="{C67A0D07-8AED-A74E-B1BB-567FB2C22816}" dt="2023-01-05T22:26:49.347" v="7"/>
-        <pc:sldMasterMkLst>
-          <pc:docMk/>
-          <pc:sldMasterMk cId="0" sldId="2147483888"/>
-        </pc:sldMasterMkLst>
-        <pc:spChg chg="mod">
-          <ac:chgData name="Hughes, Joseph D" userId="bd5f5bbf-fc0b-41ca-af42-bfb8d56f1f7b" providerId="ADAL" clId="{C67A0D07-8AED-A74E-B1BB-567FB2C22816}" dt="2023-01-05T22:26:18.561" v="0"/>
-          <ac:spMkLst>
-            <pc:docMk/>
-            <pc:sldMasterMk cId="0" sldId="2147483888"/>
-            <ac:spMk id="1026" creationId="{00000000-0000-0000-0000-000000000000}"/>
-          </ac:spMkLst>
-        </pc:spChg>
-        <pc:spChg chg="mod">
-          <ac:chgData name="Hughes, Joseph D" userId="bd5f5bbf-fc0b-41ca-af42-bfb8d56f1f7b" providerId="ADAL" clId="{C67A0D07-8AED-A74E-B1BB-567FB2C22816}" dt="2023-01-05T22:26:18.561" v="0"/>
-          <ac:spMkLst>
-            <pc:docMk/>
-            <pc:sldMasterMk cId="0" sldId="2147483888"/>
-            <ac:spMk id="1027" creationId="{00000000-0000-0000-0000-000000000000}"/>
-          </ac:spMkLst>
-        </pc:spChg>
-        <pc:picChg chg="add mod">
-          <ac:chgData name="Hughes, Joseph D" userId="bd5f5bbf-fc0b-41ca-af42-bfb8d56f1f7b" providerId="ADAL" clId="{C67A0D07-8AED-A74E-B1BB-567FB2C22816}" dt="2023-01-05T22:26:39.462" v="5" actId="1076"/>
-          <ac:picMkLst>
-            <pc:docMk/>
-            <pc:sldMasterMk cId="0" sldId="2147483888"/>
-            <ac:picMk id="2" creationId="{AEE40C25-7DC3-42DD-9216-572EC3FD06C1}"/>
-          </ac:picMkLst>
-        </pc:picChg>
-        <pc:picChg chg="del mod">
-          <ac:chgData name="Hughes, Joseph D" userId="bd5f5bbf-fc0b-41ca-af42-bfb8d56f1f7b" providerId="ADAL" clId="{C67A0D07-8AED-A74E-B1BB-567FB2C22816}" dt="2023-01-05T22:26:33.533" v="3" actId="478"/>
-          <ac:picMkLst>
-            <pc:docMk/>
-            <pc:sldMasterMk cId="0" sldId="2147483888"/>
-            <ac:picMk id="1028" creationId="{00000000-0000-0000-0000-000000000000}"/>
-          </ac:picMkLst>
-        </pc:picChg>
-        <pc:sldLayoutChg chg="modSp">
-          <pc:chgData name="Hughes, Joseph D" userId="bd5f5bbf-fc0b-41ca-af42-bfb8d56f1f7b" providerId="ADAL" clId="{C67A0D07-8AED-A74E-B1BB-567FB2C22816}" dt="2023-01-05T22:26:18.561" v="0"/>
-          <pc:sldLayoutMkLst>
-            <pc:docMk/>
-            <pc:sldMasterMk cId="0" sldId="2147483648"/>
-            <pc:sldLayoutMk cId="2033810452" sldId="2147483878"/>
-          </pc:sldLayoutMkLst>
-          <pc:spChg chg="mod">
-            <ac:chgData name="Hughes, Joseph D" userId="bd5f5bbf-fc0b-41ca-af42-bfb8d56f1f7b" providerId="ADAL" clId="{C67A0D07-8AED-A74E-B1BB-567FB2C22816}" dt="2023-01-05T22:26:18.561" v="0"/>
-            <ac:spMkLst>
-              <pc:docMk/>
-              <pc:sldMasterMk cId="0" sldId="2147483648"/>
-              <pc:sldLayoutMk cId="2033810452" sldId="2147483878"/>
-              <ac:spMk id="2" creationId="{00000000-0000-0000-0000-000000000000}"/>
-            </ac:spMkLst>
-          </pc:spChg>
-          <pc:spChg chg="mod">
-            <ac:chgData name="Hughes, Joseph D" userId="bd5f5bbf-fc0b-41ca-af42-bfb8d56f1f7b" providerId="ADAL" clId="{C67A0D07-8AED-A74E-B1BB-567FB2C22816}" dt="2023-01-05T22:26:18.561" v="0"/>
-            <ac:spMkLst>
-              <pc:docMk/>
-              <pc:sldMasterMk cId="0" sldId="2147483648"/>
-              <pc:sldLayoutMk cId="2033810452" sldId="2147483878"/>
-              <ac:spMk id="3" creationId="{00000000-0000-0000-0000-000000000000}"/>
-            </ac:spMkLst>
-          </pc:spChg>
-        </pc:sldLayoutChg>
-        <pc:sldLayoutChg chg="modSp">
-          <pc:chgData name="Hughes, Joseph D" userId="bd5f5bbf-fc0b-41ca-af42-bfb8d56f1f7b" providerId="ADAL" clId="{C67A0D07-8AED-A74E-B1BB-567FB2C22816}" dt="2023-01-05T22:26:18.561" v="0"/>
-          <pc:sldLayoutMkLst>
-            <pc:docMk/>
-            <pc:sldMasterMk cId="0" sldId="2147483648"/>
-            <pc:sldLayoutMk cId="2781306774" sldId="2147483879"/>
-          </pc:sldLayoutMkLst>
-          <pc:spChg chg="mod">
-            <ac:chgData name="Hughes, Joseph D" userId="bd5f5bbf-fc0b-41ca-af42-bfb8d56f1f7b" providerId="ADAL" clId="{C67A0D07-8AED-A74E-B1BB-567FB2C22816}" dt="2023-01-05T22:26:18.561" v="0"/>
-            <ac:spMkLst>
-              <pc:docMk/>
-              <pc:sldMasterMk cId="0" sldId="2147483648"/>
-              <pc:sldLayoutMk cId="2781306774" sldId="2147483879"/>
-              <ac:spMk id="3" creationId="{00000000-0000-0000-0000-000000000000}"/>
-            </ac:spMkLst>
-          </pc:spChg>
-          <pc:spChg chg="mod">
-            <ac:chgData name="Hughes, Joseph D" userId="bd5f5bbf-fc0b-41ca-af42-bfb8d56f1f7b" providerId="ADAL" clId="{C67A0D07-8AED-A74E-B1BB-567FB2C22816}" dt="2023-01-05T22:26:18.561" v="0"/>
-            <ac:spMkLst>
-              <pc:docMk/>
-              <pc:sldMasterMk cId="0" sldId="2147483648"/>
-              <pc:sldLayoutMk cId="2781306774" sldId="2147483879"/>
-              <ac:spMk id="4" creationId="{00000000-0000-0000-0000-000000000000}"/>
-            </ac:spMkLst>
-          </pc:spChg>
-        </pc:sldLayoutChg>
-        <pc:sldLayoutChg chg="modSp">
-          <pc:chgData name="Hughes, Joseph D" userId="bd5f5bbf-fc0b-41ca-af42-bfb8d56f1f7b" providerId="ADAL" clId="{C67A0D07-8AED-A74E-B1BB-567FB2C22816}" dt="2023-01-05T22:26:18.561" v="0"/>
-          <pc:sldLayoutMkLst>
-            <pc:docMk/>
-            <pc:sldMasterMk cId="0" sldId="2147483648"/>
-            <pc:sldLayoutMk cId="3642106940" sldId="2147483880"/>
-          </pc:sldLayoutMkLst>
-          <pc:spChg chg="mod">
-            <ac:chgData name="Hughes, Joseph D" userId="bd5f5bbf-fc0b-41ca-af42-bfb8d56f1f7b" providerId="ADAL" clId="{C67A0D07-8AED-A74E-B1BB-567FB2C22816}" dt="2023-01-05T22:26:18.561" v="0"/>
-            <ac:spMkLst>
-              <pc:docMk/>
-              <pc:sldMasterMk cId="0" sldId="2147483648"/>
-              <pc:sldLayoutMk cId="3642106940" sldId="2147483880"/>
-              <ac:spMk id="2" creationId="{00000000-0000-0000-0000-000000000000}"/>
-            </ac:spMkLst>
-          </pc:spChg>
-          <pc:spChg chg="mod">
-            <ac:chgData name="Hughes, Joseph D" userId="bd5f5bbf-fc0b-41ca-af42-bfb8d56f1f7b" providerId="ADAL" clId="{C67A0D07-8AED-A74E-B1BB-567FB2C22816}" dt="2023-01-05T22:26:18.561" v="0"/>
-            <ac:spMkLst>
-              <pc:docMk/>
-              <pc:sldMasterMk cId="0" sldId="2147483648"/>
-              <pc:sldLayoutMk cId="3642106940" sldId="2147483880"/>
-              <ac:spMk id="3" creationId="{00000000-0000-0000-0000-000000000000}"/>
-            </ac:spMkLst>
-          </pc:spChg>
-          <pc:spChg chg="mod">
-            <ac:chgData name="Hughes, Joseph D" userId="bd5f5bbf-fc0b-41ca-af42-bfb8d56f1f7b" providerId="ADAL" clId="{C67A0D07-8AED-A74E-B1BB-567FB2C22816}" dt="2023-01-05T22:26:18.561" v="0"/>
-            <ac:spMkLst>
-              <pc:docMk/>
-              <pc:sldMasterMk cId="0" sldId="2147483648"/>
-              <pc:sldLayoutMk cId="3642106940" sldId="2147483880"/>
-              <ac:spMk id="4" creationId="{00000000-0000-0000-0000-000000000000}"/>
-            </ac:spMkLst>
-          </pc:spChg>
-          <pc:spChg chg="mod">
-            <ac:chgData name="Hughes, Joseph D" userId="bd5f5bbf-fc0b-41ca-af42-bfb8d56f1f7b" providerId="ADAL" clId="{C67A0D07-8AED-A74E-B1BB-567FB2C22816}" dt="2023-01-05T22:26:18.561" v="0"/>
-            <ac:spMkLst>
-              <pc:docMk/>
-              <pc:sldMasterMk cId="0" sldId="2147483648"/>
-              <pc:sldLayoutMk cId="3642106940" sldId="2147483880"/>
-              <ac:spMk id="5" creationId="{00000000-0000-0000-0000-000000000000}"/>
-            </ac:spMkLst>
-          </pc:spChg>
-          <pc:spChg chg="mod">
-            <ac:chgData name="Hughes, Joseph D" userId="bd5f5bbf-fc0b-41ca-af42-bfb8d56f1f7b" providerId="ADAL" clId="{C67A0D07-8AED-A74E-B1BB-567FB2C22816}" dt="2023-01-05T22:26:18.561" v="0"/>
-            <ac:spMkLst>
-              <pc:docMk/>
-              <pc:sldMasterMk cId="0" sldId="2147483648"/>
-              <pc:sldLayoutMk cId="3642106940" sldId="2147483880"/>
-              <ac:spMk id="6" creationId="{00000000-0000-0000-0000-000000000000}"/>
-            </ac:spMkLst>
-          </pc:spChg>
-        </pc:sldLayoutChg>
-        <pc:sldLayoutChg chg="modSp">
-          <pc:chgData name="Hughes, Joseph D" userId="bd5f5bbf-fc0b-41ca-af42-bfb8d56f1f7b" providerId="ADAL" clId="{C67A0D07-8AED-A74E-B1BB-567FB2C22816}" dt="2023-01-05T22:26:18.561" v="0"/>
-          <pc:sldLayoutMkLst>
-            <pc:docMk/>
-            <pc:sldMasterMk cId="0" sldId="2147483648"/>
-            <pc:sldLayoutMk cId="2432597678" sldId="2147483883"/>
-          </pc:sldLayoutMkLst>
-          <pc:spChg chg="mod">
-            <ac:chgData name="Hughes, Joseph D" userId="bd5f5bbf-fc0b-41ca-af42-bfb8d56f1f7b" providerId="ADAL" clId="{C67A0D07-8AED-A74E-B1BB-567FB2C22816}" dt="2023-01-05T22:26:18.561" v="0"/>
-            <ac:spMkLst>
-              <pc:docMk/>
-              <pc:sldMasterMk cId="0" sldId="2147483648"/>
-              <pc:sldLayoutMk cId="2432597678" sldId="2147483883"/>
-              <ac:spMk id="2" creationId="{00000000-0000-0000-0000-000000000000}"/>
-            </ac:spMkLst>
-          </pc:spChg>
-          <pc:spChg chg="mod">
-            <ac:chgData name="Hughes, Joseph D" userId="bd5f5bbf-fc0b-41ca-af42-bfb8d56f1f7b" providerId="ADAL" clId="{C67A0D07-8AED-A74E-B1BB-567FB2C22816}" dt="2023-01-05T22:26:18.561" v="0"/>
-            <ac:spMkLst>
-              <pc:docMk/>
-              <pc:sldMasterMk cId="0" sldId="2147483648"/>
-              <pc:sldLayoutMk cId="2432597678" sldId="2147483883"/>
-              <ac:spMk id="3" creationId="{00000000-0000-0000-0000-000000000000}"/>
-            </ac:spMkLst>
-          </pc:spChg>
-          <pc:spChg chg="mod">
-            <ac:chgData name="Hughes, Joseph D" userId="bd5f5bbf-fc0b-41ca-af42-bfb8d56f1f7b" providerId="ADAL" clId="{C67A0D07-8AED-A74E-B1BB-567FB2C22816}" dt="2023-01-05T22:26:18.561" v="0"/>
-            <ac:spMkLst>
-              <pc:docMk/>
-              <pc:sldMasterMk cId="0" sldId="2147483648"/>
-              <pc:sldLayoutMk cId="2432597678" sldId="2147483883"/>
-              <ac:spMk id="4" creationId="{00000000-0000-0000-0000-000000000000}"/>
-            </ac:spMkLst>
-          </pc:spChg>
-        </pc:sldLayoutChg>
-        <pc:sldLayoutChg chg="modSp">
-          <pc:chgData name="Hughes, Joseph D" userId="bd5f5bbf-fc0b-41ca-af42-bfb8d56f1f7b" providerId="ADAL" clId="{C67A0D07-8AED-A74E-B1BB-567FB2C22816}" dt="2023-01-05T22:26:18.561" v="0"/>
-          <pc:sldLayoutMkLst>
-            <pc:docMk/>
-            <pc:sldMasterMk cId="0" sldId="2147483648"/>
-            <pc:sldLayoutMk cId="2761397800" sldId="2147483884"/>
-          </pc:sldLayoutMkLst>
-          <pc:spChg chg="mod">
-            <ac:chgData name="Hughes, Joseph D" userId="bd5f5bbf-fc0b-41ca-af42-bfb8d56f1f7b" providerId="ADAL" clId="{C67A0D07-8AED-A74E-B1BB-567FB2C22816}" dt="2023-01-05T22:26:18.561" v="0"/>
-            <ac:spMkLst>
-              <pc:docMk/>
-              <pc:sldMasterMk cId="0" sldId="2147483648"/>
-              <pc:sldLayoutMk cId="2761397800" sldId="2147483884"/>
-              <ac:spMk id="2" creationId="{00000000-0000-0000-0000-000000000000}"/>
-            </ac:spMkLst>
-          </pc:spChg>
-          <pc:spChg chg="mod">
-            <ac:chgData name="Hughes, Joseph D" userId="bd5f5bbf-fc0b-41ca-af42-bfb8d56f1f7b" providerId="ADAL" clId="{C67A0D07-8AED-A74E-B1BB-567FB2C22816}" dt="2023-01-05T22:26:18.561" v="0"/>
-            <ac:spMkLst>
-              <pc:docMk/>
-              <pc:sldMasterMk cId="0" sldId="2147483648"/>
-              <pc:sldLayoutMk cId="2761397800" sldId="2147483884"/>
-              <ac:spMk id="3" creationId="{00000000-0000-0000-0000-000000000000}"/>
-            </ac:spMkLst>
-          </pc:spChg>
-          <pc:spChg chg="mod">
-            <ac:chgData name="Hughes, Joseph D" userId="bd5f5bbf-fc0b-41ca-af42-bfb8d56f1f7b" providerId="ADAL" clId="{C67A0D07-8AED-A74E-B1BB-567FB2C22816}" dt="2023-01-05T22:26:18.561" v="0"/>
-            <ac:spMkLst>
-              <pc:docMk/>
-              <pc:sldMasterMk cId="0" sldId="2147483648"/>
-              <pc:sldLayoutMk cId="2761397800" sldId="2147483884"/>
-              <ac:spMk id="4" creationId="{00000000-0000-0000-0000-000000000000}"/>
-            </ac:spMkLst>
-          </pc:spChg>
-        </pc:sldLayoutChg>
-        <pc:sldLayoutChg chg="modSp">
-          <pc:chgData name="Hughes, Joseph D" userId="bd5f5bbf-fc0b-41ca-af42-bfb8d56f1f7b" providerId="ADAL" clId="{C67A0D07-8AED-A74E-B1BB-567FB2C22816}" dt="2023-01-05T22:26:18.561" v="0"/>
-          <pc:sldLayoutMkLst>
-            <pc:docMk/>
-            <pc:sldMasterMk cId="0" sldId="2147483648"/>
-            <pc:sldLayoutMk cId="2300100707" sldId="2147483886"/>
-          </pc:sldLayoutMkLst>
-          <pc:spChg chg="mod">
-            <ac:chgData name="Hughes, Joseph D" userId="bd5f5bbf-fc0b-41ca-af42-bfb8d56f1f7b" providerId="ADAL" clId="{C67A0D07-8AED-A74E-B1BB-567FB2C22816}" dt="2023-01-05T22:26:18.561" v="0"/>
-            <ac:spMkLst>
-              <pc:docMk/>
-              <pc:sldMasterMk cId="0" sldId="2147483648"/>
-              <pc:sldLayoutMk cId="2300100707" sldId="2147483886"/>
-              <ac:spMk id="2" creationId="{00000000-0000-0000-0000-000000000000}"/>
-            </ac:spMkLst>
-          </pc:spChg>
-          <pc:spChg chg="mod">
-            <ac:chgData name="Hughes, Joseph D" userId="bd5f5bbf-fc0b-41ca-af42-bfb8d56f1f7b" providerId="ADAL" clId="{C67A0D07-8AED-A74E-B1BB-567FB2C22816}" dt="2023-01-05T22:26:18.561" v="0"/>
-            <ac:spMkLst>
-              <pc:docMk/>
-              <pc:sldMasterMk cId="0" sldId="2147483648"/>
-              <pc:sldLayoutMk cId="2300100707" sldId="2147483886"/>
-              <ac:spMk id="3" creationId="{00000000-0000-0000-0000-000000000000}"/>
-            </ac:spMkLst>
-          </pc:spChg>
-        </pc:sldLayoutChg>
-        <pc:sldLayoutChg chg="addSp delSp modSp mod">
-          <pc:chgData name="Hughes, Joseph D" userId="bd5f5bbf-fc0b-41ca-af42-bfb8d56f1f7b" providerId="ADAL" clId="{C67A0D07-8AED-A74E-B1BB-567FB2C22816}" dt="2023-01-05T22:26:49.347" v="7"/>
-          <pc:sldLayoutMkLst>
-            <pc:docMk/>
-            <pc:sldMasterMk cId="0" sldId="2147483888"/>
-            <pc:sldLayoutMk cId="500753154" sldId="2147483889"/>
-          </pc:sldLayoutMkLst>
-          <pc:spChg chg="mod">
-            <ac:chgData name="Hughes, Joseph D" userId="bd5f5bbf-fc0b-41ca-af42-bfb8d56f1f7b" providerId="ADAL" clId="{C67A0D07-8AED-A74E-B1BB-567FB2C22816}" dt="2023-01-05T22:26:18.561" v="0"/>
-            <ac:spMkLst>
-              <pc:docMk/>
-              <pc:sldMasterMk cId="0" sldId="2147483888"/>
-              <pc:sldLayoutMk cId="500753154" sldId="2147483889"/>
-              <ac:spMk id="4" creationId="{00000000-0000-0000-0000-000000000000}"/>
-            </ac:spMkLst>
-          </pc:spChg>
-          <pc:spChg chg="mod">
-            <ac:chgData name="Hughes, Joseph D" userId="bd5f5bbf-fc0b-41ca-af42-bfb8d56f1f7b" providerId="ADAL" clId="{C67A0D07-8AED-A74E-B1BB-567FB2C22816}" dt="2023-01-05T22:26:18.561" v="0"/>
-            <ac:spMkLst>
-              <pc:docMk/>
-              <pc:sldMasterMk cId="0" sldId="2147483888"/>
-              <pc:sldLayoutMk cId="500753154" sldId="2147483889"/>
-              <ac:spMk id="104450" creationId="{00000000-0000-0000-0000-000000000000}"/>
-            </ac:spMkLst>
-          </pc:spChg>
-          <pc:spChg chg="mod">
-            <ac:chgData name="Hughes, Joseph D" userId="bd5f5bbf-fc0b-41ca-af42-bfb8d56f1f7b" providerId="ADAL" clId="{C67A0D07-8AED-A74E-B1BB-567FB2C22816}" dt="2023-01-05T22:26:18.561" v="0"/>
-            <ac:spMkLst>
-              <pc:docMk/>
-              <pc:sldMasterMk cId="0" sldId="2147483888"/>
-              <pc:sldLayoutMk cId="500753154" sldId="2147483889"/>
-              <ac:spMk id="104451" creationId="{00000000-0000-0000-0000-000000000000}"/>
-            </ac:spMkLst>
-          </pc:spChg>
-          <pc:picChg chg="add mod">
-            <ac:chgData name="Hughes, Joseph D" userId="bd5f5bbf-fc0b-41ca-af42-bfb8d56f1f7b" providerId="ADAL" clId="{C67A0D07-8AED-A74E-B1BB-567FB2C22816}" dt="2023-01-05T22:26:49.347" v="7"/>
-            <ac:picMkLst>
-              <pc:docMk/>
-              <pc:sldMasterMk cId="0" sldId="2147483888"/>
-              <pc:sldLayoutMk cId="500753154" sldId="2147483889"/>
-              <ac:picMk id="2" creationId="{048D1F53-4D85-AAED-FCEE-18733DE76A09}"/>
-            </ac:picMkLst>
-          </pc:picChg>
-          <pc:picChg chg="del mod">
-            <ac:chgData name="Hughes, Joseph D" userId="bd5f5bbf-fc0b-41ca-af42-bfb8d56f1f7b" providerId="ADAL" clId="{C67A0D07-8AED-A74E-B1BB-567FB2C22816}" dt="2023-01-05T22:26:48.909" v="6" actId="478"/>
-            <ac:picMkLst>
-              <pc:docMk/>
-              <pc:sldMasterMk cId="0" sldId="2147483888"/>
-              <pc:sldLayoutMk cId="500753154" sldId="2147483889"/>
-              <ac:picMk id="5" creationId="{00000000-0000-0000-0000-000000000000}"/>
-            </ac:picMkLst>
-          </pc:picChg>
-        </pc:sldLayoutChg>
-      </pc:sldMasterChg>
-    </pc:docChg>
-  </pc:docChgLst>
 </pc:chgInfo>
 </file>
 
@@ -2694,14 +2694,14 @@
           <a:effectLst/>
           <a:extLst>
             <a:ext uri="{909E8E84-426E-40dd-AFC4-6F175D3DCCD1}">
-              <a14:hiddenFill xmlns="" xmlns:a14="http://schemas.microsoft.com/office/drawing/2010/main">
+              <a14:hiddenFill xmlns:a14="http://schemas.microsoft.com/office/drawing/2010/main" xmlns="">
                 <a:solidFill>
                   <a:schemeClr val="accent1"/>
                 </a:solidFill>
               </a14:hiddenFill>
             </a:ext>
             <a:ext uri="{91240B29-F687-4f45-9708-019B960494DF}">
-              <a14:hiddenLine xmlns="" xmlns:a14="http://schemas.microsoft.com/office/drawing/2010/main" w="12700">
+              <a14:hiddenLine xmlns:a14="http://schemas.microsoft.com/office/drawing/2010/main" xmlns="" w="12700">
                 <a:solidFill>
                   <a:schemeClr val="tx1"/>
                 </a:solidFill>
@@ -2711,7 +2711,7 @@
               </a14:hiddenLine>
             </a:ext>
             <a:ext uri="{AF507438-7753-43e0-B8FC-AC1667EBCBE1}">
-              <a14:hiddenEffects xmlns="" xmlns:a14="http://schemas.microsoft.com/office/drawing/2010/main">
+              <a14:hiddenEffects xmlns:a14="http://schemas.microsoft.com/office/drawing/2010/main" xmlns="">
                 <a:effectLst>
                   <a:outerShdw blurRad="63500" dist="38099" dir="2700000" algn="ctr" rotWithShape="0">
                     <a:schemeClr val="bg2">
@@ -2722,7 +2722,7 @@
               </a14:hiddenEffects>
             </a:ext>
             <a:ext uri="{FAA26D3D-D897-4be2-8F04-BA451C77F1D7}">
-              <ma14:placeholderFlag xmlns="" xmlns:ma14="http://schemas.microsoft.com/office/mac/drawingml/2011/main" val="1"/>
+              <ma14:placeholderFlag xmlns:ma14="http://schemas.microsoft.com/office/mac/drawingml/2011/main" xmlns="" val="1"/>
             </a:ext>
           </a:extLst>
         </p:spPr>
@@ -2800,12 +2800,12 @@
           <a:effectLst/>
           <a:extLst>
             <a:ext uri="{909E8E84-426E-40dd-AFC4-6F175D3DCCD1}">
-              <a14:hiddenFill xmlns="" xmlns:a14="http://schemas.microsoft.com/office/drawing/2010/main">
+              <a14:hiddenFill xmlns:a14="http://schemas.microsoft.com/office/drawing/2010/main" xmlns="">
                 <a:noFill/>
               </a14:hiddenFill>
             </a:ext>
             <a:ext uri="{AF507438-7753-43e0-B8FC-AC1667EBCBE1}">
-              <a14:hiddenEffects xmlns="" xmlns:a14="http://schemas.microsoft.com/office/drawing/2010/main">
+              <a14:hiddenEffects xmlns:a14="http://schemas.microsoft.com/office/drawing/2010/main" xmlns="">
                 <a:effectLst>
                   <a:outerShdw blurRad="63500" dist="38099" dir="2700000" algn="ctr" rotWithShape="0">
                     <a:srgbClr val="000000">
@@ -2816,7 +2816,7 @@
               </a14:hiddenEffects>
             </a:ext>
             <a:ext uri="{53640926-AAD7-44d8-BBD7-CCE9431645EC}">
-              <a14:shadowObscured xmlns="" xmlns:a14="http://schemas.microsoft.com/office/drawing/2010/main" val="1"/>
+              <a14:shadowObscured xmlns:a14="http://schemas.microsoft.com/office/drawing/2010/main" xmlns="" val="1"/>
             </a:ext>
           </a:extLst>
         </p:spPr>
@@ -2994,14 +2994,14 @@
           <a:effectLst/>
           <a:extLst>
             <a:ext uri="{909E8E84-426E-40dd-AFC4-6F175D3DCCD1}">
-              <a14:hiddenFill xmlns:a14="http://schemas.microsoft.com/office/drawing/2010/main" xmlns="">
+              <a14:hiddenFill xmlns="" xmlns:a14="http://schemas.microsoft.com/office/drawing/2010/main">
                 <a:solidFill>
                   <a:schemeClr val="accent1"/>
                 </a:solidFill>
               </a14:hiddenFill>
             </a:ext>
             <a:ext uri="{91240B29-F687-4f45-9708-019B960494DF}">
-              <a14:hiddenLine xmlns:a14="http://schemas.microsoft.com/office/drawing/2010/main" xmlns="" w="12700">
+              <a14:hiddenLine xmlns="" xmlns:a14="http://schemas.microsoft.com/office/drawing/2010/main" w="12700">
                 <a:solidFill>
                   <a:schemeClr val="tx1"/>
                 </a:solidFill>
@@ -3011,7 +3011,7 @@
               </a14:hiddenLine>
             </a:ext>
             <a:ext uri="{AF507438-7753-43e0-B8FC-AC1667EBCBE1}">
-              <a14:hiddenEffects xmlns:a14="http://schemas.microsoft.com/office/drawing/2010/main" xmlns="">
+              <a14:hiddenEffects xmlns="" xmlns:a14="http://schemas.microsoft.com/office/drawing/2010/main">
                 <a:effectLst>
                   <a:outerShdw blurRad="63500" dist="38099" dir="2700000" algn="ctr" rotWithShape="0">
                     <a:schemeClr val="bg2">
@@ -3166,14 +3166,14 @@
           </a:ln>
           <a:extLst>
             <a:ext uri="{909E8E84-426E-40dd-AFC4-6F175D3DCCD1}">
-              <a14:hiddenFill xmlns:a14="http://schemas.microsoft.com/office/drawing/2010/main" xmlns="">
+              <a14:hiddenFill xmlns="" xmlns:a14="http://schemas.microsoft.com/office/drawing/2010/main">
                 <a:solidFill>
                   <a:srgbClr val="FFFFFF"/>
                 </a:solidFill>
               </a14:hiddenFill>
             </a:ext>
             <a:ext uri="{91240B29-F687-4f45-9708-019B960494DF}">
-              <a14:hiddenLine xmlns:a14="http://schemas.microsoft.com/office/drawing/2010/main" xmlns="" w="9525">
+              <a14:hiddenLine xmlns="" xmlns:a14="http://schemas.microsoft.com/office/drawing/2010/main" w="9525">
                 <a:solidFill>
                   <a:srgbClr val="000000"/>
                 </a:solidFill>
@@ -4752,14 +4752,14 @@
           <a:effectLst/>
           <a:extLst>
             <a:ext uri="{909E8E84-426E-40dd-AFC4-6F175D3DCCD1}">
-              <a14:hiddenFill xmlns:a14="http://schemas.microsoft.com/office/drawing/2010/main" xmlns="">
+              <a14:hiddenFill xmlns="" xmlns:a14="http://schemas.microsoft.com/office/drawing/2010/main">
                 <a:solidFill>
                   <a:schemeClr val="accent1"/>
                 </a:solidFill>
               </a14:hiddenFill>
             </a:ext>
             <a:ext uri="{91240B29-F687-4f45-9708-019B960494DF}">
-              <a14:hiddenLine xmlns:a14="http://schemas.microsoft.com/office/drawing/2010/main" xmlns="" w="12700">
+              <a14:hiddenLine xmlns="" xmlns:a14="http://schemas.microsoft.com/office/drawing/2010/main" w="12700">
                 <a:solidFill>
                   <a:schemeClr val="tx1"/>
                 </a:solidFill>
@@ -4769,7 +4769,7 @@
               </a14:hiddenLine>
             </a:ext>
             <a:ext uri="{AF507438-7753-43e0-B8FC-AC1667EBCBE1}">
-              <a14:hiddenEffects xmlns:a14="http://schemas.microsoft.com/office/drawing/2010/main" xmlns="">
+              <a14:hiddenEffects xmlns="" xmlns:a14="http://schemas.microsoft.com/office/drawing/2010/main">
                 <a:effectLst>
                   <a:outerShdw blurRad="63500" dist="38099" dir="2700000" algn="ctr" rotWithShape="0">
                     <a:schemeClr val="bg2">
@@ -4780,7 +4780,7 @@
               </a14:hiddenEffects>
             </a:ext>
             <a:ext uri="{FAA26D3D-D897-4be2-8F04-BA451C77F1D7}">
-              <ma14:placeholderFlag xmlns:ma14="http://schemas.microsoft.com/office/mac/drawingml/2011/main" xmlns="" val="1"/>
+              <ma14:placeholderFlag xmlns="" xmlns:ma14="http://schemas.microsoft.com/office/mac/drawingml/2011/main" val="1"/>
             </a:ext>
           </a:extLst>
         </p:spPr>
@@ -4825,14 +4825,14 @@
           <a:effectLst/>
           <a:extLst>
             <a:ext uri="{909E8E84-426E-40dd-AFC4-6F175D3DCCD1}">
-              <a14:hiddenFill xmlns:a14="http://schemas.microsoft.com/office/drawing/2010/main" xmlns="">
+              <a14:hiddenFill xmlns="" xmlns:a14="http://schemas.microsoft.com/office/drawing/2010/main">
                 <a:solidFill>
                   <a:schemeClr val="accent1"/>
                 </a:solidFill>
               </a14:hiddenFill>
             </a:ext>
             <a:ext uri="{91240B29-F687-4f45-9708-019B960494DF}">
-              <a14:hiddenLine xmlns:a14="http://schemas.microsoft.com/office/drawing/2010/main" xmlns="" w="12700">
+              <a14:hiddenLine xmlns="" xmlns:a14="http://schemas.microsoft.com/office/drawing/2010/main" w="12700">
                 <a:solidFill>
                   <a:schemeClr val="tx1"/>
                 </a:solidFill>
@@ -4842,7 +4842,7 @@
               </a14:hiddenLine>
             </a:ext>
             <a:ext uri="{AF507438-7753-43e0-B8FC-AC1667EBCBE1}">
-              <a14:hiddenEffects xmlns:a14="http://schemas.microsoft.com/office/drawing/2010/main" xmlns="">
+              <a14:hiddenEffects xmlns="" xmlns:a14="http://schemas.microsoft.com/office/drawing/2010/main">
                 <a:effectLst>
                   <a:outerShdw blurRad="63500" dist="38099" dir="2700000" algn="ctr" rotWithShape="0">
                     <a:schemeClr val="bg2">
@@ -4853,7 +4853,7 @@
               </a14:hiddenEffects>
             </a:ext>
             <a:ext uri="{FAA26D3D-D897-4be2-8F04-BA451C77F1D7}">
-              <ma14:placeholderFlag xmlns:ma14="http://schemas.microsoft.com/office/mac/drawingml/2011/main" xmlns="" val="1"/>
+              <ma14:placeholderFlag xmlns="" xmlns:ma14="http://schemas.microsoft.com/office/mac/drawingml/2011/main" val="1"/>
             </a:ext>
           </a:extLst>
         </p:spPr>
@@ -4943,14 +4943,14 @@
           </a:ln>
           <a:extLst>
             <a:ext uri="{909E8E84-426E-40dd-AFC4-6F175D3DCCD1}">
-              <a14:hiddenFill xmlns:a14="http://schemas.microsoft.com/office/drawing/2010/main" xmlns="">
+              <a14:hiddenFill xmlns="" xmlns:a14="http://schemas.microsoft.com/office/drawing/2010/main">
                 <a:solidFill>
                   <a:srgbClr val="FFFFFF"/>
                 </a:solidFill>
               </a14:hiddenFill>
             </a:ext>
             <a:ext uri="{91240B29-F687-4f45-9708-019B960494DF}">
-              <a14:hiddenLine xmlns:a14="http://schemas.microsoft.com/office/drawing/2010/main" xmlns="" w="9525">
+              <a14:hiddenLine xmlns="" xmlns:a14="http://schemas.microsoft.com/office/drawing/2010/main" w="9525">
                 <a:solidFill>
                   <a:srgbClr val="000000"/>
                 </a:solidFill>
@@ -8082,7 +8082,7 @@
         <a:effectLst/>
         <a:extLst>
           <a:ext uri="{AF507438-7753-43e0-B8FC-AC1667EBCBE1}">
-            <a14:hiddenEffects xmlns:a14="http://schemas.microsoft.com/office/drawing/2010/main" xmlns="">
+            <a14:hiddenEffects xmlns="" xmlns:a14="http://schemas.microsoft.com/office/drawing/2010/main">
               <a:effectLst>
                 <a:outerShdw blurRad="63500" dist="38099" dir="2700000" algn="ctr" rotWithShape="0">
                   <a:schemeClr val="bg2">
@@ -8158,7 +8158,7 @@
         <a:effectLst/>
         <a:extLst>
           <a:ext uri="{AF507438-7753-43e0-B8FC-AC1667EBCBE1}">
-            <a14:hiddenEffects xmlns:a14="http://schemas.microsoft.com/office/drawing/2010/main" xmlns="">
+            <a14:hiddenEffects xmlns="" xmlns:a14="http://schemas.microsoft.com/office/drawing/2010/main">
               <a:effectLst>
                 <a:outerShdw blurRad="63500" dist="38099" dir="2700000" algn="ctr" rotWithShape="0">
                   <a:schemeClr val="bg2">
